--- a/PDF's Images/Python Tuples.pptx
+++ b/PDF's Images/Python Tuples.pptx
@@ -2,7 +2,7 @@
 <file path=ppt/presentation.xml><?xml version="1.0" encoding="utf-8"?>
 <p:presentation xmlns:a="http://schemas.openxmlformats.org/drawingml/2006/main" xmlns:r="http://schemas.openxmlformats.org/officeDocument/2006/relationships" xmlns:p="http://schemas.openxmlformats.org/presentationml/2006/main" saveSubsetFonts="1">
   <p:sldMasterIdLst>
-    <p:sldMasterId id="2147483648" r:id="rId1"/>
+    <p:sldMasterId id="2147483744" r:id="rId1"/>
   </p:sldMasterIdLst>
   <p:sldIdLst>
     <p:sldId id="256" r:id="rId2"/>
@@ -44,7 +44,7 @@
     <a:defPPr>
       <a:defRPr lang="en-US"/>
     </a:defPPr>
-    <a:lvl1pPr marL="0" algn="l" defTabSz="914400" rtl="0" eaLnBrk="1" latinLnBrk="0" hangingPunct="1">
+    <a:lvl1pPr marL="0" algn="l" defTabSz="457200" rtl="0" eaLnBrk="1" latinLnBrk="0" hangingPunct="1">
       <a:defRPr sz="1800" kern="1200">
         <a:solidFill>
           <a:schemeClr val="tx1"/>
@@ -54,7 +54,7 @@
         <a:cs typeface="+mn-cs"/>
       </a:defRPr>
     </a:lvl1pPr>
-    <a:lvl2pPr marL="457200" algn="l" defTabSz="914400" rtl="0" eaLnBrk="1" latinLnBrk="0" hangingPunct="1">
+    <a:lvl2pPr marL="457200" algn="l" defTabSz="457200" rtl="0" eaLnBrk="1" latinLnBrk="0" hangingPunct="1">
       <a:defRPr sz="1800" kern="1200">
         <a:solidFill>
           <a:schemeClr val="tx1"/>
@@ -64,7 +64,7 @@
         <a:cs typeface="+mn-cs"/>
       </a:defRPr>
     </a:lvl2pPr>
-    <a:lvl3pPr marL="914400" algn="l" defTabSz="914400" rtl="0" eaLnBrk="1" latinLnBrk="0" hangingPunct="1">
+    <a:lvl3pPr marL="914400" algn="l" defTabSz="457200" rtl="0" eaLnBrk="1" latinLnBrk="0" hangingPunct="1">
       <a:defRPr sz="1800" kern="1200">
         <a:solidFill>
           <a:schemeClr val="tx1"/>
@@ -74,7 +74,7 @@
         <a:cs typeface="+mn-cs"/>
       </a:defRPr>
     </a:lvl3pPr>
-    <a:lvl4pPr marL="1371600" algn="l" defTabSz="914400" rtl="0" eaLnBrk="1" latinLnBrk="0" hangingPunct="1">
+    <a:lvl4pPr marL="1371600" algn="l" defTabSz="457200" rtl="0" eaLnBrk="1" latinLnBrk="0" hangingPunct="1">
       <a:defRPr sz="1800" kern="1200">
         <a:solidFill>
           <a:schemeClr val="tx1"/>
@@ -84,7 +84,7 @@
         <a:cs typeface="+mn-cs"/>
       </a:defRPr>
     </a:lvl4pPr>
-    <a:lvl5pPr marL="1828800" algn="l" defTabSz="914400" rtl="0" eaLnBrk="1" latinLnBrk="0" hangingPunct="1">
+    <a:lvl5pPr marL="1828800" algn="l" defTabSz="457200" rtl="0" eaLnBrk="1" latinLnBrk="0" hangingPunct="1">
       <a:defRPr sz="1800" kern="1200">
         <a:solidFill>
           <a:schemeClr val="tx1"/>
@@ -94,7 +94,7 @@
         <a:cs typeface="+mn-cs"/>
       </a:defRPr>
     </a:lvl5pPr>
-    <a:lvl6pPr marL="2286000" algn="l" defTabSz="914400" rtl="0" eaLnBrk="1" latinLnBrk="0" hangingPunct="1">
+    <a:lvl6pPr marL="2286000" algn="l" defTabSz="457200" rtl="0" eaLnBrk="1" latinLnBrk="0" hangingPunct="1">
       <a:defRPr sz="1800" kern="1200">
         <a:solidFill>
           <a:schemeClr val="tx1"/>
@@ -104,7 +104,7 @@
         <a:cs typeface="+mn-cs"/>
       </a:defRPr>
     </a:lvl6pPr>
-    <a:lvl7pPr marL="2743200" algn="l" defTabSz="914400" rtl="0" eaLnBrk="1" latinLnBrk="0" hangingPunct="1">
+    <a:lvl7pPr marL="2743200" algn="l" defTabSz="457200" rtl="0" eaLnBrk="1" latinLnBrk="0" hangingPunct="1">
       <a:defRPr sz="1800" kern="1200">
         <a:solidFill>
           <a:schemeClr val="tx1"/>
@@ -114,7 +114,7 @@
         <a:cs typeface="+mn-cs"/>
       </a:defRPr>
     </a:lvl7pPr>
-    <a:lvl8pPr marL="3200400" algn="l" defTabSz="914400" rtl="0" eaLnBrk="1" latinLnBrk="0" hangingPunct="1">
+    <a:lvl8pPr marL="3200400" algn="l" defTabSz="457200" rtl="0" eaLnBrk="1" latinLnBrk="0" hangingPunct="1">
       <a:defRPr sz="1800" kern="1200">
         <a:solidFill>
           <a:schemeClr val="tx1"/>
@@ -124,7 +124,7 @@
         <a:cs typeface="+mn-cs"/>
       </a:defRPr>
     </a:lvl8pPr>
-    <a:lvl9pPr marL="3657600" algn="l" defTabSz="914400" rtl="0" eaLnBrk="1" latinLnBrk="0" hangingPunct="1">
+    <a:lvl9pPr marL="3657600" algn="l" defTabSz="457200" rtl="0" eaLnBrk="1" latinLnBrk="0" hangingPunct="1">
       <a:defRPr sz="1800" kern="1200">
         <a:solidFill>
           <a:schemeClr val="tx1"/>
@@ -172,23 +172,25 @@
         </p:nvSpPr>
         <p:spPr>
           <a:xfrm>
-            <a:off x="1524000" y="1122363"/>
-            <a:ext cx="9144000" cy="2387600"/>
+            <a:off x="2417779" y="802298"/>
+            <a:ext cx="8637073" cy="2541431"/>
           </a:xfrm>
         </p:spPr>
         <p:txBody>
-          <a:bodyPr anchor="b"/>
+          <a:bodyPr bIns="0" anchor="b">
+            <a:normAutofit/>
+          </a:bodyPr>
           <a:lstStyle>
-            <a:lvl1pPr algn="ctr">
-              <a:defRPr sz="6000"/>
+            <a:lvl1pPr algn="l">
+              <a:defRPr sz="6600"/>
             </a:lvl1pPr>
           </a:lstStyle>
           <a:p>
             <a:r>
-              <a:rPr lang="en-US" smtClean="0"/>
+              <a:rPr lang="en-US"/>
               <a:t>Click to edit Master title style</a:t>
             </a:r>
-            <a:endParaRPr lang="en-IN"/>
+            <a:endParaRPr lang="en-US" dirty="0"/>
           </a:p>
         </p:txBody>
       </p:sp>
@@ -204,20 +206,26 @@
         </p:nvSpPr>
         <p:spPr>
           <a:xfrm>
-            <a:off x="1524000" y="3602038"/>
-            <a:ext cx="9144000" cy="1655762"/>
+            <a:off x="2417780" y="3531204"/>
+            <a:ext cx="8637072" cy="977621"/>
           </a:xfrm>
         </p:spPr>
         <p:txBody>
-          <a:bodyPr/>
+          <a:bodyPr tIns="91440" bIns="91440">
+            <a:normAutofit/>
+          </a:bodyPr>
           <a:lstStyle>
-            <a:lvl1pPr marL="0" indent="0" algn="ctr">
-              <a:buNone/>
-              <a:defRPr sz="2400"/>
+            <a:lvl1pPr marL="0" indent="0" algn="l">
+              <a:buNone/>
+              <a:defRPr sz="1800" b="0" cap="all" baseline="0">
+                <a:solidFill>
+                  <a:schemeClr val="tx1"/>
+                </a:solidFill>
+              </a:defRPr>
             </a:lvl1pPr>
             <a:lvl2pPr marL="457200" indent="0" algn="ctr">
               <a:buNone/>
-              <a:defRPr sz="2000"/>
+              <a:defRPr sz="1800"/>
             </a:lvl2pPr>
             <a:lvl3pPr marL="914400" indent="0" algn="ctr">
               <a:buNone/>
@@ -250,10 +258,10 @@
           </a:lstStyle>
           <a:p>
             <a:r>
-              <a:rPr lang="en-US" smtClean="0"/>
+              <a:rPr lang="en-US"/>
               <a:t>Click to edit Master subtitle style</a:t>
             </a:r>
-            <a:endParaRPr lang="en-IN"/>
+            <a:endParaRPr lang="en-US" dirty="0"/>
           </a:p>
         </p:txBody>
       </p:sp>
@@ -274,7 +282,7 @@
           <a:p>
             <a:fld id="{B6A416D0-654A-440E-B7B0-D96ECF83BE2D}" type="datetimeFigureOut">
               <a:rPr lang="en-IN" smtClean="0"/>
-              <a:t>28-03-2023</a:t>
+              <a:t>08-04-2025</a:t>
             </a:fld>
             <a:endParaRPr lang="en-IN"/>
           </a:p>
@@ -290,7 +298,12 @@
             <p:ph type="ftr" sz="quarter" idx="11"/>
           </p:nvPr>
         </p:nvSpPr>
-        <p:spPr/>
+        <p:spPr>
+          <a:xfrm>
+            <a:off x="2416500" y="329307"/>
+            <a:ext cx="4973915" cy="309201"/>
+          </a:xfrm>
+        </p:spPr>
         <p:txBody>
           <a:bodyPr/>
           <a:lstStyle/>
@@ -309,7 +322,12 @@
             <p:ph type="sldNum" sz="quarter" idx="12"/>
           </p:nvPr>
         </p:nvSpPr>
-        <p:spPr/>
+        <p:spPr>
+          <a:xfrm>
+            <a:off x="1437664" y="798973"/>
+            <a:ext cx="811019" cy="503578"/>
+          </a:xfrm>
+        </p:spPr>
         <p:txBody>
           <a:bodyPr/>
           <a:lstStyle/>
@@ -322,10 +340,41 @@
           </a:p>
         </p:txBody>
       </p:sp>
+      <p:cxnSp>
+        <p:nvCxnSpPr>
+          <p:cNvPr id="15" name="Straight Connector 14"/>
+          <p:cNvCxnSpPr/>
+          <p:nvPr/>
+        </p:nvCxnSpPr>
+        <p:spPr>
+          <a:xfrm>
+            <a:off x="2417780" y="3528542"/>
+            <a:ext cx="8637072" cy="0"/>
+          </a:xfrm>
+          <a:prstGeom prst="line">
+            <a:avLst/>
+          </a:prstGeom>
+          <a:ln w="31750"/>
+        </p:spPr>
+        <p:style>
+          <a:lnRef idx="3">
+            <a:schemeClr val="accent1"/>
+          </a:lnRef>
+          <a:fillRef idx="0">
+            <a:schemeClr val="accent1"/>
+          </a:fillRef>
+          <a:effectRef idx="2">
+            <a:schemeClr val="accent1"/>
+          </a:effectRef>
+          <a:fontRef idx="minor">
+            <a:schemeClr val="tx1"/>
+          </a:fontRef>
+        </p:style>
+      </p:cxnSp>
     </p:spTree>
     <p:extLst>
       <p:ext uri="{BB962C8B-B14F-4D97-AF65-F5344CB8AC3E}">
-        <p14:creationId xmlns:p14="http://schemas.microsoft.com/office/powerpoint/2010/main" val="1538930278"/>
+        <p14:creationId xmlns:p14="http://schemas.microsoft.com/office/powerpoint/2010/main" val="1429505255"/>
       </p:ext>
     </p:extLst>
   </p:cSld>
@@ -368,10 +417,10 @@
           <a:lstStyle/>
           <a:p>
             <a:r>
-              <a:rPr lang="en-US" smtClean="0"/>
+              <a:rPr lang="en-US"/>
               <a:t>Click to edit Master title style</a:t>
             </a:r>
-            <a:endParaRPr lang="en-IN"/>
+            <a:endParaRPr lang="en-US" dirty="0"/>
           </a:p>
         </p:txBody>
       </p:sp>
@@ -392,38 +441,38 @@
           <a:p>
             <a:pPr lvl="0"/>
             <a:r>
-              <a:rPr lang="en-US" smtClean="0"/>
-              <a:t>Click to edit Master text styles</a:t>
+              <a:rPr lang="en-US"/>
+              <a:t>Edit Master text styles</a:t>
             </a:r>
           </a:p>
           <a:p>
             <a:pPr lvl="1"/>
             <a:r>
-              <a:rPr lang="en-US" smtClean="0"/>
+              <a:rPr lang="en-US"/>
               <a:t>Second level</a:t>
             </a:r>
           </a:p>
           <a:p>
             <a:pPr lvl="2"/>
             <a:r>
-              <a:rPr lang="en-US" smtClean="0"/>
+              <a:rPr lang="en-US"/>
               <a:t>Third level</a:t>
             </a:r>
           </a:p>
           <a:p>
             <a:pPr lvl="3"/>
             <a:r>
-              <a:rPr lang="en-US" smtClean="0"/>
+              <a:rPr lang="en-US"/>
               <a:t>Fourth level</a:t>
             </a:r>
           </a:p>
           <a:p>
             <a:pPr lvl="4"/>
             <a:r>
-              <a:rPr lang="en-US" smtClean="0"/>
+              <a:rPr lang="en-US"/>
               <a:t>Fifth level</a:t>
             </a:r>
-            <a:endParaRPr lang="en-IN"/>
+            <a:endParaRPr lang="en-US" dirty="0"/>
           </a:p>
         </p:txBody>
       </p:sp>
@@ -444,7 +493,7 @@
           <a:p>
             <a:fld id="{B6A416D0-654A-440E-B7B0-D96ECF83BE2D}" type="datetimeFigureOut">
               <a:rPr lang="en-IN" smtClean="0"/>
-              <a:t>28-03-2023</a:t>
+              <a:t>08-04-2025</a:t>
             </a:fld>
             <a:endParaRPr lang="en-IN"/>
           </a:p>
@@ -492,10 +541,41 @@
           </a:p>
         </p:txBody>
       </p:sp>
+      <p:cxnSp>
+        <p:nvCxnSpPr>
+          <p:cNvPr id="26" name="Straight Connector 25"/>
+          <p:cNvCxnSpPr/>
+          <p:nvPr/>
+        </p:nvCxnSpPr>
+        <p:spPr>
+          <a:xfrm>
+            <a:off x="1453896" y="1847088"/>
+            <a:ext cx="9607522" cy="0"/>
+          </a:xfrm>
+          <a:prstGeom prst="line">
+            <a:avLst/>
+          </a:prstGeom>
+          <a:ln w="31750"/>
+        </p:spPr>
+        <p:style>
+          <a:lnRef idx="3">
+            <a:schemeClr val="accent1"/>
+          </a:lnRef>
+          <a:fillRef idx="0">
+            <a:schemeClr val="accent1"/>
+          </a:fillRef>
+          <a:effectRef idx="2">
+            <a:schemeClr val="accent1"/>
+          </a:effectRef>
+          <a:fontRef idx="minor">
+            <a:schemeClr val="tx1"/>
+          </a:fontRef>
+        </p:style>
+      </p:cxnSp>
     </p:spTree>
     <p:extLst>
       <p:ext uri="{BB962C8B-B14F-4D97-AF65-F5344CB8AC3E}">
-        <p14:creationId xmlns:p14="http://schemas.microsoft.com/office/powerpoint/2010/main" val="2689788430"/>
+        <p14:creationId xmlns:p14="http://schemas.microsoft.com/office/powerpoint/2010/main" val="3158511698"/>
       </p:ext>
     </p:extLst>
   </p:cSld>
@@ -534,19 +614,23 @@
         </p:nvSpPr>
         <p:spPr>
           <a:xfrm>
-            <a:off x="8724900" y="365125"/>
-            <a:ext cx="2628900" cy="5811838"/>
+            <a:off x="9439111" y="798973"/>
+            <a:ext cx="1615742" cy="4659889"/>
           </a:xfrm>
         </p:spPr>
         <p:txBody>
           <a:bodyPr vert="eaVert"/>
-          <a:lstStyle/>
-          <a:p>
-            <a:r>
-              <a:rPr lang="en-US" smtClean="0"/>
+          <a:lstStyle>
+            <a:lvl1pPr algn="l">
+              <a:defRPr/>
+            </a:lvl1pPr>
+          </a:lstStyle>
+          <a:p>
+            <a:r>
+              <a:rPr lang="en-US"/>
               <a:t>Click to edit Master title style</a:t>
             </a:r>
-            <a:endParaRPr lang="en-IN"/>
+            <a:endParaRPr lang="en-US" dirty="0"/>
           </a:p>
         </p:txBody>
       </p:sp>
@@ -562,8 +646,8 @@
         </p:nvSpPr>
         <p:spPr>
           <a:xfrm>
-            <a:off x="838200" y="365125"/>
-            <a:ext cx="7734300" cy="5811838"/>
+            <a:off x="1444672" y="798973"/>
+            <a:ext cx="7828830" cy="4659889"/>
           </a:xfrm>
         </p:spPr>
         <p:txBody>
@@ -572,38 +656,38 @@
           <a:p>
             <a:pPr lvl="0"/>
             <a:r>
-              <a:rPr lang="en-US" smtClean="0"/>
-              <a:t>Click to edit Master text styles</a:t>
+              <a:rPr lang="en-US"/>
+              <a:t>Edit Master text styles</a:t>
             </a:r>
           </a:p>
           <a:p>
             <a:pPr lvl="1"/>
             <a:r>
-              <a:rPr lang="en-US" smtClean="0"/>
+              <a:rPr lang="en-US"/>
               <a:t>Second level</a:t>
             </a:r>
           </a:p>
           <a:p>
             <a:pPr lvl="2"/>
             <a:r>
-              <a:rPr lang="en-US" smtClean="0"/>
+              <a:rPr lang="en-US"/>
               <a:t>Third level</a:t>
             </a:r>
           </a:p>
           <a:p>
             <a:pPr lvl="3"/>
             <a:r>
-              <a:rPr lang="en-US" smtClean="0"/>
+              <a:rPr lang="en-US"/>
               <a:t>Fourth level</a:t>
             </a:r>
           </a:p>
           <a:p>
             <a:pPr lvl="4"/>
             <a:r>
-              <a:rPr lang="en-US" smtClean="0"/>
+              <a:rPr lang="en-US"/>
               <a:t>Fifth level</a:t>
             </a:r>
-            <a:endParaRPr lang="en-IN"/>
+            <a:endParaRPr lang="en-US" dirty="0"/>
           </a:p>
         </p:txBody>
       </p:sp>
@@ -624,7 +708,7 @@
           <a:p>
             <a:fld id="{B6A416D0-654A-440E-B7B0-D96ECF83BE2D}" type="datetimeFigureOut">
               <a:rPr lang="en-IN" smtClean="0"/>
-              <a:t>28-03-2023</a:t>
+              <a:t>08-04-2025</a:t>
             </a:fld>
             <a:endParaRPr lang="en-IN"/>
           </a:p>
@@ -672,10 +756,41 @@
           </a:p>
         </p:txBody>
       </p:sp>
+      <p:cxnSp>
+        <p:nvCxnSpPr>
+          <p:cNvPr id="15" name="Straight Connector 14"/>
+          <p:cNvCxnSpPr/>
+          <p:nvPr/>
+        </p:nvCxnSpPr>
+        <p:spPr>
+          <a:xfrm>
+            <a:off x="9439111" y="798973"/>
+            <a:ext cx="0" cy="4659889"/>
+          </a:xfrm>
+          <a:prstGeom prst="line">
+            <a:avLst/>
+          </a:prstGeom>
+          <a:ln w="31750"/>
+        </p:spPr>
+        <p:style>
+          <a:lnRef idx="3">
+            <a:schemeClr val="accent1"/>
+          </a:lnRef>
+          <a:fillRef idx="0">
+            <a:schemeClr val="accent1"/>
+          </a:fillRef>
+          <a:effectRef idx="2">
+            <a:schemeClr val="accent1"/>
+          </a:effectRef>
+          <a:fontRef idx="minor">
+            <a:schemeClr val="tx1"/>
+          </a:fontRef>
+        </p:style>
+      </p:cxnSp>
     </p:spTree>
     <p:extLst>
       <p:ext uri="{BB962C8B-B14F-4D97-AF65-F5344CB8AC3E}">
-        <p14:creationId xmlns:p14="http://schemas.microsoft.com/office/powerpoint/2010/main" val="2402041029"/>
+        <p14:creationId xmlns:p14="http://schemas.microsoft.com/office/powerpoint/2010/main" val="726405020"/>
       </p:ext>
     </p:extLst>
   </p:cSld>
@@ -718,10 +833,10 @@
           <a:lstStyle/>
           <a:p>
             <a:r>
-              <a:rPr lang="en-US" smtClean="0"/>
+              <a:rPr lang="en-US"/>
               <a:t>Click to edit Master title style</a:t>
             </a:r>
-            <a:endParaRPr lang="en-IN"/>
+            <a:endParaRPr lang="en-US" dirty="0"/>
           </a:p>
         </p:txBody>
       </p:sp>
@@ -737,43 +852,43 @@
         </p:nvSpPr>
         <p:spPr/>
         <p:txBody>
-          <a:bodyPr/>
+          <a:bodyPr anchor="t"/>
           <a:lstStyle/>
           <a:p>
             <a:pPr lvl="0"/>
             <a:r>
-              <a:rPr lang="en-US" smtClean="0"/>
-              <a:t>Click to edit Master text styles</a:t>
+              <a:rPr lang="en-US"/>
+              <a:t>Edit Master text styles</a:t>
             </a:r>
           </a:p>
           <a:p>
             <a:pPr lvl="1"/>
             <a:r>
-              <a:rPr lang="en-US" smtClean="0"/>
+              <a:rPr lang="en-US"/>
               <a:t>Second level</a:t>
             </a:r>
           </a:p>
           <a:p>
             <a:pPr lvl="2"/>
             <a:r>
-              <a:rPr lang="en-US" smtClean="0"/>
+              <a:rPr lang="en-US"/>
               <a:t>Third level</a:t>
             </a:r>
           </a:p>
           <a:p>
             <a:pPr lvl="3"/>
             <a:r>
-              <a:rPr lang="en-US" smtClean="0"/>
+              <a:rPr lang="en-US"/>
               <a:t>Fourth level</a:t>
             </a:r>
           </a:p>
           <a:p>
             <a:pPr lvl="4"/>
             <a:r>
-              <a:rPr lang="en-US" smtClean="0"/>
+              <a:rPr lang="en-US"/>
               <a:t>Fifth level</a:t>
             </a:r>
-            <a:endParaRPr lang="en-IN"/>
+            <a:endParaRPr lang="en-US" dirty="0"/>
           </a:p>
         </p:txBody>
       </p:sp>
@@ -794,7 +909,7 @@
           <a:p>
             <a:fld id="{B6A416D0-654A-440E-B7B0-D96ECF83BE2D}" type="datetimeFigureOut">
               <a:rPr lang="en-IN" smtClean="0"/>
-              <a:t>28-03-2023</a:t>
+              <a:t>08-04-2025</a:t>
             </a:fld>
             <a:endParaRPr lang="en-IN"/>
           </a:p>
@@ -842,10 +957,41 @@
           </a:p>
         </p:txBody>
       </p:sp>
+      <p:cxnSp>
+        <p:nvCxnSpPr>
+          <p:cNvPr id="33" name="Straight Connector 32"/>
+          <p:cNvCxnSpPr/>
+          <p:nvPr/>
+        </p:nvCxnSpPr>
+        <p:spPr>
+          <a:xfrm>
+            <a:off x="1453896" y="1847088"/>
+            <a:ext cx="9607522" cy="0"/>
+          </a:xfrm>
+          <a:prstGeom prst="line">
+            <a:avLst/>
+          </a:prstGeom>
+          <a:ln w="31750"/>
+        </p:spPr>
+        <p:style>
+          <a:lnRef idx="3">
+            <a:schemeClr val="accent1"/>
+          </a:lnRef>
+          <a:fillRef idx="0">
+            <a:schemeClr val="accent1"/>
+          </a:fillRef>
+          <a:effectRef idx="2">
+            <a:schemeClr val="accent1"/>
+          </a:effectRef>
+          <a:fontRef idx="minor">
+            <a:schemeClr val="tx1"/>
+          </a:fontRef>
+        </p:style>
+      </p:cxnSp>
     </p:spTree>
     <p:extLst>
       <p:ext uri="{BB962C8B-B14F-4D97-AF65-F5344CB8AC3E}">
-        <p14:creationId xmlns:p14="http://schemas.microsoft.com/office/powerpoint/2010/main" val="2705747956"/>
+        <p14:creationId xmlns:p14="http://schemas.microsoft.com/office/powerpoint/2010/main" val="3164069104"/>
       </p:ext>
     </p:extLst>
   </p:cSld>
@@ -884,23 +1030,25 @@
         </p:nvSpPr>
         <p:spPr>
           <a:xfrm>
-            <a:off x="831850" y="1709738"/>
-            <a:ext cx="10515600" cy="2852737"/>
+            <a:off x="1454239" y="1756130"/>
+            <a:ext cx="8643154" cy="1887950"/>
           </a:xfrm>
         </p:spPr>
         <p:txBody>
-          <a:bodyPr anchor="b"/>
+          <a:bodyPr anchor="b">
+            <a:normAutofit/>
+          </a:bodyPr>
           <a:lstStyle>
-            <a:lvl1pPr>
-              <a:defRPr sz="6000"/>
+            <a:lvl1pPr algn="l">
+              <a:defRPr sz="3600"/>
             </a:lvl1pPr>
           </a:lstStyle>
           <a:p>
             <a:r>
-              <a:rPr lang="en-US" smtClean="0"/>
+              <a:rPr lang="en-US"/>
               <a:t>Click to edit Master title style</a:t>
             </a:r>
-            <a:endParaRPr lang="en-IN"/>
+            <a:endParaRPr lang="en-US" dirty="0"/>
           </a:p>
         </p:txBody>
       </p:sp>
@@ -916,26 +1064,26 @@
         </p:nvSpPr>
         <p:spPr>
           <a:xfrm>
-            <a:off x="831850" y="4589463"/>
-            <a:ext cx="10515600" cy="1500187"/>
+            <a:off x="1454239" y="3806195"/>
+            <a:ext cx="8630446" cy="1012929"/>
           </a:xfrm>
         </p:spPr>
         <p:txBody>
-          <a:bodyPr/>
+          <a:bodyPr tIns="91440">
+            <a:normAutofit/>
+          </a:bodyPr>
           <a:lstStyle>
-            <a:lvl1pPr marL="0" indent="0">
-              <a:buNone/>
-              <a:defRPr sz="2400">
+            <a:lvl1pPr marL="0" indent="0" algn="l">
+              <a:buNone/>
+              <a:defRPr sz="1800">
                 <a:solidFill>
-                  <a:schemeClr val="tx1">
-                    <a:tint val="75000"/>
-                  </a:schemeClr>
+                  <a:schemeClr val="tx1"/>
                 </a:solidFill>
               </a:defRPr>
             </a:lvl1pPr>
             <a:lvl2pPr marL="457200" indent="0">
               <a:buNone/>
-              <a:defRPr sz="2000">
+              <a:defRPr sz="1800">
                 <a:solidFill>
                   <a:schemeClr val="tx1">
                     <a:tint val="75000"/>
@@ -1017,8 +1165,8 @@
           <a:p>
             <a:pPr lvl="0"/>
             <a:r>
-              <a:rPr lang="en-US" smtClean="0"/>
-              <a:t>Click to edit Master text styles</a:t>
+              <a:rPr lang="en-US"/>
+              <a:t>Edit Master text styles</a:t>
             </a:r>
           </a:p>
         </p:txBody>
@@ -1040,7 +1188,7 @@
           <a:p>
             <a:fld id="{B6A416D0-654A-440E-B7B0-D96ECF83BE2D}" type="datetimeFigureOut">
               <a:rPr lang="en-IN" smtClean="0"/>
-              <a:t>28-03-2023</a:t>
+              <a:t>08-04-2025</a:t>
             </a:fld>
             <a:endParaRPr lang="en-IN"/>
           </a:p>
@@ -1088,10 +1236,41 @@
           </a:p>
         </p:txBody>
       </p:sp>
+      <p:cxnSp>
+        <p:nvCxnSpPr>
+          <p:cNvPr id="15" name="Straight Connector 14"/>
+          <p:cNvCxnSpPr/>
+          <p:nvPr/>
+        </p:nvCxnSpPr>
+        <p:spPr>
+          <a:xfrm>
+            <a:off x="1454239" y="3804985"/>
+            <a:ext cx="8630446" cy="0"/>
+          </a:xfrm>
+          <a:prstGeom prst="line">
+            <a:avLst/>
+          </a:prstGeom>
+          <a:ln w="31750"/>
+        </p:spPr>
+        <p:style>
+          <a:lnRef idx="3">
+            <a:schemeClr val="accent1"/>
+          </a:lnRef>
+          <a:fillRef idx="0">
+            <a:schemeClr val="accent1"/>
+          </a:fillRef>
+          <a:effectRef idx="2">
+            <a:schemeClr val="accent1"/>
+          </a:effectRef>
+          <a:fontRef idx="minor">
+            <a:schemeClr val="tx1"/>
+          </a:fontRef>
+        </p:style>
+      </p:cxnSp>
     </p:spTree>
     <p:extLst>
       <p:ext uri="{BB962C8B-B14F-4D97-AF65-F5344CB8AC3E}">
-        <p14:creationId xmlns:p14="http://schemas.microsoft.com/office/powerpoint/2010/main" val="2226016472"/>
+        <p14:creationId xmlns:p14="http://schemas.microsoft.com/office/powerpoint/2010/main" val="973767147"/>
       </p:ext>
     </p:extLst>
   </p:cSld>
@@ -1128,90 +1307,38 @@
             <p:ph type="title"/>
           </p:nvPr>
         </p:nvSpPr>
-        <p:spPr/>
-        <p:txBody>
-          <a:bodyPr/>
-          <a:lstStyle/>
-          <a:p>
-            <a:r>
-              <a:rPr lang="en-US" smtClean="0"/>
-              <a:t>Click to edit Master title style</a:t>
-            </a:r>
-            <a:endParaRPr lang="en-IN"/>
-          </a:p>
-        </p:txBody>
-      </p:sp>
-      <p:sp>
-        <p:nvSpPr>
-          <p:cNvPr id="3" name="Content Placeholder 2"/>
-          <p:cNvSpPr>
-            <a:spLocks noGrp="1"/>
-          </p:cNvSpPr>
-          <p:nvPr>
-            <p:ph sz="half" idx="1"/>
-          </p:nvPr>
-        </p:nvSpPr>
         <p:spPr>
           <a:xfrm>
-            <a:off x="838200" y="1825625"/>
-            <a:ext cx="5181600" cy="4351338"/>
+            <a:off x="1449217" y="804889"/>
+            <a:ext cx="9605635" cy="1059305"/>
           </a:xfrm>
         </p:spPr>
         <p:txBody>
           <a:bodyPr/>
           <a:lstStyle/>
           <a:p>
-            <a:pPr lvl="0"/>
-            <a:r>
-              <a:rPr lang="en-US" smtClean="0"/>
-              <a:t>Click to edit Master text styles</a:t>
-            </a:r>
-          </a:p>
-          <a:p>
-            <a:pPr lvl="1"/>
-            <a:r>
-              <a:rPr lang="en-US" smtClean="0"/>
-              <a:t>Second level</a:t>
-            </a:r>
-          </a:p>
-          <a:p>
-            <a:pPr lvl="2"/>
-            <a:r>
-              <a:rPr lang="en-US" smtClean="0"/>
-              <a:t>Third level</a:t>
-            </a:r>
-          </a:p>
-          <a:p>
-            <a:pPr lvl="3"/>
-            <a:r>
-              <a:rPr lang="en-US" smtClean="0"/>
-              <a:t>Fourth level</a:t>
-            </a:r>
-          </a:p>
-          <a:p>
-            <a:pPr lvl="4"/>
-            <a:r>
-              <a:rPr lang="en-US" smtClean="0"/>
-              <a:t>Fifth level</a:t>
-            </a:r>
-            <a:endParaRPr lang="en-IN"/>
-          </a:p>
-        </p:txBody>
-      </p:sp>
-      <p:sp>
-        <p:nvSpPr>
-          <p:cNvPr id="4" name="Content Placeholder 3"/>
-          <p:cNvSpPr>
-            <a:spLocks noGrp="1"/>
-          </p:cNvSpPr>
-          <p:nvPr>
-            <p:ph sz="half" idx="2"/>
+            <a:r>
+              <a:rPr lang="en-US"/>
+              <a:t>Click to edit Master title style</a:t>
+            </a:r>
+            <a:endParaRPr lang="en-US" dirty="0"/>
+          </a:p>
+        </p:txBody>
+      </p:sp>
+      <p:sp>
+        <p:nvSpPr>
+          <p:cNvPr id="3" name="Content Placeholder 2"/>
+          <p:cNvSpPr>
+            <a:spLocks noGrp="1"/>
+          </p:cNvSpPr>
+          <p:nvPr>
+            <p:ph sz="half" idx="1"/>
           </p:nvPr>
         </p:nvSpPr>
         <p:spPr>
           <a:xfrm>
-            <a:off x="6172200" y="1825625"/>
-            <a:ext cx="5181600" cy="4351338"/>
+            <a:off x="1447331" y="2010878"/>
+            <a:ext cx="4645152" cy="3448595"/>
           </a:xfrm>
         </p:spPr>
         <p:txBody>
@@ -1220,38 +1347,95 @@
           <a:p>
             <a:pPr lvl="0"/>
             <a:r>
-              <a:rPr lang="en-US" smtClean="0"/>
-              <a:t>Click to edit Master text styles</a:t>
+              <a:rPr lang="en-US"/>
+              <a:t>Edit Master text styles</a:t>
             </a:r>
           </a:p>
           <a:p>
             <a:pPr lvl="1"/>
             <a:r>
-              <a:rPr lang="en-US" smtClean="0"/>
+              <a:rPr lang="en-US"/>
               <a:t>Second level</a:t>
             </a:r>
           </a:p>
           <a:p>
             <a:pPr lvl="2"/>
             <a:r>
-              <a:rPr lang="en-US" smtClean="0"/>
+              <a:rPr lang="en-US"/>
               <a:t>Third level</a:t>
             </a:r>
           </a:p>
           <a:p>
             <a:pPr lvl="3"/>
             <a:r>
-              <a:rPr lang="en-US" smtClean="0"/>
+              <a:rPr lang="en-US"/>
               <a:t>Fourth level</a:t>
             </a:r>
           </a:p>
           <a:p>
             <a:pPr lvl="4"/>
             <a:r>
-              <a:rPr lang="en-US" smtClean="0"/>
+              <a:rPr lang="en-US"/>
               <a:t>Fifth level</a:t>
             </a:r>
-            <a:endParaRPr lang="en-IN"/>
+            <a:endParaRPr lang="en-US" dirty="0"/>
+          </a:p>
+        </p:txBody>
+      </p:sp>
+      <p:sp>
+        <p:nvSpPr>
+          <p:cNvPr id="4" name="Content Placeholder 3"/>
+          <p:cNvSpPr>
+            <a:spLocks noGrp="1"/>
+          </p:cNvSpPr>
+          <p:nvPr>
+            <p:ph sz="half" idx="2"/>
+          </p:nvPr>
+        </p:nvSpPr>
+        <p:spPr>
+          <a:xfrm>
+            <a:off x="6413771" y="2017343"/>
+            <a:ext cx="4645152" cy="3441520"/>
+          </a:xfrm>
+        </p:spPr>
+        <p:txBody>
+          <a:bodyPr/>
+          <a:lstStyle/>
+          <a:p>
+            <a:pPr lvl="0"/>
+            <a:r>
+              <a:rPr lang="en-US"/>
+              <a:t>Edit Master text styles</a:t>
+            </a:r>
+          </a:p>
+          <a:p>
+            <a:pPr lvl="1"/>
+            <a:r>
+              <a:rPr lang="en-US"/>
+              <a:t>Second level</a:t>
+            </a:r>
+          </a:p>
+          <a:p>
+            <a:pPr lvl="2"/>
+            <a:r>
+              <a:rPr lang="en-US"/>
+              <a:t>Third level</a:t>
+            </a:r>
+          </a:p>
+          <a:p>
+            <a:pPr lvl="3"/>
+            <a:r>
+              <a:rPr lang="en-US"/>
+              <a:t>Fourth level</a:t>
+            </a:r>
+          </a:p>
+          <a:p>
+            <a:pPr lvl="4"/>
+            <a:r>
+              <a:rPr lang="en-US"/>
+              <a:t>Fifth level</a:t>
+            </a:r>
+            <a:endParaRPr lang="en-US" dirty="0"/>
           </a:p>
         </p:txBody>
       </p:sp>
@@ -1272,7 +1456,7 @@
           <a:p>
             <a:fld id="{B6A416D0-654A-440E-B7B0-D96ECF83BE2D}" type="datetimeFigureOut">
               <a:rPr lang="en-IN" smtClean="0"/>
-              <a:t>28-03-2023</a:t>
+              <a:t>08-04-2025</a:t>
             </a:fld>
             <a:endParaRPr lang="en-IN"/>
           </a:p>
@@ -1320,10 +1504,41 @@
           </a:p>
         </p:txBody>
       </p:sp>
+      <p:cxnSp>
+        <p:nvCxnSpPr>
+          <p:cNvPr id="35" name="Straight Connector 34"/>
+          <p:cNvCxnSpPr/>
+          <p:nvPr/>
+        </p:nvCxnSpPr>
+        <p:spPr>
+          <a:xfrm>
+            <a:off x="1453896" y="1847088"/>
+            <a:ext cx="9607522" cy="0"/>
+          </a:xfrm>
+          <a:prstGeom prst="line">
+            <a:avLst/>
+          </a:prstGeom>
+          <a:ln w="31750"/>
+        </p:spPr>
+        <p:style>
+          <a:lnRef idx="3">
+            <a:schemeClr val="accent1"/>
+          </a:lnRef>
+          <a:fillRef idx="0">
+            <a:schemeClr val="accent1"/>
+          </a:fillRef>
+          <a:effectRef idx="2">
+            <a:schemeClr val="accent1"/>
+          </a:effectRef>
+          <a:fontRef idx="minor">
+            <a:schemeClr val="tx1"/>
+          </a:fontRef>
+        </p:style>
+      </p:cxnSp>
     </p:spTree>
     <p:extLst>
       <p:ext uri="{BB962C8B-B14F-4D97-AF65-F5344CB8AC3E}">
-        <p14:creationId xmlns:p14="http://schemas.microsoft.com/office/powerpoint/2010/main" val="3093865323"/>
+        <p14:creationId xmlns:p14="http://schemas.microsoft.com/office/powerpoint/2010/main" val="2114674020"/>
       </p:ext>
     </p:extLst>
   </p:cSld>
@@ -1362,8 +1577,8 @@
         </p:nvSpPr>
         <p:spPr>
           <a:xfrm>
-            <a:off x="839788" y="365125"/>
-            <a:ext cx="10515600" cy="1325563"/>
+            <a:off x="1447191" y="804163"/>
+            <a:ext cx="9607661" cy="1056319"/>
           </a:xfrm>
         </p:spPr>
         <p:txBody>
@@ -1371,10 +1586,10 @@
           <a:lstStyle/>
           <a:p>
             <a:r>
-              <a:rPr lang="en-US" smtClean="0"/>
+              <a:rPr lang="en-US"/>
               <a:t>Click to edit Master title style</a:t>
             </a:r>
-            <a:endParaRPr lang="en-IN"/>
+            <a:endParaRPr lang="en-US" dirty="0"/>
           </a:p>
         </p:txBody>
       </p:sp>
@@ -1390,16 +1605,25 @@
         </p:nvSpPr>
         <p:spPr>
           <a:xfrm>
-            <a:off x="839788" y="1681163"/>
-            <a:ext cx="5157787" cy="823912"/>
+            <a:off x="1447191" y="2019549"/>
+            <a:ext cx="4645152" cy="801943"/>
           </a:xfrm>
         </p:spPr>
         <p:txBody>
-          <a:bodyPr anchor="b"/>
+          <a:bodyPr anchor="b">
+            <a:normAutofit/>
+          </a:bodyPr>
           <a:lstStyle>
             <a:lvl1pPr marL="0" indent="0">
-              <a:buNone/>
-              <a:defRPr sz="2400" b="1"/>
+              <a:lnSpc>
+                <a:spcPct val="100000"/>
+              </a:lnSpc>
+              <a:buNone/>
+              <a:defRPr sz="2200" b="0" cap="all" baseline="0">
+                <a:solidFill>
+                  <a:schemeClr val="accent1"/>
+                </a:solidFill>
+              </a:defRPr>
             </a:lvl1pPr>
             <a:lvl2pPr marL="457200" indent="0">
               <a:buNone/>
@@ -1437,8 +1661,8 @@
           <a:p>
             <a:pPr lvl="0"/>
             <a:r>
-              <a:rPr lang="en-US" smtClean="0"/>
-              <a:t>Click to edit Master text styles</a:t>
+              <a:rPr lang="en-US"/>
+              <a:t>Edit Master text styles</a:t>
             </a:r>
           </a:p>
         </p:txBody>
@@ -1455,8 +1679,8 @@
         </p:nvSpPr>
         <p:spPr>
           <a:xfrm>
-            <a:off x="839788" y="2505075"/>
-            <a:ext cx="5157787" cy="3684588"/>
+            <a:off x="1447191" y="2824269"/>
+            <a:ext cx="4645152" cy="2644457"/>
           </a:xfrm>
         </p:spPr>
         <p:txBody>
@@ -1465,38 +1689,38 @@
           <a:p>
             <a:pPr lvl="0"/>
             <a:r>
-              <a:rPr lang="en-US" smtClean="0"/>
-              <a:t>Click to edit Master text styles</a:t>
+              <a:rPr lang="en-US"/>
+              <a:t>Edit Master text styles</a:t>
             </a:r>
           </a:p>
           <a:p>
             <a:pPr lvl="1"/>
             <a:r>
-              <a:rPr lang="en-US" smtClean="0"/>
+              <a:rPr lang="en-US"/>
               <a:t>Second level</a:t>
             </a:r>
           </a:p>
           <a:p>
             <a:pPr lvl="2"/>
             <a:r>
-              <a:rPr lang="en-US" smtClean="0"/>
+              <a:rPr lang="en-US"/>
               <a:t>Third level</a:t>
             </a:r>
           </a:p>
           <a:p>
             <a:pPr lvl="3"/>
             <a:r>
-              <a:rPr lang="en-US" smtClean="0"/>
+              <a:rPr lang="en-US"/>
               <a:t>Fourth level</a:t>
             </a:r>
           </a:p>
           <a:p>
             <a:pPr lvl="4"/>
             <a:r>
-              <a:rPr lang="en-US" smtClean="0"/>
+              <a:rPr lang="en-US"/>
               <a:t>Fifth level</a:t>
             </a:r>
-            <a:endParaRPr lang="en-IN"/>
+            <a:endParaRPr lang="en-US" dirty="0"/>
           </a:p>
         </p:txBody>
       </p:sp>
@@ -1512,16 +1736,25 @@
         </p:nvSpPr>
         <p:spPr>
           <a:xfrm>
-            <a:off x="6172200" y="1681163"/>
-            <a:ext cx="5183188" cy="823912"/>
+            <a:off x="6412362" y="2023003"/>
+            <a:ext cx="4645152" cy="802237"/>
           </a:xfrm>
         </p:spPr>
         <p:txBody>
-          <a:bodyPr anchor="b"/>
+          <a:bodyPr anchor="b">
+            <a:normAutofit/>
+          </a:bodyPr>
           <a:lstStyle>
             <a:lvl1pPr marL="0" indent="0">
-              <a:buNone/>
-              <a:defRPr sz="2400" b="1"/>
+              <a:lnSpc>
+                <a:spcPct val="100000"/>
+              </a:lnSpc>
+              <a:buNone/>
+              <a:defRPr sz="2200" b="0" cap="all" baseline="0">
+                <a:solidFill>
+                  <a:schemeClr val="accent1"/>
+                </a:solidFill>
+              </a:defRPr>
             </a:lvl1pPr>
             <a:lvl2pPr marL="457200" indent="0">
               <a:buNone/>
@@ -1559,8 +1792,8 @@
           <a:p>
             <a:pPr lvl="0"/>
             <a:r>
-              <a:rPr lang="en-US" smtClean="0"/>
-              <a:t>Click to edit Master text styles</a:t>
+              <a:rPr lang="en-US"/>
+              <a:t>Edit Master text styles</a:t>
             </a:r>
           </a:p>
         </p:txBody>
@@ -1577,8 +1810,8 @@
         </p:nvSpPr>
         <p:spPr>
           <a:xfrm>
-            <a:off x="6172200" y="2505075"/>
-            <a:ext cx="5183188" cy="3684588"/>
+            <a:off x="6412362" y="2821491"/>
+            <a:ext cx="4645152" cy="2637371"/>
           </a:xfrm>
         </p:spPr>
         <p:txBody>
@@ -1587,38 +1820,38 @@
           <a:p>
             <a:pPr lvl="0"/>
             <a:r>
-              <a:rPr lang="en-US" smtClean="0"/>
-              <a:t>Click to edit Master text styles</a:t>
+              <a:rPr lang="en-US"/>
+              <a:t>Edit Master text styles</a:t>
             </a:r>
           </a:p>
           <a:p>
             <a:pPr lvl="1"/>
             <a:r>
-              <a:rPr lang="en-US" smtClean="0"/>
+              <a:rPr lang="en-US"/>
               <a:t>Second level</a:t>
             </a:r>
           </a:p>
           <a:p>
             <a:pPr lvl="2"/>
             <a:r>
-              <a:rPr lang="en-US" smtClean="0"/>
+              <a:rPr lang="en-US"/>
               <a:t>Third level</a:t>
             </a:r>
           </a:p>
           <a:p>
             <a:pPr lvl="3"/>
             <a:r>
-              <a:rPr lang="en-US" smtClean="0"/>
+              <a:rPr lang="en-US"/>
               <a:t>Fourth level</a:t>
             </a:r>
           </a:p>
           <a:p>
             <a:pPr lvl="4"/>
             <a:r>
-              <a:rPr lang="en-US" smtClean="0"/>
+              <a:rPr lang="en-US"/>
               <a:t>Fifth level</a:t>
             </a:r>
-            <a:endParaRPr lang="en-IN"/>
+            <a:endParaRPr lang="en-US" dirty="0"/>
           </a:p>
         </p:txBody>
       </p:sp>
@@ -1639,7 +1872,7 @@
           <a:p>
             <a:fld id="{B6A416D0-654A-440E-B7B0-D96ECF83BE2D}" type="datetimeFigureOut">
               <a:rPr lang="en-IN" smtClean="0"/>
-              <a:t>28-03-2023</a:t>
+              <a:t>08-04-2025</a:t>
             </a:fld>
             <a:endParaRPr lang="en-IN"/>
           </a:p>
@@ -1687,10 +1920,41 @@
           </a:p>
         </p:txBody>
       </p:sp>
+      <p:cxnSp>
+        <p:nvCxnSpPr>
+          <p:cNvPr id="29" name="Straight Connector 28"/>
+          <p:cNvCxnSpPr/>
+          <p:nvPr/>
+        </p:nvCxnSpPr>
+        <p:spPr>
+          <a:xfrm>
+            <a:off x="1453896" y="1847088"/>
+            <a:ext cx="9607522" cy="0"/>
+          </a:xfrm>
+          <a:prstGeom prst="line">
+            <a:avLst/>
+          </a:prstGeom>
+          <a:ln w="31750"/>
+        </p:spPr>
+        <p:style>
+          <a:lnRef idx="3">
+            <a:schemeClr val="accent1"/>
+          </a:lnRef>
+          <a:fillRef idx="0">
+            <a:schemeClr val="accent1"/>
+          </a:fillRef>
+          <a:effectRef idx="2">
+            <a:schemeClr val="accent1"/>
+          </a:effectRef>
+          <a:fontRef idx="minor">
+            <a:schemeClr val="tx1"/>
+          </a:fontRef>
+        </p:style>
+      </p:cxnSp>
     </p:spTree>
     <p:extLst>
       <p:ext uri="{BB962C8B-B14F-4D97-AF65-F5344CB8AC3E}">
-        <p14:creationId xmlns:p14="http://schemas.microsoft.com/office/powerpoint/2010/main" val="3361734544"/>
+        <p14:creationId xmlns:p14="http://schemas.microsoft.com/office/powerpoint/2010/main" val="506855983"/>
       </p:ext>
     </p:extLst>
   </p:cSld>
@@ -1733,10 +1997,10 @@
           <a:lstStyle/>
           <a:p>
             <a:r>
-              <a:rPr lang="en-US" smtClean="0"/>
+              <a:rPr lang="en-US"/>
               <a:t>Click to edit Master title style</a:t>
             </a:r>
-            <a:endParaRPr lang="en-IN"/>
+            <a:endParaRPr lang="en-US" dirty="0"/>
           </a:p>
         </p:txBody>
       </p:sp>
@@ -1757,7 +2021,7 @@
           <a:p>
             <a:fld id="{B6A416D0-654A-440E-B7B0-D96ECF83BE2D}" type="datetimeFigureOut">
               <a:rPr lang="en-IN" smtClean="0"/>
-              <a:t>28-03-2023</a:t>
+              <a:t>08-04-2025</a:t>
             </a:fld>
             <a:endParaRPr lang="en-IN"/>
           </a:p>
@@ -1805,10 +2069,41 @@
           </a:p>
         </p:txBody>
       </p:sp>
+      <p:cxnSp>
+        <p:nvCxnSpPr>
+          <p:cNvPr id="25" name="Straight Connector 24"/>
+          <p:cNvCxnSpPr/>
+          <p:nvPr/>
+        </p:nvCxnSpPr>
+        <p:spPr>
+          <a:xfrm>
+            <a:off x="1453896" y="1847088"/>
+            <a:ext cx="9607522" cy="0"/>
+          </a:xfrm>
+          <a:prstGeom prst="line">
+            <a:avLst/>
+          </a:prstGeom>
+          <a:ln w="31750"/>
+        </p:spPr>
+        <p:style>
+          <a:lnRef idx="3">
+            <a:schemeClr val="accent1"/>
+          </a:lnRef>
+          <a:fillRef idx="0">
+            <a:schemeClr val="accent1"/>
+          </a:fillRef>
+          <a:effectRef idx="2">
+            <a:schemeClr val="accent1"/>
+          </a:effectRef>
+          <a:fontRef idx="minor">
+            <a:schemeClr val="tx1"/>
+          </a:fontRef>
+        </p:style>
+      </p:cxnSp>
     </p:spTree>
     <p:extLst>
       <p:ext uri="{BB962C8B-B14F-4D97-AF65-F5344CB8AC3E}">
-        <p14:creationId xmlns:p14="http://schemas.microsoft.com/office/powerpoint/2010/main" val="3814391576"/>
+        <p14:creationId xmlns:p14="http://schemas.microsoft.com/office/powerpoint/2010/main" val="3336333910"/>
       </p:ext>
     </p:extLst>
   </p:cSld>
@@ -1852,7 +2147,7 @@
           <a:p>
             <a:fld id="{B6A416D0-654A-440E-B7B0-D96ECF83BE2D}" type="datetimeFigureOut">
               <a:rPr lang="en-IN" smtClean="0"/>
-              <a:t>28-03-2023</a:t>
+              <a:t>08-04-2025</a:t>
             </a:fld>
             <a:endParaRPr lang="en-IN"/>
           </a:p>
@@ -1903,7 +2198,7 @@
     </p:spTree>
     <p:extLst>
       <p:ext uri="{BB962C8B-B14F-4D97-AF65-F5344CB8AC3E}">
-        <p14:creationId xmlns:p14="http://schemas.microsoft.com/office/powerpoint/2010/main" val="3802584704"/>
+        <p14:creationId xmlns:p14="http://schemas.microsoft.com/office/powerpoint/2010/main" val="3257457510"/>
       </p:ext>
     </p:extLst>
   </p:cSld>
@@ -1942,23 +2237,25 @@
         </p:nvSpPr>
         <p:spPr>
           <a:xfrm>
-            <a:off x="839788" y="457200"/>
-            <a:ext cx="3932237" cy="1600200"/>
+            <a:off x="1444671" y="798973"/>
+            <a:ext cx="3273099" cy="2247117"/>
           </a:xfrm>
         </p:spPr>
         <p:txBody>
-          <a:bodyPr anchor="b"/>
+          <a:bodyPr anchor="b">
+            <a:normAutofit/>
+          </a:bodyPr>
           <a:lstStyle>
-            <a:lvl1pPr>
-              <a:defRPr sz="3200"/>
+            <a:lvl1pPr algn="l">
+              <a:defRPr sz="2400"/>
             </a:lvl1pPr>
           </a:lstStyle>
           <a:p>
             <a:r>
-              <a:rPr lang="en-US" smtClean="0"/>
+              <a:rPr lang="en-US"/>
               <a:t>Click to edit Master title style</a:t>
             </a:r>
-            <a:endParaRPr lang="en-IN"/>
+            <a:endParaRPr lang="en-US" dirty="0"/>
           </a:p>
         </p:txBody>
       </p:sp>
@@ -1974,99 +2271,71 @@
         </p:nvSpPr>
         <p:spPr>
           <a:xfrm>
-            <a:off x="5183188" y="987425"/>
-            <a:ext cx="6172200" cy="4873625"/>
+            <a:off x="5043714" y="798974"/>
+            <a:ext cx="6012470" cy="4658826"/>
           </a:xfrm>
         </p:spPr>
         <p:txBody>
+          <a:bodyPr anchor="ctr"/>
+          <a:lstStyle/>
+          <a:p>
+            <a:pPr lvl="0"/>
+            <a:r>
+              <a:rPr lang="en-US"/>
+              <a:t>Edit Master text styles</a:t>
+            </a:r>
+          </a:p>
+          <a:p>
+            <a:pPr lvl="1"/>
+            <a:r>
+              <a:rPr lang="en-US"/>
+              <a:t>Second level</a:t>
+            </a:r>
+          </a:p>
+          <a:p>
+            <a:pPr lvl="2"/>
+            <a:r>
+              <a:rPr lang="en-US"/>
+              <a:t>Third level</a:t>
+            </a:r>
+          </a:p>
+          <a:p>
+            <a:pPr lvl="3"/>
+            <a:r>
+              <a:rPr lang="en-US"/>
+              <a:t>Fourth level</a:t>
+            </a:r>
+          </a:p>
+          <a:p>
+            <a:pPr lvl="4"/>
+            <a:r>
+              <a:rPr lang="en-US"/>
+              <a:t>Fifth level</a:t>
+            </a:r>
+            <a:endParaRPr lang="en-US" dirty="0"/>
+          </a:p>
+        </p:txBody>
+      </p:sp>
+      <p:sp>
+        <p:nvSpPr>
+          <p:cNvPr id="4" name="Text Placeholder 3"/>
+          <p:cNvSpPr>
+            <a:spLocks noGrp="1"/>
+          </p:cNvSpPr>
+          <p:nvPr>
+            <p:ph type="body" sz="half" idx="2"/>
+          </p:nvPr>
+        </p:nvSpPr>
+        <p:spPr>
+          <a:xfrm>
+            <a:off x="1444671" y="3205491"/>
+            <a:ext cx="3275013" cy="2248181"/>
+          </a:xfrm>
+        </p:spPr>
+        <p:txBody>
           <a:bodyPr/>
           <a:lstStyle>
-            <a:lvl1pPr>
-              <a:defRPr sz="3200"/>
-            </a:lvl1pPr>
-            <a:lvl2pPr>
-              <a:defRPr sz="2800"/>
-            </a:lvl2pPr>
-            <a:lvl3pPr>
-              <a:defRPr sz="2400"/>
-            </a:lvl3pPr>
-            <a:lvl4pPr>
-              <a:defRPr sz="2000"/>
-            </a:lvl4pPr>
-            <a:lvl5pPr>
-              <a:defRPr sz="2000"/>
-            </a:lvl5pPr>
-            <a:lvl6pPr>
-              <a:defRPr sz="2000"/>
-            </a:lvl6pPr>
-            <a:lvl7pPr>
-              <a:defRPr sz="2000"/>
-            </a:lvl7pPr>
-            <a:lvl8pPr>
-              <a:defRPr sz="2000"/>
-            </a:lvl8pPr>
-            <a:lvl9pPr>
-              <a:defRPr sz="2000"/>
-            </a:lvl9pPr>
-          </a:lstStyle>
-          <a:p>
-            <a:pPr lvl="0"/>
-            <a:r>
-              <a:rPr lang="en-US" smtClean="0"/>
-              <a:t>Click to edit Master text styles</a:t>
-            </a:r>
-          </a:p>
-          <a:p>
-            <a:pPr lvl="1"/>
-            <a:r>
-              <a:rPr lang="en-US" smtClean="0"/>
-              <a:t>Second level</a:t>
-            </a:r>
-          </a:p>
-          <a:p>
-            <a:pPr lvl="2"/>
-            <a:r>
-              <a:rPr lang="en-US" smtClean="0"/>
-              <a:t>Third level</a:t>
-            </a:r>
-          </a:p>
-          <a:p>
-            <a:pPr lvl="3"/>
-            <a:r>
-              <a:rPr lang="en-US" smtClean="0"/>
-              <a:t>Fourth level</a:t>
-            </a:r>
-          </a:p>
-          <a:p>
-            <a:pPr lvl="4"/>
-            <a:r>
-              <a:rPr lang="en-US" smtClean="0"/>
-              <a:t>Fifth level</a:t>
-            </a:r>
-            <a:endParaRPr lang="en-IN"/>
-          </a:p>
-        </p:txBody>
-      </p:sp>
-      <p:sp>
-        <p:nvSpPr>
-          <p:cNvPr id="4" name="Text Placeholder 3"/>
-          <p:cNvSpPr>
-            <a:spLocks noGrp="1"/>
-          </p:cNvSpPr>
-          <p:nvPr>
-            <p:ph type="body" sz="half" idx="2"/>
-          </p:nvPr>
-        </p:nvSpPr>
-        <p:spPr>
-          <a:xfrm>
-            <a:off x="839788" y="2057400"/>
-            <a:ext cx="3932237" cy="3811588"/>
-          </a:xfrm>
-        </p:spPr>
-        <p:txBody>
-          <a:bodyPr/>
-          <a:lstStyle>
-            <a:lvl1pPr marL="0" indent="0">
+            <a:lvl1pPr marL="0" indent="0" algn="l">
               <a:buNone/>
               <a:defRPr sz="1600"/>
             </a:lvl1pPr>
@@ -2106,8 +2375,8 @@
           <a:p>
             <a:pPr lvl="0"/>
             <a:r>
-              <a:rPr lang="en-US" smtClean="0"/>
-              <a:t>Click to edit Master text styles</a:t>
+              <a:rPr lang="en-US"/>
+              <a:t>Edit Master text styles</a:t>
             </a:r>
           </a:p>
         </p:txBody>
@@ -2129,7 +2398,7 @@
           <a:p>
             <a:fld id="{B6A416D0-654A-440E-B7B0-D96ECF83BE2D}" type="datetimeFigureOut">
               <a:rPr lang="en-IN" smtClean="0"/>
-              <a:t>28-03-2023</a:t>
+              <a:t>08-04-2025</a:t>
             </a:fld>
             <a:endParaRPr lang="en-IN"/>
           </a:p>
@@ -2177,10 +2446,41 @@
           </a:p>
         </p:txBody>
       </p:sp>
+      <p:cxnSp>
+        <p:nvCxnSpPr>
+          <p:cNvPr id="17" name="Straight Connector 16"/>
+          <p:cNvCxnSpPr/>
+          <p:nvPr/>
+        </p:nvCxnSpPr>
+        <p:spPr>
+          <a:xfrm>
+            <a:off x="1448280" y="3205491"/>
+            <a:ext cx="3269490" cy="0"/>
+          </a:xfrm>
+          <a:prstGeom prst="line">
+            <a:avLst/>
+          </a:prstGeom>
+          <a:ln w="31750"/>
+        </p:spPr>
+        <p:style>
+          <a:lnRef idx="3">
+            <a:schemeClr val="accent1"/>
+          </a:lnRef>
+          <a:fillRef idx="0">
+            <a:schemeClr val="accent1"/>
+          </a:fillRef>
+          <a:effectRef idx="2">
+            <a:schemeClr val="accent1"/>
+          </a:effectRef>
+          <a:fontRef idx="minor">
+            <a:schemeClr val="tx1"/>
+          </a:fontRef>
+        </p:style>
+      </p:cxnSp>
     </p:spTree>
     <p:extLst>
       <p:ext uri="{BB962C8B-B14F-4D97-AF65-F5344CB8AC3E}">
-        <p14:creationId xmlns:p14="http://schemas.microsoft.com/office/powerpoint/2010/main" val="105928415"/>
+        <p14:creationId xmlns:p14="http://schemas.microsoft.com/office/powerpoint/2010/main" val="2575735122"/>
       </p:ext>
     </p:extLst>
   </p:cSld>
@@ -2207,6 +2507,140 @@
           <a:chExt cx="0" cy="0"/>
         </a:xfrm>
       </p:grpSpPr>
+      <p:grpSp>
+        <p:nvGrpSpPr>
+          <p:cNvPr id="8" name="Group 7"/>
+          <p:cNvGrpSpPr/>
+          <p:nvPr/>
+        </p:nvGrpSpPr>
+        <p:grpSpPr>
+          <a:xfrm>
+            <a:off x="7477387" y="482170"/>
+            <a:ext cx="4074533" cy="5149101"/>
+            <a:chOff x="7477387" y="482170"/>
+            <a:chExt cx="4074533" cy="5149101"/>
+          </a:xfrm>
+        </p:grpSpPr>
+        <p:sp>
+          <p:nvSpPr>
+            <p:cNvPr id="18" name="Rectangle 17"/>
+            <p:cNvSpPr/>
+            <p:nvPr/>
+          </p:nvSpPr>
+          <p:spPr bwMode="black">
+            <a:xfrm>
+              <a:off x="7477387" y="482170"/>
+              <a:ext cx="4074533" cy="5149101"/>
+            </a:xfrm>
+            <a:prstGeom prst="rect">
+              <a:avLst/>
+            </a:prstGeom>
+            <a:gradFill>
+              <a:gsLst>
+                <a:gs pos="0">
+                  <a:srgbClr val="000001"/>
+                </a:gs>
+                <a:gs pos="100000">
+                  <a:srgbClr val="191919"/>
+                </a:gs>
+              </a:gsLst>
+            </a:gradFill>
+            <a:ln w="76200" cmpd="sng">
+              <a:noFill/>
+              <a:miter lim="800000"/>
+            </a:ln>
+            <a:effectLst>
+              <a:outerShdw blurRad="127000" dist="228600" dir="4740000" sx="98000" sy="98000" algn="tl" rotWithShape="0">
+                <a:srgbClr val="000000">
+                  <a:alpha val="34000"/>
+                </a:srgbClr>
+              </a:outerShdw>
+            </a:effectLst>
+            <a:scene3d>
+              <a:camera prst="orthographicFront"/>
+              <a:lightRig rig="threePt" dir="t"/>
+            </a:scene3d>
+            <a:sp3d>
+              <a:bevelT w="152400" h="50800" prst="softRound"/>
+            </a:sp3d>
+          </p:spPr>
+          <p:style>
+            <a:lnRef idx="1">
+              <a:schemeClr val="accent1"/>
+            </a:lnRef>
+            <a:fillRef idx="3">
+              <a:schemeClr val="accent1"/>
+            </a:fillRef>
+            <a:effectRef idx="2">
+              <a:schemeClr val="accent1"/>
+            </a:effectRef>
+            <a:fontRef idx="minor">
+              <a:schemeClr val="lt1"/>
+            </a:fontRef>
+          </p:style>
+        </p:sp>
+        <p:sp>
+          <p:nvSpPr>
+            <p:cNvPr id="19" name="Rectangle 18"/>
+            <p:cNvSpPr/>
+            <p:nvPr/>
+          </p:nvSpPr>
+          <p:spPr bwMode="blackWhite">
+            <a:xfrm>
+              <a:off x="7790446" y="812506"/>
+              <a:ext cx="3450289" cy="4466452"/>
+            </a:xfrm>
+            <a:prstGeom prst="rect">
+              <a:avLst/>
+            </a:prstGeom>
+            <a:gradFill>
+              <a:gsLst>
+                <a:gs pos="0">
+                  <a:srgbClr val="DADADA"/>
+                </a:gs>
+                <a:gs pos="100000">
+                  <a:srgbClr val="FFFFFE"/>
+                </a:gs>
+              </a:gsLst>
+              <a:lin ang="16200000" scaled="0"/>
+            </a:gradFill>
+            <a:ln w="50800" cmpd="sng">
+              <a:solidFill>
+                <a:srgbClr val="191919"/>
+              </a:solidFill>
+              <a:miter lim="800000"/>
+            </a:ln>
+            <a:effectLst>
+              <a:innerShdw blurRad="63500" dist="88900" dir="14100000">
+                <a:srgbClr val="000000">
+                  <a:alpha val="30000"/>
+                </a:srgbClr>
+              </a:innerShdw>
+            </a:effectLst>
+            <a:scene3d>
+              <a:camera prst="orthographicFront"/>
+              <a:lightRig rig="threePt" dir="t"/>
+            </a:scene3d>
+            <a:sp3d>
+              <a:bevelT prst="relaxedInset"/>
+            </a:sp3d>
+          </p:spPr>
+          <p:style>
+            <a:lnRef idx="1">
+              <a:schemeClr val="accent1"/>
+            </a:lnRef>
+            <a:fillRef idx="3">
+              <a:schemeClr val="accent1"/>
+            </a:fillRef>
+            <a:effectRef idx="2">
+              <a:schemeClr val="accent1"/>
+            </a:effectRef>
+            <a:fontRef idx="minor">
+              <a:schemeClr val="lt1"/>
+            </a:fontRef>
+          </p:style>
+        </p:sp>
+      </p:grpSp>
       <p:sp>
         <p:nvSpPr>
           <p:cNvPr id="2" name="Title 1"/>
@@ -2219,12 +2653,14 @@
         </p:nvSpPr>
         <p:spPr>
           <a:xfrm>
-            <a:off x="839788" y="457200"/>
-            <a:ext cx="3932237" cy="1600200"/>
+            <a:off x="1451206" y="1129513"/>
+            <a:ext cx="5532328" cy="1830584"/>
           </a:xfrm>
         </p:spPr>
         <p:txBody>
-          <a:bodyPr anchor="b"/>
+          <a:bodyPr anchor="b">
+            <a:normAutofit/>
+          </a:bodyPr>
           <a:lstStyle>
             <a:lvl1pPr>
               <a:defRPr sz="3200"/>
@@ -2232,10 +2668,10 @@
           </a:lstStyle>
           <a:p>
             <a:r>
-              <a:rPr lang="en-US" smtClean="0"/>
+              <a:rPr lang="en-US"/>
               <a:t>Click to edit Master title style</a:t>
             </a:r>
-            <a:endParaRPr lang="en-IN"/>
+            <a:endParaRPr lang="en-US" dirty="0"/>
           </a:p>
         </p:txBody>
       </p:sp>
@@ -2243,7 +2679,7 @@
         <p:nvSpPr>
           <p:cNvPr id="3" name="Picture Placeholder 2"/>
           <p:cNvSpPr>
-            <a:spLocks noGrp="1"/>
+            <a:spLocks noGrp="1" noChangeAspect="1"/>
           </p:cNvSpPr>
           <p:nvPr>
             <p:ph type="pic" idx="1"/>
@@ -2251,14 +2687,24 @@
         </p:nvSpPr>
         <p:spPr>
           <a:xfrm>
-            <a:off x="5183188" y="987425"/>
-            <a:ext cx="6172200" cy="4873625"/>
+            <a:off x="8124389" y="1122542"/>
+            <a:ext cx="2791171" cy="3866327"/>
           </a:xfrm>
+          <a:solidFill>
+            <a:schemeClr val="bg1">
+              <a:lumMod val="85000"/>
+            </a:schemeClr>
+          </a:solidFill>
+          <a:ln w="9525" cap="sq">
+            <a:noFill/>
+            <a:miter lim="800000"/>
+          </a:ln>
+          <a:effectLst/>
         </p:spPr>
         <p:txBody>
-          <a:bodyPr/>
+          <a:bodyPr anchor="t"/>
           <a:lstStyle>
-            <a:lvl1pPr marL="0" indent="0">
+            <a:lvl1pPr marL="0" indent="0" algn="ctr">
               <a:buNone/>
               <a:defRPr sz="3200"/>
             </a:lvl1pPr>
@@ -2296,7 +2742,11 @@
             </a:lvl9pPr>
           </a:lstStyle>
           <a:p>
-            <a:endParaRPr lang="en-IN"/>
+            <a:r>
+              <a:rPr lang="en-US"/>
+              <a:t>Click icon to add picture</a:t>
+            </a:r>
+            <a:endParaRPr lang="en-US" dirty="0"/>
           </a:p>
         </p:txBody>
       </p:sp>
@@ -2312,16 +2762,18 @@
         </p:nvSpPr>
         <p:spPr>
           <a:xfrm>
-            <a:off x="839788" y="2057400"/>
-            <a:ext cx="3932237" cy="3811588"/>
+            <a:off x="1450329" y="3145992"/>
+            <a:ext cx="5524404" cy="2003742"/>
           </a:xfrm>
         </p:spPr>
         <p:txBody>
-          <a:bodyPr/>
+          <a:bodyPr>
+            <a:normAutofit/>
+          </a:bodyPr>
           <a:lstStyle>
-            <a:lvl1pPr marL="0" indent="0">
-              <a:buNone/>
-              <a:defRPr sz="1600"/>
+            <a:lvl1pPr marL="0" indent="0" algn="l">
+              <a:buNone/>
+              <a:defRPr sz="1800"/>
             </a:lvl1pPr>
             <a:lvl2pPr marL="457200" indent="0">
               <a:buNone/>
@@ -2359,8 +2811,8 @@
           <a:p>
             <a:pPr lvl="0"/>
             <a:r>
-              <a:rPr lang="en-US" smtClean="0"/>
-              <a:t>Click to edit Master text styles</a:t>
+              <a:rPr lang="en-US"/>
+              <a:t>Edit Master text styles</a:t>
             </a:r>
           </a:p>
         </p:txBody>
@@ -2375,14 +2827,23 @@
             <p:ph type="dt" sz="half" idx="10"/>
           </p:nvPr>
         </p:nvSpPr>
-        <p:spPr/>
+        <p:spPr>
+          <a:xfrm>
+            <a:off x="1447382" y="5469856"/>
+            <a:ext cx="5527351" cy="320123"/>
+          </a:xfrm>
+        </p:spPr>
         <p:txBody>
           <a:bodyPr/>
-          <a:lstStyle/>
+          <a:lstStyle>
+            <a:lvl1pPr algn="l">
+              <a:defRPr/>
+            </a:lvl1pPr>
+          </a:lstStyle>
           <a:p>
             <a:fld id="{B6A416D0-654A-440E-B7B0-D96ECF83BE2D}" type="datetimeFigureOut">
               <a:rPr lang="en-IN" smtClean="0"/>
-              <a:t>28-03-2023</a:t>
+              <a:t>08-04-2025</a:t>
             </a:fld>
             <a:endParaRPr lang="en-IN"/>
           </a:p>
@@ -2398,7 +2859,12 @@
             <p:ph type="ftr" sz="quarter" idx="11"/>
           </p:nvPr>
         </p:nvSpPr>
-        <p:spPr/>
+        <p:spPr>
+          <a:xfrm>
+            <a:off x="1447382" y="318640"/>
+            <a:ext cx="5541004" cy="320931"/>
+          </a:xfrm>
+        </p:spPr>
         <p:txBody>
           <a:bodyPr/>
           <a:lstStyle/>
@@ -2430,10 +2896,41 @@
           </a:p>
         </p:txBody>
       </p:sp>
+      <p:cxnSp>
+        <p:nvCxnSpPr>
+          <p:cNvPr id="31" name="Straight Connector 30"/>
+          <p:cNvCxnSpPr/>
+          <p:nvPr/>
+        </p:nvCxnSpPr>
+        <p:spPr>
+          <a:xfrm>
+            <a:off x="1447382" y="3143605"/>
+            <a:ext cx="5527351" cy="0"/>
+          </a:xfrm>
+          <a:prstGeom prst="line">
+            <a:avLst/>
+          </a:prstGeom>
+          <a:ln w="31750"/>
+        </p:spPr>
+        <p:style>
+          <a:lnRef idx="3">
+            <a:schemeClr val="accent1"/>
+          </a:lnRef>
+          <a:fillRef idx="0">
+            <a:schemeClr val="accent1"/>
+          </a:fillRef>
+          <a:effectRef idx="2">
+            <a:schemeClr val="accent1"/>
+          </a:effectRef>
+          <a:fontRef idx="minor">
+            <a:schemeClr val="tx1"/>
+          </a:fontRef>
+        </p:style>
+      </p:cxnSp>
     </p:spTree>
     <p:extLst>
       <p:ext uri="{BB962C8B-B14F-4D97-AF65-F5344CB8AC3E}">
-        <p14:creationId xmlns:p14="http://schemas.microsoft.com/office/powerpoint/2010/main" val="3025960664"/>
+        <p14:creationId xmlns:p14="http://schemas.microsoft.com/office/powerpoint/2010/main" val="206311678"/>
       </p:ext>
     </p:extLst>
   </p:cSld>
@@ -2447,8 +2944,8 @@
 <p:sldMaster xmlns:a="http://schemas.openxmlformats.org/drawingml/2006/main" xmlns:r="http://schemas.openxmlformats.org/officeDocument/2006/relationships" xmlns:p="http://schemas.openxmlformats.org/presentationml/2006/main">
   <p:cSld>
     <p:bg>
-      <p:bgRef idx="1001">
-        <a:schemeClr val="bg1"/>
+      <p:bgRef idx="1003">
+        <a:schemeClr val="bg2"/>
       </p:bgRef>
     </p:bg>
     <p:spTree>
@@ -2467,123 +2964,200 @@
       </p:grpSpPr>
       <p:sp>
         <p:nvSpPr>
-          <p:cNvPr id="2" name="Title Placeholder 1"/>
-          <p:cNvSpPr>
-            <a:spLocks noGrp="1"/>
-          </p:cNvSpPr>
-          <p:nvPr>
-            <p:ph type="title"/>
-          </p:nvPr>
+          <p:cNvPr id="8" name="Rectangle 7"/>
+          <p:cNvSpPr/>
+          <p:nvPr/>
         </p:nvSpPr>
         <p:spPr>
           <a:xfrm>
-            <a:off x="838200" y="365125"/>
-            <a:ext cx="10515600" cy="1325563"/>
+            <a:off x="0" y="2019476"/>
+            <a:ext cx="12192000" cy="4105941"/>
+          </a:xfrm>
+          <a:prstGeom prst="rect">
+            <a:avLst/>
+          </a:prstGeom>
+          <a:gradFill flip="none" rotWithShape="1">
+            <a:gsLst>
+              <a:gs pos="0">
+                <a:schemeClr val="bg2">
+                  <a:alpha val="0"/>
+                </a:schemeClr>
+              </a:gs>
+              <a:gs pos="100000">
+                <a:schemeClr val="bg2"/>
+              </a:gs>
+            </a:gsLst>
+            <a:lin ang="5400000" scaled="0"/>
+            <a:tileRect/>
+          </a:gradFill>
+          <a:ln>
+            <a:noFill/>
+          </a:ln>
+        </p:spPr>
+        <p:style>
+          <a:lnRef idx="2">
+            <a:schemeClr val="accent1">
+              <a:shade val="50000"/>
+            </a:schemeClr>
+          </a:lnRef>
+          <a:fillRef idx="1">
+            <a:schemeClr val="accent1"/>
+          </a:fillRef>
+          <a:effectRef idx="0">
+            <a:schemeClr val="accent1"/>
+          </a:effectRef>
+          <a:fontRef idx="minor">
+            <a:schemeClr val="lt1"/>
+          </a:fontRef>
+        </p:style>
+      </p:sp>
+      <p:pic>
+        <p:nvPicPr>
+          <p:cNvPr id="7" name="Picture 6"/>
+          <p:cNvPicPr>
+            <a:picLocks noChangeAspect="1"/>
+          </p:cNvPicPr>
+          <p:nvPr/>
+        </p:nvPicPr>
+        <p:blipFill rotWithShape="1">
+          <a:blip r:embed="rId13">
+            <a:extLst>
+              <a:ext uri="{28A0092B-C50C-407E-A947-70E740481C1C}">
+                <a14:useLocalDpi xmlns:a14="http://schemas.microsoft.com/office/drawing/2010/main" val="0"/>
+              </a:ext>
+            </a:extLst>
+          </a:blip>
+          <a:srcRect t="1538" b="-1538"/>
+          <a:stretch/>
+        </p:blipFill>
+        <p:spPr bwMode="black">
+          <a:xfrm>
+            <a:off x="0" y="6126480"/>
+            <a:ext cx="12192000" cy="742950"/>
           </a:xfrm>
           <a:prstGeom prst="rect">
             <a:avLst/>
           </a:prstGeom>
         </p:spPr>
-        <p:txBody>
-          <a:bodyPr vert="horz" lIns="91440" tIns="45720" rIns="91440" bIns="45720" rtlCol="0" anchor="ctr">
-            <a:normAutofit/>
-          </a:bodyPr>
-          <a:lstStyle/>
-          <a:p>
-            <a:r>
-              <a:rPr lang="en-US" smtClean="0"/>
-              <a:t>Click to edit Master title style</a:t>
-            </a:r>
-            <a:endParaRPr lang="en-IN"/>
-          </a:p>
-        </p:txBody>
-      </p:sp>
-      <p:sp>
-        <p:nvSpPr>
-          <p:cNvPr id="3" name="Text Placeholder 2"/>
-          <p:cNvSpPr>
-            <a:spLocks noGrp="1"/>
-          </p:cNvSpPr>
-          <p:nvPr>
-            <p:ph type="body" idx="1"/>
+      </p:pic>
+      <p:sp>
+        <p:nvSpPr>
+          <p:cNvPr id="2" name="Title Placeholder 1"/>
+          <p:cNvSpPr>
+            <a:spLocks noGrp="1"/>
+          </p:cNvSpPr>
+          <p:nvPr>
+            <p:ph type="title"/>
           </p:nvPr>
         </p:nvSpPr>
         <p:spPr>
           <a:xfrm>
-            <a:off x="838200" y="1825625"/>
-            <a:ext cx="10515600" cy="4351338"/>
+            <a:off x="1451579" y="804519"/>
+            <a:ext cx="9603275" cy="1049235"/>
           </a:xfrm>
           <a:prstGeom prst="rect">
             <a:avLst/>
           </a:prstGeom>
         </p:spPr>
         <p:txBody>
-          <a:bodyPr vert="horz" lIns="91440" tIns="45720" rIns="91440" bIns="45720" rtlCol="0">
+          <a:bodyPr vert="horz" lIns="91440" tIns="45720" rIns="91440" bIns="45720" rtlCol="0" anchor="t">
             <a:normAutofit/>
           </a:bodyPr>
           <a:lstStyle/>
           <a:p>
-            <a:pPr lvl="0"/>
-            <a:r>
-              <a:rPr lang="en-US" smtClean="0"/>
-              <a:t>Click to edit Master text styles</a:t>
-            </a:r>
-          </a:p>
-          <a:p>
-            <a:pPr lvl="1"/>
-            <a:r>
-              <a:rPr lang="en-US" smtClean="0"/>
-              <a:t>Second level</a:t>
-            </a:r>
-          </a:p>
-          <a:p>
-            <a:pPr lvl="2"/>
-            <a:r>
-              <a:rPr lang="en-US" smtClean="0"/>
-              <a:t>Third level</a:t>
-            </a:r>
-          </a:p>
-          <a:p>
-            <a:pPr lvl="3"/>
-            <a:r>
-              <a:rPr lang="en-US" smtClean="0"/>
-              <a:t>Fourth level</a:t>
-            </a:r>
-          </a:p>
-          <a:p>
-            <a:pPr lvl="4"/>
-            <a:r>
-              <a:rPr lang="en-US" smtClean="0"/>
-              <a:t>Fifth level</a:t>
-            </a:r>
-            <a:endParaRPr lang="en-IN"/>
-          </a:p>
-        </p:txBody>
-      </p:sp>
-      <p:sp>
-        <p:nvSpPr>
-          <p:cNvPr id="4" name="Date Placeholder 3"/>
-          <p:cNvSpPr>
-            <a:spLocks noGrp="1"/>
-          </p:cNvSpPr>
-          <p:nvPr>
-            <p:ph type="dt" sz="half" idx="2"/>
+            <a:r>
+              <a:rPr lang="en-US"/>
+              <a:t>Click to edit Master title style</a:t>
+            </a:r>
+            <a:endParaRPr lang="en-US" dirty="0"/>
+          </a:p>
+        </p:txBody>
+      </p:sp>
+      <p:sp>
+        <p:nvSpPr>
+          <p:cNvPr id="3" name="Text Placeholder 2"/>
+          <p:cNvSpPr>
+            <a:spLocks noGrp="1"/>
+          </p:cNvSpPr>
+          <p:nvPr>
+            <p:ph type="body" idx="1"/>
           </p:nvPr>
         </p:nvSpPr>
         <p:spPr>
           <a:xfrm>
-            <a:off x="838200" y="6356350"/>
-            <a:ext cx="2743200" cy="365125"/>
+            <a:off x="1451579" y="2015732"/>
+            <a:ext cx="9603275" cy="3450613"/>
           </a:xfrm>
           <a:prstGeom prst="rect">
             <a:avLst/>
           </a:prstGeom>
         </p:spPr>
         <p:txBody>
+          <a:bodyPr vert="horz" lIns="91440" tIns="45720" rIns="91440" bIns="45720" rtlCol="0">
+            <a:normAutofit/>
+          </a:bodyPr>
+          <a:lstStyle/>
+          <a:p>
+            <a:pPr lvl="0"/>
+            <a:r>
+              <a:rPr lang="en-US" dirty="0"/>
+              <a:t>Edit Master text styles</a:t>
+            </a:r>
+          </a:p>
+          <a:p>
+            <a:pPr lvl="1"/>
+            <a:r>
+              <a:rPr lang="en-US" dirty="0"/>
+              <a:t>Second level</a:t>
+            </a:r>
+          </a:p>
+          <a:p>
+            <a:pPr lvl="2"/>
+            <a:r>
+              <a:rPr lang="en-US" dirty="0"/>
+              <a:t>Third level</a:t>
+            </a:r>
+          </a:p>
+          <a:p>
+            <a:pPr lvl="3"/>
+            <a:r>
+              <a:rPr lang="en-US" dirty="0"/>
+              <a:t>Fourth level</a:t>
+            </a:r>
+          </a:p>
+          <a:p>
+            <a:pPr lvl="4"/>
+            <a:r>
+              <a:rPr lang="en-US" dirty="0"/>
+              <a:t>Fifth level</a:t>
+            </a:r>
+          </a:p>
+        </p:txBody>
+      </p:sp>
+      <p:sp>
+        <p:nvSpPr>
+          <p:cNvPr id="4" name="Date Placeholder 3"/>
+          <p:cNvSpPr>
+            <a:spLocks noGrp="1"/>
+          </p:cNvSpPr>
+          <p:nvPr>
+            <p:ph type="dt" sz="half" idx="2"/>
+          </p:nvPr>
+        </p:nvSpPr>
+        <p:spPr>
+          <a:xfrm>
+            <a:off x="7554138" y="330370"/>
+            <a:ext cx="3500715" cy="309201"/>
+          </a:xfrm>
+          <a:prstGeom prst="rect">
+            <a:avLst/>
+          </a:prstGeom>
+        </p:spPr>
+        <p:txBody>
           <a:bodyPr vert="horz" lIns="91440" tIns="45720" rIns="91440" bIns="45720" rtlCol="0" anchor="ctr"/>
           <a:lstStyle>
-            <a:lvl1pPr algn="l">
-              <a:defRPr sz="1200">
+            <a:lvl1pPr algn="r">
+              <a:defRPr sz="1000">
                 <a:solidFill>
                   <a:schemeClr val="tx1">
                     <a:tint val="75000"/>
@@ -2595,7 +3169,7 @@
           <a:p>
             <a:fld id="{B6A416D0-654A-440E-B7B0-D96ECF83BE2D}" type="datetimeFigureOut">
               <a:rPr lang="en-IN" smtClean="0"/>
-              <a:t>28-03-2023</a:t>
+              <a:t>08-04-2025</a:t>
             </a:fld>
             <a:endParaRPr lang="en-IN"/>
           </a:p>
@@ -2613,8 +3187,8 @@
         </p:nvSpPr>
         <p:spPr>
           <a:xfrm>
-            <a:off x="4038600" y="6356350"/>
-            <a:ext cx="4114800" cy="365125"/>
+            <a:off x="1451579" y="329307"/>
+            <a:ext cx="5938836" cy="309201"/>
           </a:xfrm>
           <a:prstGeom prst="rect">
             <a:avLst/>
@@ -2623,8 +3197,8 @@
         <p:txBody>
           <a:bodyPr vert="horz" lIns="91440" tIns="45720" rIns="91440" bIns="45720" rtlCol="0" anchor="ctr"/>
           <a:lstStyle>
-            <a:lvl1pPr algn="ctr">
-              <a:defRPr sz="1200">
+            <a:lvl1pPr algn="l">
+              <a:defRPr sz="1000">
                 <a:solidFill>
                   <a:schemeClr val="tx1">
                     <a:tint val="75000"/>
@@ -2650,22 +3224,20 @@
         </p:nvSpPr>
         <p:spPr>
           <a:xfrm>
-            <a:off x="8610600" y="6356350"/>
-            <a:ext cx="2743200" cy="365125"/>
+            <a:off x="480060" y="798973"/>
+            <a:ext cx="811019" cy="503578"/>
           </a:xfrm>
           <a:prstGeom prst="rect">
             <a:avLst/>
           </a:prstGeom>
         </p:spPr>
         <p:txBody>
-          <a:bodyPr vert="horz" lIns="91440" tIns="45720" rIns="91440" bIns="45720" rtlCol="0" anchor="ctr"/>
+          <a:bodyPr vert="horz" lIns="91440" tIns="45720" rIns="91440" bIns="45720" rtlCol="0" anchor="t"/>
           <a:lstStyle>
             <a:lvl1pPr algn="r">
-              <a:defRPr sz="1200">
+              <a:defRPr sz="2800">
                 <a:solidFill>
-                  <a:schemeClr val="tx1">
-                    <a:tint val="75000"/>
-                  </a:schemeClr>
+                  <a:schemeClr val="accent1"/>
                 </a:solidFill>
               </a:defRPr>
             </a:lvl1pPr>
@@ -2679,26 +3251,63 @@
           </a:p>
         </p:txBody>
       </p:sp>
+      <p:cxnSp>
+        <p:nvCxnSpPr>
+          <p:cNvPr id="10" name="Straight Connector 9"/>
+          <p:cNvCxnSpPr/>
+          <p:nvPr/>
+        </p:nvCxnSpPr>
+        <p:spPr>
+          <a:xfrm>
+            <a:off x="0" y="6128413"/>
+            <a:ext cx="12192000" cy="0"/>
+          </a:xfrm>
+          <a:prstGeom prst="line">
+            <a:avLst/>
+          </a:prstGeom>
+          <a:ln w="12700">
+            <a:solidFill>
+              <a:srgbClr val="000001">
+                <a:alpha val="20000"/>
+              </a:srgbClr>
+            </a:solidFill>
+          </a:ln>
+        </p:spPr>
+        <p:style>
+          <a:lnRef idx="1">
+            <a:schemeClr val="accent1"/>
+          </a:lnRef>
+          <a:fillRef idx="0">
+            <a:schemeClr val="accent1"/>
+          </a:fillRef>
+          <a:effectRef idx="0">
+            <a:schemeClr val="accent1"/>
+          </a:effectRef>
+          <a:fontRef idx="minor">
+            <a:schemeClr val="tx1"/>
+          </a:fontRef>
+        </p:style>
+      </p:cxnSp>
     </p:spTree>
     <p:extLst>
       <p:ext uri="{BB962C8B-B14F-4D97-AF65-F5344CB8AC3E}">
-        <p14:creationId xmlns:p14="http://schemas.microsoft.com/office/powerpoint/2010/main" val="2418779773"/>
+        <p14:creationId xmlns:p14="http://schemas.microsoft.com/office/powerpoint/2010/main" val="2533582534"/>
       </p:ext>
     </p:extLst>
   </p:cSld>
   <p:clrMap bg1="lt1" tx1="dk1" bg2="lt2" tx2="dk2" accent1="accent1" accent2="accent2" accent3="accent3" accent4="accent4" accent5="accent5" accent6="accent6" hlink="hlink" folHlink="folHlink"/>
   <p:sldLayoutIdLst>
-    <p:sldLayoutId id="2147483649" r:id="rId1"/>
-    <p:sldLayoutId id="2147483650" r:id="rId2"/>
-    <p:sldLayoutId id="2147483651" r:id="rId3"/>
-    <p:sldLayoutId id="2147483652" r:id="rId4"/>
-    <p:sldLayoutId id="2147483653" r:id="rId5"/>
-    <p:sldLayoutId id="2147483654" r:id="rId6"/>
-    <p:sldLayoutId id="2147483655" r:id="rId7"/>
-    <p:sldLayoutId id="2147483656" r:id="rId8"/>
-    <p:sldLayoutId id="2147483657" r:id="rId9"/>
-    <p:sldLayoutId id="2147483658" r:id="rId10"/>
-    <p:sldLayoutId id="2147483659" r:id="rId11"/>
+    <p:sldLayoutId id="2147483745" r:id="rId1"/>
+    <p:sldLayoutId id="2147483746" r:id="rId2"/>
+    <p:sldLayoutId id="2147483747" r:id="rId3"/>
+    <p:sldLayoutId id="2147483748" r:id="rId4"/>
+    <p:sldLayoutId id="2147483749" r:id="rId5"/>
+    <p:sldLayoutId id="2147483750" r:id="rId6"/>
+    <p:sldLayoutId id="2147483751" r:id="rId7"/>
+    <p:sldLayoutId id="2147483752" r:id="rId8"/>
+    <p:sldLayoutId id="2147483753" r:id="rId9"/>
+    <p:sldLayoutId id="2147483754" r:id="rId10"/>
+    <p:sldLayoutId id="2147483755" r:id="rId11"/>
   </p:sldLayoutIdLst>
   <p:txStyles>
     <p:titleStyle>
@@ -2710,10 +3319,11 @@
           <a:spcPct val="0"/>
         </a:spcBef>
         <a:buNone/>
-        <a:defRPr sz="4400" kern="1200">
+        <a:defRPr sz="3200" b="0" i="0" kern="1200" cap="all">
           <a:solidFill>
             <a:schemeClr val="tx1"/>
           </a:solidFill>
+          <a:effectLst/>
           <a:latin typeface="+mj-lt"/>
           <a:ea typeface="+mj-ea"/>
           <a:cs typeface="+mj-cs"/>
@@ -2723,17 +3333,22 @@
     <p:bodyStyle>
       <a:lvl1pPr marL="228600" indent="-228600" algn="l" defTabSz="914400" rtl="0" eaLnBrk="1" latinLnBrk="0" hangingPunct="1">
         <a:lnSpc>
-          <a:spcPct val="90000"/>
+          <a:spcPct val="120000"/>
         </a:lnSpc>
         <a:spcBef>
           <a:spcPts val="1000"/>
         </a:spcBef>
+        <a:buClr>
+          <a:schemeClr val="accent1"/>
+        </a:buClr>
+        <a:buSzPct val="100000"/>
         <a:buFont typeface="Arial" panose="020B0604020202020204" pitchFamily="34" charset="0"/>
         <a:buChar char="•"/>
-        <a:defRPr sz="2800" kern="1200">
+        <a:defRPr sz="2000" kern="1200">
           <a:solidFill>
             <a:schemeClr val="tx1"/>
           </a:solidFill>
+          <a:effectLst/>
           <a:latin typeface="+mn-lt"/>
           <a:ea typeface="+mn-ea"/>
           <a:cs typeface="+mn-cs"/>
@@ -2741,17 +3356,22 @@
       </a:lvl1pPr>
       <a:lvl2pPr marL="685800" indent="-228600" algn="l" defTabSz="914400" rtl="0" eaLnBrk="1" latinLnBrk="0" hangingPunct="1">
         <a:lnSpc>
-          <a:spcPct val="90000"/>
+          <a:spcPct val="120000"/>
         </a:lnSpc>
         <a:spcBef>
           <a:spcPts val="500"/>
         </a:spcBef>
+        <a:buClr>
+          <a:schemeClr val="accent1"/>
+        </a:buClr>
+        <a:buSzPct val="100000"/>
         <a:buFont typeface="Arial" panose="020B0604020202020204" pitchFamily="34" charset="0"/>
         <a:buChar char="•"/>
-        <a:defRPr sz="2400" kern="1200">
+        <a:defRPr sz="1800" kern="1200" cap="none" baseline="0">
           <a:solidFill>
             <a:schemeClr val="tx1"/>
           </a:solidFill>
+          <a:effectLst/>
           <a:latin typeface="+mn-lt"/>
           <a:ea typeface="+mn-ea"/>
           <a:cs typeface="+mn-cs"/>
@@ -2759,17 +3379,22 @@
       </a:lvl2pPr>
       <a:lvl3pPr marL="1143000" indent="-228600" algn="l" defTabSz="914400" rtl="0" eaLnBrk="1" latinLnBrk="0" hangingPunct="1">
         <a:lnSpc>
-          <a:spcPct val="90000"/>
+          <a:spcPct val="120000"/>
         </a:lnSpc>
         <a:spcBef>
           <a:spcPts val="500"/>
         </a:spcBef>
+        <a:buClr>
+          <a:schemeClr val="accent1"/>
+        </a:buClr>
+        <a:buSzPct val="100000"/>
         <a:buFont typeface="Arial" panose="020B0604020202020204" pitchFamily="34" charset="0"/>
         <a:buChar char="•"/>
-        <a:defRPr sz="2000" kern="1200">
+        <a:defRPr sz="1600" kern="1200">
           <a:solidFill>
             <a:schemeClr val="tx1"/>
           </a:solidFill>
+          <a:effectLst/>
           <a:latin typeface="+mn-lt"/>
           <a:ea typeface="+mn-ea"/>
           <a:cs typeface="+mn-cs"/>
@@ -2777,17 +3402,22 @@
       </a:lvl3pPr>
       <a:lvl4pPr marL="1600200" indent="-228600" algn="l" defTabSz="914400" rtl="0" eaLnBrk="1" latinLnBrk="0" hangingPunct="1">
         <a:lnSpc>
-          <a:spcPct val="90000"/>
+          <a:spcPct val="120000"/>
         </a:lnSpc>
         <a:spcBef>
           <a:spcPts val="500"/>
         </a:spcBef>
+        <a:buClr>
+          <a:schemeClr val="accent1"/>
+        </a:buClr>
+        <a:buSzPct val="100000"/>
         <a:buFont typeface="Arial" panose="020B0604020202020204" pitchFamily="34" charset="0"/>
         <a:buChar char="•"/>
-        <a:defRPr sz="1800" kern="1200">
+        <a:defRPr sz="1400" kern="1200" cap="none" baseline="0">
           <a:solidFill>
             <a:schemeClr val="tx1"/>
           </a:solidFill>
+          <a:effectLst/>
           <a:latin typeface="+mn-lt"/>
           <a:ea typeface="+mn-ea"/>
           <a:cs typeface="+mn-cs"/>
@@ -2795,17 +3425,22 @@
       </a:lvl4pPr>
       <a:lvl5pPr marL="2057400" indent="-228600" algn="l" defTabSz="914400" rtl="0" eaLnBrk="1" latinLnBrk="0" hangingPunct="1">
         <a:lnSpc>
-          <a:spcPct val="90000"/>
+          <a:spcPct val="120000"/>
         </a:lnSpc>
         <a:spcBef>
           <a:spcPts val="500"/>
         </a:spcBef>
+        <a:buClr>
+          <a:schemeClr val="accent1"/>
+        </a:buClr>
+        <a:buSzPct val="100000"/>
         <a:buFont typeface="Arial" panose="020B0604020202020204" pitchFamily="34" charset="0"/>
         <a:buChar char="•"/>
-        <a:defRPr sz="1800" kern="1200">
+        <a:defRPr sz="1200" kern="1200">
           <a:solidFill>
             <a:schemeClr val="tx1"/>
           </a:solidFill>
+          <a:effectLst/>
           <a:latin typeface="+mn-lt"/>
           <a:ea typeface="+mn-ea"/>
           <a:cs typeface="+mn-cs"/>
@@ -2813,17 +3448,22 @@
       </a:lvl5pPr>
       <a:lvl6pPr marL="2514600" indent="-228600" algn="l" defTabSz="914400" rtl="0" eaLnBrk="1" latinLnBrk="0" hangingPunct="1">
         <a:lnSpc>
-          <a:spcPct val="90000"/>
+          <a:spcPct val="120000"/>
         </a:lnSpc>
         <a:spcBef>
           <a:spcPts val="500"/>
         </a:spcBef>
+        <a:buClr>
+          <a:schemeClr val="accent1"/>
+        </a:buClr>
+        <a:buSzPct val="100000"/>
         <a:buFont typeface="Arial" panose="020B0604020202020204" pitchFamily="34" charset="0"/>
         <a:buChar char="•"/>
-        <a:defRPr sz="1800" kern="1200">
+        <a:defRPr sz="1200" kern="1200">
           <a:solidFill>
             <a:schemeClr val="tx1"/>
           </a:solidFill>
+          <a:effectLst/>
           <a:latin typeface="+mn-lt"/>
           <a:ea typeface="+mn-ea"/>
           <a:cs typeface="+mn-cs"/>
@@ -2831,17 +3471,22 @@
       </a:lvl6pPr>
       <a:lvl7pPr marL="2971800" indent="-228600" algn="l" defTabSz="914400" rtl="0" eaLnBrk="1" latinLnBrk="0" hangingPunct="1">
         <a:lnSpc>
-          <a:spcPct val="90000"/>
+          <a:spcPct val="120000"/>
         </a:lnSpc>
         <a:spcBef>
           <a:spcPts val="500"/>
         </a:spcBef>
+        <a:buClr>
+          <a:schemeClr val="accent1"/>
+        </a:buClr>
+        <a:buSzPct val="100000"/>
         <a:buFont typeface="Arial" panose="020B0604020202020204" pitchFamily="34" charset="0"/>
         <a:buChar char="•"/>
-        <a:defRPr sz="1800" kern="1200">
+        <a:defRPr sz="1200" kern="1200">
           <a:solidFill>
             <a:schemeClr val="tx1"/>
           </a:solidFill>
+          <a:effectLst/>
           <a:latin typeface="+mn-lt"/>
           <a:ea typeface="+mn-ea"/>
           <a:cs typeface="+mn-cs"/>
@@ -2849,17 +3494,22 @@
       </a:lvl7pPr>
       <a:lvl8pPr marL="3429000" indent="-228600" algn="l" defTabSz="914400" rtl="0" eaLnBrk="1" latinLnBrk="0" hangingPunct="1">
         <a:lnSpc>
-          <a:spcPct val="90000"/>
+          <a:spcPct val="120000"/>
         </a:lnSpc>
         <a:spcBef>
           <a:spcPts val="500"/>
         </a:spcBef>
+        <a:buClr>
+          <a:schemeClr val="accent1"/>
+        </a:buClr>
+        <a:buSzPct val="100000"/>
         <a:buFont typeface="Arial" panose="020B0604020202020204" pitchFamily="34" charset="0"/>
         <a:buChar char="•"/>
-        <a:defRPr sz="1800" kern="1200">
+        <a:defRPr sz="1200" kern="1200" baseline="0">
           <a:solidFill>
             <a:schemeClr val="tx1"/>
           </a:solidFill>
+          <a:effectLst/>
           <a:latin typeface="+mn-lt"/>
           <a:ea typeface="+mn-ea"/>
           <a:cs typeface="+mn-cs"/>
@@ -2867,17 +3517,22 @@
       </a:lvl8pPr>
       <a:lvl9pPr marL="3886200" indent="-228600" algn="l" defTabSz="914400" rtl="0" eaLnBrk="1" latinLnBrk="0" hangingPunct="1">
         <a:lnSpc>
-          <a:spcPct val="90000"/>
+          <a:spcPct val="120000"/>
         </a:lnSpc>
         <a:spcBef>
           <a:spcPts val="500"/>
         </a:spcBef>
+        <a:buClr>
+          <a:schemeClr val="accent1"/>
+        </a:buClr>
+        <a:buSzPct val="100000"/>
         <a:buFont typeface="Arial" panose="020B0604020202020204" pitchFamily="34" charset="0"/>
         <a:buChar char="•"/>
-        <a:defRPr sz="1800" kern="1200">
+        <a:defRPr sz="1200" kern="1200" baseline="0">
           <a:solidFill>
             <a:schemeClr val="tx1"/>
           </a:solidFill>
+          <a:effectLst/>
           <a:latin typeface="+mn-lt"/>
           <a:ea typeface="+mn-ea"/>
           <a:cs typeface="+mn-cs"/>
@@ -3016,8 +3671,8 @@
           <a:lstStyle/>
           <a:p>
             <a:r>
-              <a:rPr lang="en-US" b="1" dirty="0" smtClean="0"/>
-              <a:t>Python Tuples</a:t>
+              <a:rPr lang="en-US" b="1" dirty="0"/>
+              <a:t>Python   Tuples</a:t>
             </a:r>
             <a:endParaRPr lang="en-IN" b="1" dirty="0"/>
           </a:p>
@@ -3088,7 +3743,7 @@
           <a:lstStyle/>
           <a:p>
             <a:r>
-              <a:rPr lang="en-US" dirty="0" smtClean="0"/>
+              <a:rPr lang="en-US" dirty="0"/>
               <a:t>Negative Indexing</a:t>
             </a:r>
             <a:endParaRPr lang="en-IN" dirty="0"/>
@@ -3113,19 +3768,19 @@
           <a:lstStyle/>
           <a:p>
             <a:r>
-              <a:rPr lang="en-US" dirty="0" smtClean="0"/>
+              <a:rPr lang="en-US" dirty="0"/>
               <a:t>Negative indexing means start from the end.</a:t>
             </a:r>
           </a:p>
           <a:p>
             <a:r>
-              <a:rPr lang="en-US" dirty="0" smtClean="0"/>
+              <a:rPr lang="en-US" dirty="0"/>
               <a:t>-1 refers to the last item, -2 refers to the second last item etc.</a:t>
             </a:r>
           </a:p>
           <a:p>
             <a:r>
-              <a:rPr lang="en-US" dirty="0" smtClean="0"/>
+              <a:rPr lang="en-US" dirty="0"/>
               <a:t>Example: Print the last item of the tuple:</a:t>
             </a:r>
           </a:p>
@@ -3134,11 +3789,11 @@
               <a:buNone/>
             </a:pPr>
             <a:r>
-              <a:rPr lang="en-US" b="1" dirty="0" err="1" smtClean="0"/>
+              <a:rPr lang="en-US" b="1" dirty="0" err="1"/>
               <a:t>thistuple</a:t>
             </a:r>
             <a:r>
-              <a:rPr lang="en-US" b="1" dirty="0" smtClean="0"/>
+              <a:rPr lang="en-US" b="1" dirty="0"/>
               <a:t> = ("apple", "banana", "cherry")</a:t>
             </a:r>
           </a:p>
@@ -3147,15 +3802,15 @@
               <a:buNone/>
             </a:pPr>
             <a:r>
-              <a:rPr lang="en-US" b="1" dirty="0" smtClean="0"/>
+              <a:rPr lang="en-US" b="1" dirty="0"/>
               <a:t>print(</a:t>
             </a:r>
             <a:r>
-              <a:rPr lang="en-US" b="1" dirty="0" err="1" smtClean="0"/>
+              <a:rPr lang="en-US" b="1" dirty="0" err="1"/>
               <a:t>thistuple</a:t>
             </a:r>
             <a:r>
-              <a:rPr lang="en-US" b="1" dirty="0" smtClean="0"/>
+              <a:rPr lang="en-US" b="1" dirty="0"/>
               <a:t>[-1])</a:t>
             </a:r>
             <a:endParaRPr lang="en-IN" b="1" dirty="0"/>
@@ -3208,10 +3863,9 @@
           <a:lstStyle/>
           <a:p>
             <a:r>
-              <a:rPr lang="en-IN" b="1" dirty="0" smtClean="0"/>
+              <a:rPr lang="en-IN" b="1" dirty="0"/>
               <a:t>Range of Indexes</a:t>
             </a:r>
-            <a:endParaRPr lang="en-IN" b="1" dirty="0"/>
           </a:p>
         </p:txBody>
       </p:sp>
@@ -3227,30 +3881,30 @@
         </p:nvSpPr>
         <p:spPr>
           <a:xfrm>
-            <a:off x="230736" y="1825625"/>
-            <a:ext cx="11801743" cy="4351338"/>
+            <a:off x="1451579" y="1961321"/>
+            <a:ext cx="10580900" cy="4215641"/>
           </a:xfrm>
         </p:spPr>
         <p:txBody>
           <a:bodyPr>
-            <a:normAutofit fontScale="92500" lnSpcReduction="10000"/>
+            <a:normAutofit/>
           </a:bodyPr>
           <a:lstStyle/>
           <a:p>
             <a:r>
-              <a:rPr lang="en-US" dirty="0" smtClean="0"/>
+              <a:rPr lang="en-US" dirty="0"/>
               <a:t>You can specify a range of indexes by specifying where to start and where to end the range.</a:t>
             </a:r>
           </a:p>
           <a:p>
             <a:r>
-              <a:rPr lang="en-US" dirty="0" smtClean="0"/>
+              <a:rPr lang="en-US" dirty="0"/>
               <a:t>When specifying a range, the return value will be a new tuple with the specified items.</a:t>
             </a:r>
           </a:p>
           <a:p>
             <a:r>
-              <a:rPr lang="en-US" dirty="0" smtClean="0"/>
+              <a:rPr lang="en-US" dirty="0"/>
               <a:t>Example: Return the third, fourth, and fifth item:</a:t>
             </a:r>
           </a:p>
@@ -3259,11 +3913,11 @@
               <a:buNone/>
             </a:pPr>
             <a:r>
-              <a:rPr lang="en-US" b="1" dirty="0" err="1" smtClean="0"/>
+              <a:rPr lang="en-US" b="1" dirty="0" err="1"/>
               <a:t>thistuple</a:t>
             </a:r>
             <a:r>
-              <a:rPr lang="en-US" b="1" dirty="0" smtClean="0"/>
+              <a:rPr lang="en-US" b="1" dirty="0"/>
               <a:t> = ("apple", "banana", "cherry", "orange", "kiwi", "melon", "mango")</a:t>
             </a:r>
           </a:p>
@@ -3272,15 +3926,15 @@
               <a:buNone/>
             </a:pPr>
             <a:r>
-              <a:rPr lang="en-US" b="1" dirty="0" smtClean="0"/>
+              <a:rPr lang="en-US" b="1" dirty="0"/>
               <a:t>print(</a:t>
             </a:r>
             <a:r>
-              <a:rPr lang="en-US" b="1" dirty="0" err="1" smtClean="0"/>
+              <a:rPr lang="en-US" b="1" dirty="0" err="1"/>
               <a:t>thistuple</a:t>
             </a:r>
             <a:r>
-              <a:rPr lang="en-US" b="1" dirty="0" smtClean="0"/>
+              <a:rPr lang="en-US" b="1" dirty="0"/>
               <a:t>[2:5])</a:t>
             </a:r>
           </a:p>
@@ -3373,12 +4027,7 @@
             <p:ph idx="1"/>
           </p:nvPr>
         </p:nvSpPr>
-        <p:spPr>
-          <a:xfrm>
-            <a:off x="838200" y="1825625"/>
-            <a:ext cx="10515600" cy="4351338"/>
-          </a:xfrm>
-        </p:spPr>
+        <p:spPr/>
         <p:txBody>
           <a:bodyPr/>
           <a:lstStyle/>
@@ -3390,18 +4039,14 @@
           </a:p>
           <a:p>
             <a:r>
-              <a:rPr lang="en-US" dirty="0" smtClean="0"/>
+              <a:rPr lang="en-US" dirty="0"/>
               <a:t>Example</a:t>
             </a:r>
           </a:p>
           <a:p>
             <a:r>
-              <a:rPr lang="en-US" dirty="0" smtClean="0"/>
-              <a:t>This </a:t>
-            </a:r>
-            <a:r>
-              <a:rPr lang="en-US" dirty="0"/>
-              <a:t>example returns the items from the beginning to, but NOT included, "kiwi":</a:t>
+              <a:rPr lang="en-US" dirty="0"/>
+              <a:t>This example returns the items from the beginning to, but NOT included, "kiwi":</a:t>
             </a:r>
           </a:p>
           <a:p>
@@ -3414,15 +4059,7 @@
             </a:r>
             <a:r>
               <a:rPr lang="en-US" sz="2400" b="1" dirty="0"/>
-              <a:t> = </a:t>
-            </a:r>
-            <a:r>
-              <a:rPr lang="en-US" sz="2400" b="1" dirty="0" smtClean="0"/>
-              <a:t>("</a:t>
-            </a:r>
-            <a:r>
-              <a:rPr lang="en-US" sz="2400" b="1" dirty="0"/>
-              <a:t>apple", "banana", "cherry", "orange", "kiwi", "melon", "mango")</a:t>
+              <a:t> = ("apple", "banana", "cherry", "orange", "kiwi", "melon", "mango")</a:t>
             </a:r>
             <a:br>
               <a:rPr lang="en-US" sz="2400" b="1" dirty="0"/>
@@ -3518,10 +4155,9 @@
           </a:p>
           <a:p>
             <a:r>
-              <a:rPr lang="en-US" dirty="0" smtClean="0"/>
+              <a:rPr lang="en-US" dirty="0"/>
               <a:t>Example</a:t>
             </a:r>
-            <a:endParaRPr lang="en-US" dirty="0"/>
           </a:p>
           <a:p>
             <a:r>
@@ -3554,13 +4190,8 @@
             </a:r>
             <a:r>
               <a:rPr lang="en-US" sz="2400" b="1" dirty="0"/>
-              <a:t>[2</a:t>
-            </a:r>
-            <a:r>
-              <a:rPr lang="en-US" sz="2400" b="1" dirty="0" smtClean="0"/>
-              <a:t>:])</a:t>
-            </a:r>
-            <a:endParaRPr lang="en-US" sz="2400" b="1" dirty="0"/>
+              <a:t>[2:])</a:t>
+            </a:r>
           </a:p>
         </p:txBody>
       </p:sp>
@@ -3606,51 +4237,53 @@
         </p:nvSpPr>
         <p:spPr/>
         <p:txBody>
-          <a:bodyPr/>
-          <a:lstStyle/>
-          <a:p>
-            <a:r>
-              <a:rPr lang="en-US" dirty="0" smtClean="0"/>
-              <a:t>Range of Negative Indexes</a:t>
-            </a:r>
-            <a:br>
-              <a:rPr lang="en-US" dirty="0" smtClean="0"/>
-            </a:br>
-            <a:endParaRPr lang="en-IN" dirty="0"/>
-          </a:p>
-        </p:txBody>
-      </p:sp>
-      <p:sp>
-        <p:nvSpPr>
-          <p:cNvPr id="3" name="Content Placeholder 2"/>
-          <p:cNvSpPr>
-            <a:spLocks noGrp="1"/>
-          </p:cNvSpPr>
-          <p:nvPr>
-            <p:ph idx="1"/>
-          </p:nvPr>
-        </p:nvSpPr>
-        <p:spPr/>
-        <p:txBody>
           <a:bodyPr>
             <a:normAutofit/>
           </a:bodyPr>
           <a:lstStyle/>
           <a:p>
             <a:r>
-              <a:rPr lang="en-US" dirty="0" smtClean="0"/>
+              <a:rPr lang="en-US" dirty="0"/>
+              <a:t>Range of Negative Indexes</a:t>
+            </a:r>
+            <a:br>
+              <a:rPr lang="en-US" dirty="0"/>
+            </a:br>
+            <a:endParaRPr lang="en-IN" dirty="0"/>
+          </a:p>
+        </p:txBody>
+      </p:sp>
+      <p:sp>
+        <p:nvSpPr>
+          <p:cNvPr id="3" name="Content Placeholder 2"/>
+          <p:cNvSpPr>
+            <a:spLocks noGrp="1"/>
+          </p:cNvSpPr>
+          <p:nvPr>
+            <p:ph idx="1"/>
+          </p:nvPr>
+        </p:nvSpPr>
+        <p:spPr/>
+        <p:txBody>
+          <a:bodyPr>
+            <a:normAutofit/>
+          </a:bodyPr>
+          <a:lstStyle/>
+          <a:p>
+            <a:r>
+              <a:rPr lang="en-US" dirty="0"/>
               <a:t>Specify negative indexes if you want to start the search from the end of the tuple:</a:t>
             </a:r>
           </a:p>
           <a:p>
             <a:r>
-              <a:rPr lang="en-US" dirty="0" smtClean="0"/>
+              <a:rPr lang="en-US" dirty="0"/>
               <a:t>Example </a:t>
             </a:r>
           </a:p>
           <a:p>
             <a:r>
-              <a:rPr lang="en-US" dirty="0" smtClean="0"/>
+              <a:rPr lang="en-US" dirty="0"/>
               <a:t>This example returns the items from index -4 (included) to index -1 (excluded)</a:t>
             </a:r>
           </a:p>
@@ -3659,11 +4292,11 @@
               <a:buNone/>
             </a:pPr>
             <a:r>
-              <a:rPr lang="en-US" sz="2400" b="1" dirty="0" err="1" smtClean="0"/>
+              <a:rPr lang="en-US" sz="2400" b="1" dirty="0" err="1"/>
               <a:t>thistuple</a:t>
             </a:r>
             <a:r>
-              <a:rPr lang="en-US" sz="2400" b="1" dirty="0" smtClean="0"/>
+              <a:rPr lang="en-US" sz="2400" b="1" dirty="0"/>
               <a:t> = ("apple", "banana", "cherry", "orange", "kiwi", "melon", "mango")</a:t>
             </a:r>
           </a:p>
@@ -3672,15 +4305,15 @@
               <a:buNone/>
             </a:pPr>
             <a:r>
-              <a:rPr lang="en-US" sz="2400" b="1" dirty="0" smtClean="0"/>
+              <a:rPr lang="en-US" sz="2400" b="1" dirty="0"/>
               <a:t>print(</a:t>
             </a:r>
             <a:r>
-              <a:rPr lang="en-US" sz="2400" b="1" dirty="0" err="1" smtClean="0"/>
+              <a:rPr lang="en-US" sz="2400" b="1" dirty="0" err="1"/>
               <a:t>thistuple</a:t>
             </a:r>
             <a:r>
-              <a:rPr lang="en-US" sz="2400" b="1" dirty="0" smtClean="0"/>
+              <a:rPr lang="en-US" sz="2400" b="1" dirty="0"/>
               <a:t>[-4:-1])</a:t>
             </a:r>
             <a:endParaRPr lang="en-IN" sz="2400" b="1" dirty="0"/>
@@ -3733,7 +4366,7 @@
           <a:lstStyle/>
           <a:p>
             <a:r>
-              <a:rPr lang="en-US" b="1" dirty="0" smtClean="0"/>
+              <a:rPr lang="en-US" b="1" dirty="0"/>
               <a:t>Check if Item Exists</a:t>
             </a:r>
             <a:endParaRPr lang="en-IN" b="1" dirty="0"/>
@@ -3758,35 +4391,35 @@
           <a:lstStyle/>
           <a:p>
             <a:r>
-              <a:rPr lang="en-US" dirty="0" smtClean="0"/>
+              <a:rPr lang="en-US" dirty="0"/>
               <a:t>To determine if a specified item is present in a tuple use the in keyword:</a:t>
             </a:r>
           </a:p>
           <a:p>
             <a:r>
-              <a:rPr lang="en-US" dirty="0" smtClean="0"/>
+              <a:rPr lang="en-US" dirty="0"/>
               <a:t>Example: </a:t>
             </a:r>
           </a:p>
           <a:p>
             <a:r>
-              <a:rPr lang="en-US" dirty="0" smtClean="0"/>
+              <a:rPr lang="en-US" dirty="0"/>
               <a:t>Check if "apple" is present in the tuple:</a:t>
             </a:r>
           </a:p>
           <a:p>
-            <a:endParaRPr lang="en-US" dirty="0" smtClean="0"/>
-          </a:p>
-          <a:p>
-            <a:pPr marL="0" indent="0">
-              <a:buNone/>
-            </a:pPr>
-            <a:r>
-              <a:rPr lang="en-US" b="1" dirty="0" err="1" smtClean="0"/>
+            <a:endParaRPr lang="en-US" dirty="0"/>
+          </a:p>
+          <a:p>
+            <a:pPr marL="0" indent="0">
+              <a:buNone/>
+            </a:pPr>
+            <a:r>
+              <a:rPr lang="en-US" b="1" dirty="0" err="1"/>
               <a:t>thistuple</a:t>
             </a:r>
             <a:r>
-              <a:rPr lang="en-US" b="1" dirty="0" smtClean="0"/>
+              <a:rPr lang="en-US" b="1" dirty="0"/>
               <a:t> = ("apple", "banana", "cherry")</a:t>
             </a:r>
           </a:p>
@@ -3795,15 +4428,15 @@
               <a:buNone/>
             </a:pPr>
             <a:r>
-              <a:rPr lang="en-US" b="1" dirty="0" smtClean="0"/>
+              <a:rPr lang="en-US" b="1" dirty="0"/>
               <a:t>if "apple" in </a:t>
             </a:r>
             <a:r>
-              <a:rPr lang="en-US" b="1" dirty="0" err="1" smtClean="0"/>
+              <a:rPr lang="en-US" b="1" dirty="0" err="1"/>
               <a:t>thistuple</a:t>
             </a:r>
             <a:r>
-              <a:rPr lang="en-US" b="1" dirty="0" smtClean="0"/>
+              <a:rPr lang="en-US" b="1" dirty="0"/>
               <a:t>:</a:t>
             </a:r>
           </a:p>
@@ -3812,7 +4445,7 @@
               <a:buNone/>
             </a:pPr>
             <a:r>
-              <a:rPr lang="en-US" b="1" dirty="0" smtClean="0"/>
+              <a:rPr lang="en-US" b="1" dirty="0"/>
               <a:t>  print("Yes, 'apple' is in the fruits tuple")</a:t>
             </a:r>
             <a:endParaRPr lang="en-IN" b="1" dirty="0"/>
@@ -3866,13 +4499,8 @@
           <a:p>
             <a:r>
               <a:rPr lang="en-IN" b="1" dirty="0"/>
-              <a:t>Python - Update </a:t>
-            </a:r>
-            <a:r>
-              <a:rPr lang="en-IN" b="1" dirty="0" smtClean="0"/>
-              <a:t>Tuples</a:t>
-            </a:r>
-            <a:endParaRPr lang="en-IN" b="1" dirty="0"/>
+              <a:t>Python - Update Tuples</a:t>
+            </a:r>
           </a:p>
         </p:txBody>
       </p:sp>
@@ -3888,8 +4516,8 @@
         </p:nvSpPr>
         <p:spPr>
           <a:xfrm>
-            <a:off x="282011" y="1825625"/>
-            <a:ext cx="11071789" cy="4351338"/>
+            <a:off x="1451579" y="1853754"/>
+            <a:ext cx="9603275" cy="4323208"/>
           </a:xfrm>
         </p:spPr>
         <p:txBody>
@@ -3899,13 +4527,13 @@
           <a:lstStyle/>
           <a:p>
             <a:r>
-              <a:rPr lang="en-US" b="1" dirty="0" smtClean="0"/>
+              <a:rPr lang="en-US" b="1" dirty="0"/>
               <a:t>Tuples are unchangeable, meaning that you cannot change, add, or remove items once the tuple is created.</a:t>
             </a:r>
           </a:p>
           <a:p>
             <a:r>
-              <a:rPr lang="en-US" dirty="0" smtClean="0"/>
+              <a:rPr lang="en-US" dirty="0"/>
               <a:t>But there are some workarounds.</a:t>
             </a:r>
           </a:p>
@@ -3914,25 +4542,25 @@
               <a:buNone/>
             </a:pPr>
             <a:r>
-              <a:rPr lang="en-US" b="1" dirty="0" smtClean="0"/>
+              <a:rPr lang="en-US" b="1" dirty="0"/>
               <a:t>Change Tuple Values</a:t>
             </a:r>
           </a:p>
           <a:p>
             <a:r>
-              <a:rPr lang="en-US" dirty="0" smtClean="0"/>
+              <a:rPr lang="en-US" dirty="0"/>
               <a:t>Once a tuple is created, you cannot change its values. </a:t>
             </a:r>
           </a:p>
           <a:p>
             <a:r>
-              <a:rPr lang="en-US" b="1" dirty="0" smtClean="0"/>
+              <a:rPr lang="en-US" b="1" dirty="0"/>
               <a:t>Tuples are unchangeable, or immutable as it also is called.</a:t>
             </a:r>
           </a:p>
           <a:p>
             <a:r>
-              <a:rPr lang="en-US" dirty="0" smtClean="0"/>
+              <a:rPr lang="en-US" dirty="0"/>
               <a:t>But there is a workaround. </a:t>
             </a:r>
           </a:p>
@@ -4000,31 +4628,31 @@
         <p:spPr/>
         <p:txBody>
           <a:bodyPr>
-            <a:normAutofit lnSpcReduction="10000"/>
+            <a:normAutofit fontScale="92500" lnSpcReduction="20000"/>
           </a:bodyPr>
           <a:lstStyle/>
           <a:p>
             <a:r>
-              <a:rPr lang="en-US" dirty="0" smtClean="0"/>
+              <a:rPr lang="en-US" dirty="0"/>
               <a:t>You can convert the tuple into a list, change the list, and convert the list back into a tuple.</a:t>
             </a:r>
-            <a:endParaRPr lang="en-IN" dirty="0" smtClean="0"/>
-          </a:p>
-          <a:p>
-            <a:r>
-              <a:rPr lang="en-US" dirty="0" smtClean="0"/>
+            <a:endParaRPr lang="en-IN" dirty="0"/>
+          </a:p>
+          <a:p>
+            <a:r>
+              <a:rPr lang="en-US" dirty="0"/>
               <a:t>Convert the tuple into a list to be able to change it:</a:t>
             </a:r>
           </a:p>
           <a:p>
-            <a:endParaRPr lang="en-US" dirty="0" smtClean="0"/>
-          </a:p>
-          <a:p>
-            <a:pPr marL="0" indent="0">
-              <a:buNone/>
-            </a:pPr>
-            <a:r>
-              <a:rPr lang="en-US" b="1" dirty="0" smtClean="0"/>
+            <a:endParaRPr lang="en-US" dirty="0"/>
+          </a:p>
+          <a:p>
+            <a:pPr marL="0" indent="0">
+              <a:buNone/>
+            </a:pPr>
+            <a:r>
+              <a:rPr lang="en-US" b="1" dirty="0"/>
               <a:t>x = ("apple", "banana", "cherry")</a:t>
             </a:r>
           </a:p>
@@ -4033,7 +4661,7 @@
               <a:buNone/>
             </a:pPr>
             <a:r>
-              <a:rPr lang="en-US" b="1" dirty="0" smtClean="0"/>
+              <a:rPr lang="en-US" b="1" dirty="0"/>
               <a:t>y = list(x)</a:t>
             </a:r>
           </a:p>
@@ -4042,7 +4670,7 @@
               <a:buNone/>
             </a:pPr>
             <a:r>
-              <a:rPr lang="en-US" b="1" dirty="0" smtClean="0"/>
+              <a:rPr lang="en-US" b="1" dirty="0"/>
               <a:t>y[1] = "kiwi"</a:t>
             </a:r>
           </a:p>
@@ -4051,7 +4679,7 @@
               <a:buNone/>
             </a:pPr>
             <a:r>
-              <a:rPr lang="en-US" b="1" dirty="0" smtClean="0"/>
+              <a:rPr lang="en-US" b="1" dirty="0"/>
               <a:t>x = tuple(y)</a:t>
             </a:r>
           </a:p>
@@ -4060,7 +4688,7 @@
               <a:buNone/>
             </a:pPr>
             <a:r>
-              <a:rPr lang="en-US" b="1" dirty="0" smtClean="0"/>
+              <a:rPr lang="en-US" b="1" dirty="0"/>
               <a:t>print(x)</a:t>
             </a:r>
             <a:endParaRPr lang="en-IN" b="1" dirty="0"/>
@@ -4115,7 +4743,7 @@
           <a:lstStyle/>
           <a:p>
             <a:r>
-              <a:rPr lang="en-US" sz="5400" b="1" dirty="0" smtClean="0"/>
+              <a:rPr lang="en-US" sz="5400" b="1" dirty="0"/>
               <a:t>Add Items</a:t>
             </a:r>
             <a:endParaRPr lang="en-IN" sz="5400" b="1" dirty="0"/>
@@ -4134,34 +4762,31 @@
         </p:nvSpPr>
         <p:spPr>
           <a:xfrm>
-            <a:off x="384561" y="1825625"/>
-            <a:ext cx="10969239" cy="4797366"/>
+            <a:off x="1451579" y="1853754"/>
+            <a:ext cx="9826021" cy="4199728"/>
           </a:xfrm>
         </p:spPr>
         <p:txBody>
           <a:bodyPr>
-            <a:normAutofit fontScale="92500" lnSpcReduction="10000"/>
+            <a:normAutofit fontScale="85000" lnSpcReduction="20000"/>
           </a:bodyPr>
           <a:lstStyle/>
           <a:p>
             <a:r>
-              <a:rPr lang="en-US" dirty="0" smtClean="0"/>
+              <a:rPr lang="en-US" dirty="0"/>
               <a:t>Since tuples are immutable, they do not have a build-in append() method, but there are other ways to add items to a tuple.</a:t>
             </a:r>
           </a:p>
           <a:p>
-            <a:endParaRPr lang="en-US" dirty="0" smtClean="0"/>
-          </a:p>
-          <a:p>
-            <a:pPr marL="514350" indent="-514350">
-              <a:buAutoNum type="arabicPeriod"/>
-            </a:pPr>
-            <a:r>
-              <a:rPr lang="en-US" b="1" dirty="0" smtClean="0"/>
+            <a:endParaRPr lang="en-US" dirty="0"/>
+          </a:p>
+          <a:p>
+            <a:r>
+              <a:rPr lang="en-US" b="1" dirty="0"/>
               <a:t>Convert into a list: </a:t>
             </a:r>
             <a:r>
-              <a:rPr lang="en-US" dirty="0" smtClean="0"/>
+              <a:rPr lang="en-US" dirty="0"/>
               <a:t>Just like the workaround for changing a tuple, you can convert it into a list, add your item(s), and convert it back into a tuple.</a:t>
             </a:r>
           </a:p>
@@ -4169,11 +4794,11 @@
             <a:pPr marL="0" indent="0">
               <a:buNone/>
             </a:pPr>
-            <a:endParaRPr lang="en-US" dirty="0" smtClean="0"/>
-          </a:p>
-          <a:p>
-            <a:r>
-              <a:rPr lang="en-US" dirty="0" smtClean="0"/>
+            <a:endParaRPr lang="en-US" dirty="0"/>
+          </a:p>
+          <a:p>
+            <a:r>
+              <a:rPr lang="en-US" dirty="0"/>
               <a:t>Convert the tuple into a list, add "orange", and convert it back into a tuple:</a:t>
             </a:r>
           </a:p>
@@ -4182,11 +4807,11 @@
               <a:buNone/>
             </a:pPr>
             <a:r>
-              <a:rPr lang="en-US" b="1" dirty="0" err="1" smtClean="0"/>
+              <a:rPr lang="en-US" b="1" dirty="0" err="1"/>
               <a:t>thistuple</a:t>
             </a:r>
             <a:r>
-              <a:rPr lang="en-US" b="1" dirty="0" smtClean="0"/>
+              <a:rPr lang="en-US" b="1" dirty="0"/>
               <a:t> = ("apple", "banana", "cherry")</a:t>
             </a:r>
           </a:p>
@@ -4195,15 +4820,15 @@
               <a:buNone/>
             </a:pPr>
             <a:r>
-              <a:rPr lang="en-US" b="1" dirty="0" smtClean="0"/>
+              <a:rPr lang="en-US" b="1" dirty="0"/>
               <a:t>y = list(</a:t>
             </a:r>
             <a:r>
-              <a:rPr lang="en-US" b="1" dirty="0" err="1" smtClean="0"/>
+              <a:rPr lang="en-US" b="1" dirty="0" err="1"/>
               <a:t>thistuple</a:t>
             </a:r>
             <a:r>
-              <a:rPr lang="en-US" b="1" dirty="0" smtClean="0"/>
+              <a:rPr lang="en-US" b="1" dirty="0"/>
               <a:t>)</a:t>
             </a:r>
           </a:p>
@@ -4212,11 +4837,11 @@
               <a:buNone/>
             </a:pPr>
             <a:r>
-              <a:rPr lang="en-US" b="1" dirty="0" err="1" smtClean="0"/>
+              <a:rPr lang="en-US" b="1" dirty="0" err="1"/>
               <a:t>y.append</a:t>
             </a:r>
             <a:r>
-              <a:rPr lang="en-US" b="1" dirty="0" smtClean="0"/>
+              <a:rPr lang="en-US" b="1" dirty="0"/>
               <a:t>("orange")</a:t>
             </a:r>
           </a:p>
@@ -4225,11 +4850,11 @@
               <a:buNone/>
             </a:pPr>
             <a:r>
-              <a:rPr lang="en-US" b="1" dirty="0" err="1" smtClean="0"/>
+              <a:rPr lang="en-US" b="1" dirty="0" err="1"/>
               <a:t>thistuple</a:t>
             </a:r>
             <a:r>
-              <a:rPr lang="en-US" b="1" dirty="0" smtClean="0"/>
+              <a:rPr lang="en-US" b="1" dirty="0"/>
               <a:t> = tuple(y)</a:t>
             </a:r>
             <a:endParaRPr lang="en-IN" b="1" dirty="0"/>
@@ -4278,8 +4903,8 @@
         </p:nvSpPr>
         <p:spPr>
           <a:xfrm>
-            <a:off x="838200" y="418744"/>
-            <a:ext cx="10515600" cy="5758219"/>
+            <a:off x="1417982" y="490330"/>
+            <a:ext cx="9935817" cy="5686633"/>
           </a:xfrm>
         </p:spPr>
         <p:txBody>
@@ -4292,36 +4917,36 @@
               <a:buNone/>
             </a:pPr>
             <a:r>
-              <a:rPr lang="en-US" b="1" dirty="0" smtClean="0"/>
+              <a:rPr lang="en-US" b="1" dirty="0"/>
               <a:t>2. Add tuple to a tuple.</a:t>
             </a:r>
             <a:r>
-              <a:rPr lang="en-US" dirty="0" smtClean="0"/>
+              <a:rPr lang="en-US" dirty="0"/>
               <a:t> You are allowed to add tuples to tuples, so if you want to add one item, (or many), create a new tuple with the item(s), and add it to the existing tuple:</a:t>
             </a:r>
           </a:p>
           <a:p>
-            <a:endParaRPr lang="en-US" dirty="0" smtClean="0"/>
-          </a:p>
-          <a:p>
-            <a:r>
-              <a:rPr lang="en-US" dirty="0" smtClean="0"/>
+            <a:endParaRPr lang="en-US" dirty="0"/>
+          </a:p>
+          <a:p>
+            <a:r>
+              <a:rPr lang="en-US" dirty="0"/>
               <a:t>Create a new tuple with the value "orange", and add that tuple:</a:t>
             </a:r>
           </a:p>
           <a:p>
-            <a:endParaRPr lang="en-US" dirty="0" smtClean="0"/>
-          </a:p>
-          <a:p>
-            <a:pPr marL="0" indent="0">
-              <a:buNone/>
-            </a:pPr>
-            <a:r>
-              <a:rPr lang="en-US" b="1" dirty="0" err="1" smtClean="0"/>
+            <a:endParaRPr lang="en-US" dirty="0"/>
+          </a:p>
+          <a:p>
+            <a:pPr marL="0" indent="0">
+              <a:buNone/>
+            </a:pPr>
+            <a:r>
+              <a:rPr lang="en-US" b="1" dirty="0" err="1"/>
               <a:t>thistuple</a:t>
             </a:r>
             <a:r>
-              <a:rPr lang="en-US" b="1" dirty="0" smtClean="0"/>
+              <a:rPr lang="en-US" b="1" dirty="0"/>
               <a:t> = ("apple", "banana", "cherry")</a:t>
             </a:r>
           </a:p>
@@ -4330,7 +4955,7 @@
               <a:buNone/>
             </a:pPr>
             <a:r>
-              <a:rPr lang="en-US" b="1" dirty="0" smtClean="0"/>
+              <a:rPr lang="en-US" b="1" dirty="0"/>
               <a:t>y = ("orange",)</a:t>
             </a:r>
           </a:p>
@@ -4339,11 +4964,11 @@
               <a:buNone/>
             </a:pPr>
             <a:r>
-              <a:rPr lang="en-US" b="1" dirty="0" err="1" smtClean="0"/>
+              <a:rPr lang="en-US" b="1" dirty="0" err="1"/>
               <a:t>thistuple</a:t>
             </a:r>
             <a:r>
-              <a:rPr lang="en-US" b="1" dirty="0" smtClean="0"/>
+              <a:rPr lang="en-US" b="1" dirty="0"/>
               <a:t> += y</a:t>
             </a:r>
           </a:p>
@@ -4352,15 +4977,15 @@
               <a:buNone/>
             </a:pPr>
             <a:r>
-              <a:rPr lang="en-US" b="1" dirty="0" smtClean="0"/>
+              <a:rPr lang="en-US" b="1" dirty="0"/>
               <a:t>print(</a:t>
             </a:r>
             <a:r>
-              <a:rPr lang="en-US" b="1" dirty="0" err="1" smtClean="0"/>
+              <a:rPr lang="en-US" b="1" dirty="0" err="1"/>
               <a:t>thistuple</a:t>
             </a:r>
             <a:r>
-              <a:rPr lang="en-US" b="1" dirty="0" smtClean="0"/>
+              <a:rPr lang="en-US" b="1" dirty="0"/>
               <a:t>)</a:t>
             </a:r>
           </a:p>
@@ -4419,8 +5044,8 @@
         </p:nvSpPr>
         <p:spPr>
           <a:xfrm>
-            <a:off x="838200" y="194209"/>
-            <a:ext cx="10515600" cy="1325563"/>
+            <a:off x="1457737" y="503583"/>
+            <a:ext cx="9896062" cy="993914"/>
           </a:xfrm>
         </p:spPr>
         <p:txBody>
@@ -4429,11 +5054,15 @@
           </a:bodyPr>
           <a:lstStyle/>
           <a:p>
-            <a:r>
-              <a:rPr lang="en-IN" sz="5400" b="1" dirty="0" smtClean="0"/>
+            <a:pPr>
+              <a:lnSpc>
+                <a:spcPct val="100000"/>
+              </a:lnSpc>
+            </a:pPr>
+            <a:r>
+              <a:rPr lang="en-IN" sz="5400" b="1" dirty="0"/>
               <a:t>Tuple</a:t>
             </a:r>
-            <a:endParaRPr lang="en-IN" sz="5400" b="1" dirty="0"/>
           </a:p>
         </p:txBody>
       </p:sp>
@@ -4449,8 +5078,8 @@
         </p:nvSpPr>
         <p:spPr>
           <a:xfrm>
-            <a:off x="504202" y="1519772"/>
-            <a:ext cx="10849598" cy="4657191"/>
+            <a:off x="1457738" y="1921565"/>
+            <a:ext cx="9896061" cy="4255398"/>
           </a:xfrm>
         </p:spPr>
         <p:txBody>
@@ -4460,44 +5089,40 @@
           <a:lstStyle/>
           <a:p>
             <a:r>
-              <a:rPr lang="en-US" dirty="0" smtClean="0"/>
+              <a:rPr lang="en-US" dirty="0"/>
               <a:t>Tuples are used to store multiple items in a single variable.</a:t>
             </a:r>
           </a:p>
           <a:p>
             <a:r>
-              <a:rPr lang="en-US" dirty="0" smtClean="0"/>
+              <a:rPr lang="en-US" dirty="0"/>
               <a:t>Tuple is one of 4 built-in data types in Python used to store collections of data.</a:t>
             </a:r>
           </a:p>
           <a:p>
             <a:r>
-              <a:rPr lang="en-US" b="1" dirty="0" smtClean="0"/>
+              <a:rPr lang="en-US" b="1" dirty="0"/>
               <a:t>A tuple is a collection which is ordered and unchangeable.</a:t>
             </a:r>
           </a:p>
           <a:p>
             <a:r>
-              <a:rPr lang="en-US" dirty="0" smtClean="0"/>
+              <a:rPr lang="en-US" dirty="0"/>
               <a:t>Tuples are written with </a:t>
             </a:r>
             <a:r>
-              <a:rPr lang="en-US" b="1" u="sng" dirty="0" smtClean="0"/>
+              <a:rPr lang="en-US" b="1" u="sng" dirty="0"/>
               <a:t>round brackets</a:t>
             </a:r>
             <a:r>
-              <a:rPr lang="en-US" dirty="0" smtClean="0"/>
+              <a:rPr lang="en-US" dirty="0"/>
               <a:t>.</a:t>
             </a:r>
           </a:p>
           <a:p>
             <a:r>
-              <a:rPr lang="en-US" dirty="0" smtClean="0"/>
-              <a:t>Example: Create </a:t>
-            </a:r>
-            <a:r>
-              <a:rPr lang="en-US" dirty="0"/>
-              <a:t>a Tuple:</a:t>
+              <a:rPr lang="en-US" dirty="0"/>
+              <a:t>Example: Create a Tuple:</a:t>
             </a:r>
           </a:p>
           <a:p>
@@ -4530,7 +5155,7 @@
           </a:p>
           <a:p>
             <a:r>
-              <a:rPr lang="en-US" dirty="0" smtClean="0"/>
+              <a:rPr lang="en-US" dirty="0"/>
               <a:t>OUTPUT: </a:t>
             </a:r>
             <a:r>
@@ -4588,10 +5213,9 @@
           <a:lstStyle/>
           <a:p>
             <a:r>
-              <a:rPr lang="en-IN" sz="4800" b="1" dirty="0" smtClean="0"/>
+              <a:rPr lang="en-IN" sz="4800" b="1" dirty="0"/>
               <a:t>Remove Items</a:t>
             </a:r>
-            <a:endParaRPr lang="en-IN" sz="4800" b="1" dirty="0"/>
           </a:p>
         </p:txBody>
       </p:sp>
@@ -4607,49 +5231,43 @@
         </p:nvSpPr>
         <p:spPr>
           <a:xfrm>
-            <a:off x="358923" y="1512606"/>
-            <a:ext cx="10994877" cy="5136022"/>
+            <a:off x="1451579" y="1948070"/>
+            <a:ext cx="9902221" cy="4700558"/>
           </a:xfrm>
         </p:spPr>
         <p:txBody>
           <a:bodyPr>
-            <a:normAutofit fontScale="92500"/>
+            <a:normAutofit/>
           </a:bodyPr>
           <a:lstStyle/>
           <a:p>
             <a:r>
-              <a:rPr lang="en-US" dirty="0" smtClean="0"/>
+              <a:rPr lang="en-US" dirty="0"/>
               <a:t>Note: You cannot remove items in a tuple.</a:t>
             </a:r>
           </a:p>
           <a:p>
             <a:r>
-              <a:rPr lang="en-US" dirty="0" smtClean="0"/>
+              <a:rPr lang="en-US" dirty="0"/>
               <a:t>Tuples are unchangeable, so you cannot remove items from it, but you can use the same workaround as we used for changing and adding tuple items:</a:t>
             </a:r>
           </a:p>
           <a:p>
-            <a:endParaRPr lang="en-US" dirty="0" smtClean="0"/>
-          </a:p>
-          <a:p>
-            <a:r>
-              <a:rPr lang="en-US" dirty="0" smtClean="0"/>
+            <a:r>
+              <a:rPr lang="en-US" dirty="0"/>
               <a:t>Convert the tuple into a list, remove "apple", and convert it back into a tuple:</a:t>
             </a:r>
           </a:p>
           <a:p>
-            <a:endParaRPr lang="en-US" dirty="0" smtClean="0"/>
-          </a:p>
-          <a:p>
-            <a:pPr marL="0" indent="0">
-              <a:buNone/>
-            </a:pPr>
-            <a:r>
-              <a:rPr lang="en-US" b="1" dirty="0" err="1" smtClean="0"/>
+            <a:pPr marL="0" indent="0">
+              <a:buNone/>
+            </a:pPr>
+            <a:r>
+              <a:rPr lang="en-US" b="1" dirty="0" err="1"/>
               <a:t>thistuple</a:t>
             </a:r>
             <a:r>
-              <a:rPr lang="en-US" b="1" dirty="0" smtClean="0"/>
+              <a:rPr lang="en-US" b="1" dirty="0"/>
               <a:t> = ("apple", "banana", "cherry")</a:t>
             </a:r>
           </a:p>
@@ -4658,15 +5276,15 @@
               <a:buNone/>
             </a:pPr>
             <a:r>
-              <a:rPr lang="en-US" b="1" dirty="0" smtClean="0"/>
+              <a:rPr lang="en-US" b="1" dirty="0"/>
               <a:t>y = list(</a:t>
             </a:r>
             <a:r>
-              <a:rPr lang="en-US" b="1" dirty="0" err="1" smtClean="0"/>
+              <a:rPr lang="en-US" b="1" dirty="0" err="1"/>
               <a:t>thistuple</a:t>
             </a:r>
             <a:r>
-              <a:rPr lang="en-US" b="1" dirty="0" smtClean="0"/>
+              <a:rPr lang="en-US" b="1" dirty="0"/>
               <a:t>)</a:t>
             </a:r>
           </a:p>
@@ -4675,11 +5293,11 @@
               <a:buNone/>
             </a:pPr>
             <a:r>
-              <a:rPr lang="en-US" b="1" dirty="0" err="1" smtClean="0"/>
+              <a:rPr lang="en-US" b="1" dirty="0" err="1"/>
               <a:t>y.remove</a:t>
             </a:r>
             <a:r>
-              <a:rPr lang="en-US" b="1" dirty="0" smtClean="0"/>
+              <a:rPr lang="en-US" b="1" dirty="0"/>
               <a:t>("apple")</a:t>
             </a:r>
           </a:p>
@@ -4688,11 +5306,11 @@
               <a:buNone/>
             </a:pPr>
             <a:r>
-              <a:rPr lang="en-US" b="1" dirty="0" err="1" smtClean="0"/>
+              <a:rPr lang="en-US" b="1" dirty="0" err="1"/>
               <a:t>thistuple</a:t>
             </a:r>
             <a:r>
-              <a:rPr lang="en-US" b="1" dirty="0" smtClean="0"/>
+              <a:rPr lang="en-US" b="1" dirty="0"/>
               <a:t> = tuple(y)</a:t>
             </a:r>
             <a:endParaRPr lang="en-IN" b="1" dirty="0"/>
@@ -4766,32 +5384,32 @@
           <a:lstStyle/>
           <a:p>
             <a:r>
-              <a:rPr lang="en-US" dirty="0" smtClean="0"/>
+              <a:rPr lang="en-US" dirty="0"/>
               <a:t>Or you can delete the tuple completely:</a:t>
             </a:r>
           </a:p>
           <a:p>
-            <a:endParaRPr lang="en-US" dirty="0" smtClean="0"/>
-          </a:p>
-          <a:p>
-            <a:r>
-              <a:rPr lang="en-US" dirty="0" smtClean="0"/>
+            <a:endParaRPr lang="en-US" dirty="0"/>
+          </a:p>
+          <a:p>
+            <a:r>
+              <a:rPr lang="en-US" dirty="0"/>
               <a:t>The del keyword can delete the tuple completely:</a:t>
             </a:r>
           </a:p>
           <a:p>
-            <a:endParaRPr lang="en-US" dirty="0" smtClean="0"/>
-          </a:p>
-          <a:p>
-            <a:pPr marL="0" indent="0">
-              <a:buNone/>
-            </a:pPr>
-            <a:r>
-              <a:rPr lang="en-US" b="1" dirty="0" err="1" smtClean="0"/>
+            <a:endParaRPr lang="en-US" dirty="0"/>
+          </a:p>
+          <a:p>
+            <a:pPr marL="0" indent="0">
+              <a:buNone/>
+            </a:pPr>
+            <a:r>
+              <a:rPr lang="en-US" b="1" dirty="0" err="1"/>
               <a:t>thistuple</a:t>
             </a:r>
             <a:r>
-              <a:rPr lang="en-US" b="1" dirty="0" smtClean="0"/>
+              <a:rPr lang="en-US" b="1" dirty="0"/>
               <a:t> = ("apple", "banana", "cherry")</a:t>
             </a:r>
           </a:p>
@@ -4800,29 +5418,29 @@
               <a:buNone/>
             </a:pPr>
             <a:r>
-              <a:rPr lang="en-US" b="1" dirty="0" smtClean="0"/>
+              <a:rPr lang="en-US" b="1" dirty="0"/>
               <a:t>del </a:t>
             </a:r>
             <a:r>
-              <a:rPr lang="en-US" b="1" dirty="0" err="1" smtClean="0"/>
+              <a:rPr lang="en-US" b="1" dirty="0" err="1"/>
               <a:t>thistuple</a:t>
             </a:r>
-            <a:endParaRPr lang="en-US" b="1" dirty="0" smtClean="0"/>
-          </a:p>
-          <a:p>
-            <a:pPr marL="0" indent="0">
-              <a:buNone/>
-            </a:pPr>
-            <a:r>
-              <a:rPr lang="en-US" b="1" dirty="0" smtClean="0"/>
+            <a:endParaRPr lang="en-US" b="1" dirty="0"/>
+          </a:p>
+          <a:p>
+            <a:pPr marL="0" indent="0">
+              <a:buNone/>
+            </a:pPr>
+            <a:r>
+              <a:rPr lang="en-US" b="1" dirty="0"/>
               <a:t>print(</a:t>
             </a:r>
             <a:r>
-              <a:rPr lang="en-US" b="1" dirty="0" err="1" smtClean="0"/>
+              <a:rPr lang="en-US" b="1" dirty="0" err="1"/>
               <a:t>thistuple</a:t>
             </a:r>
             <a:r>
-              <a:rPr lang="en-US" b="1" dirty="0" smtClean="0"/>
+              <a:rPr lang="en-US" b="1" dirty="0"/>
               <a:t>) #this will raise an error because the tuple no longer exists</a:t>
             </a:r>
             <a:endParaRPr lang="en-IN" b="1" dirty="0"/>
@@ -4876,13 +5494,8 @@
           <a:p>
             <a:r>
               <a:rPr lang="en-IN" dirty="0"/>
-              <a:t>Unpack </a:t>
-            </a:r>
-            <a:r>
-              <a:rPr lang="en-IN" dirty="0" smtClean="0"/>
-              <a:t>Tuples</a:t>
-            </a:r>
-            <a:endParaRPr lang="en-IN" dirty="0"/>
+              <a:t>Unpack Tuples</a:t>
+            </a:r>
           </a:p>
         </p:txBody>
       </p:sp>
@@ -4898,13 +5511,13 @@
         </p:nvSpPr>
         <p:spPr>
           <a:xfrm>
-            <a:off x="282011" y="1615155"/>
-            <a:ext cx="11071789" cy="5076202"/>
+            <a:off x="1451579" y="1853754"/>
+            <a:ext cx="9603275" cy="4199728"/>
           </a:xfrm>
         </p:spPr>
         <p:txBody>
           <a:bodyPr>
-            <a:normAutofit fontScale="92500" lnSpcReduction="20000"/>
+            <a:normAutofit fontScale="85000" lnSpcReduction="20000"/>
           </a:bodyPr>
           <a:lstStyle/>
           <a:p>
@@ -4912,23 +5525,23 @@
               <a:buNone/>
             </a:pPr>
             <a:r>
-              <a:rPr lang="en-US" b="1" dirty="0" smtClean="0"/>
+              <a:rPr lang="en-US" b="1" dirty="0"/>
               <a:t>Unpacking a Tuple</a:t>
             </a:r>
           </a:p>
           <a:p>
             <a:r>
-              <a:rPr lang="en-US" dirty="0" smtClean="0"/>
+              <a:rPr lang="en-US" dirty="0"/>
               <a:t>When we create a tuple, we normally assign values to it. This is called "packing" a tuple:</a:t>
             </a:r>
           </a:p>
           <a:p>
             <a:r>
-              <a:rPr lang="en-US" dirty="0" smtClean="0"/>
+              <a:rPr lang="en-US" dirty="0"/>
               <a:t>Packing a tuple:    </a:t>
             </a:r>
             <a:r>
-              <a:rPr lang="en-US" b="1" dirty="0" smtClean="0"/>
+              <a:rPr lang="en-US" b="1" dirty="0"/>
               <a:t>fruits = ("apple", "banana", "cherry")</a:t>
             </a:r>
           </a:p>
@@ -4940,12 +5553,8 @@
           </a:p>
           <a:p>
             <a:r>
-              <a:rPr lang="en-US" dirty="0" smtClean="0"/>
-              <a:t>Unpacking </a:t>
-            </a:r>
-            <a:r>
-              <a:rPr lang="en-US" dirty="0"/>
-              <a:t>a tuple:</a:t>
+              <a:rPr lang="en-US" dirty="0"/>
+              <a:t>Unpacking a tuple:</a:t>
             </a:r>
           </a:p>
           <a:p>
@@ -4960,23 +5569,15 @@
               <a:rPr lang="en-US" b="1" dirty="0"/>
             </a:br>
             <a:r>
-              <a:rPr lang="en-US" b="1" dirty="0" smtClean="0"/>
-              <a:t>(</a:t>
-            </a:r>
-            <a:r>
-              <a:rPr lang="en-US" b="1" dirty="0"/>
-              <a:t>green, yellow, red) = fruits</a:t>
+              <a:rPr lang="en-US" b="1" dirty="0"/>
+              <a:t>(green, yellow, red) = fruits</a:t>
             </a:r>
             <a:br>
               <a:rPr lang="en-US" b="1" dirty="0"/>
             </a:br>
             <a:r>
-              <a:rPr lang="en-US" b="1" dirty="0" smtClean="0"/>
-              <a:t>print(green</a:t>
-            </a:r>
-            <a:r>
-              <a:rPr lang="en-US" b="1" dirty="0"/>
-              <a:t>)</a:t>
+              <a:rPr lang="en-US" b="1" dirty="0"/>
+              <a:t>print(green)</a:t>
             </a:r>
             <a:br>
               <a:rPr lang="en-US" b="1" dirty="0"/>
@@ -5072,10 +5673,9 @@
           <a:lstStyle/>
           <a:p>
             <a:r>
-              <a:rPr lang="en-IN" dirty="0" smtClean="0"/>
+              <a:rPr lang="en-IN" dirty="0"/>
               <a:t>Using Asterisk*</a:t>
             </a:r>
-            <a:endParaRPr lang="en-IN" dirty="0"/>
           </a:p>
         </p:txBody>
       </p:sp>
@@ -5091,24 +5691,24 @@
         </p:nvSpPr>
         <p:spPr>
           <a:xfrm>
-            <a:off x="384561" y="1435693"/>
-            <a:ext cx="10969239" cy="5110386"/>
+            <a:off x="1451579" y="1853754"/>
+            <a:ext cx="9603275" cy="4321760"/>
           </a:xfrm>
         </p:spPr>
         <p:txBody>
           <a:bodyPr>
-            <a:normAutofit fontScale="92500" lnSpcReduction="20000"/>
+            <a:normAutofit fontScale="77500" lnSpcReduction="20000"/>
           </a:bodyPr>
           <a:lstStyle/>
           <a:p>
             <a:r>
-              <a:rPr lang="en-US" dirty="0" smtClean="0"/>
+              <a:rPr lang="en-US" dirty="0"/>
               <a:t>If the number of variables is less than the number of values, you can add an * to the variable name and the values will be assigned to the variable as a list:</a:t>
             </a:r>
           </a:p>
           <a:p>
             <a:r>
-              <a:rPr lang="en-US" dirty="0" smtClean="0"/>
+              <a:rPr lang="en-US" dirty="0"/>
               <a:t>Assign the rest of the values as a list called "red":</a:t>
             </a:r>
           </a:p>
@@ -5117,7 +5717,7 @@
               <a:buNone/>
             </a:pPr>
             <a:r>
-              <a:rPr lang="en-US" b="1" dirty="0" smtClean="0"/>
+              <a:rPr lang="en-US" b="1" dirty="0"/>
               <a:t>fruits = ("apple", "banana", "cherry", "strawberry", "raspberry")</a:t>
             </a:r>
           </a:p>
@@ -5126,7 +5726,7 @@
               <a:buNone/>
             </a:pPr>
             <a:r>
-              <a:rPr lang="en-US" b="1" dirty="0" smtClean="0"/>
+              <a:rPr lang="en-US" b="1" dirty="0"/>
               <a:t>(green, yellow, *red) = fruits</a:t>
             </a:r>
           </a:p>
@@ -5135,7 +5735,7 @@
               <a:buNone/>
             </a:pPr>
             <a:r>
-              <a:rPr lang="en-US" b="1" dirty="0" smtClean="0"/>
+              <a:rPr lang="en-US" b="1" dirty="0"/>
               <a:t>print(green)</a:t>
             </a:r>
           </a:p>
@@ -5144,7 +5744,7 @@
               <a:buNone/>
             </a:pPr>
             <a:r>
-              <a:rPr lang="en-US" b="1" dirty="0" smtClean="0"/>
+              <a:rPr lang="en-US" b="1" dirty="0"/>
               <a:t>print(yellow)</a:t>
             </a:r>
           </a:p>
@@ -5153,7 +5753,7 @@
               <a:buNone/>
             </a:pPr>
             <a:r>
-              <a:rPr lang="en-US" b="1" dirty="0" smtClean="0"/>
+              <a:rPr lang="en-US" b="1" dirty="0"/>
               <a:t>print(red)</a:t>
             </a:r>
           </a:p>
@@ -5162,7 +5762,7 @@
               <a:buNone/>
             </a:pPr>
             <a:r>
-              <a:rPr lang="en-US" dirty="0" smtClean="0"/>
+              <a:rPr lang="en-US" dirty="0"/>
               <a:t>OUTPUT: </a:t>
             </a:r>
           </a:p>
@@ -5171,7 +5771,7 @@
               <a:buNone/>
             </a:pPr>
             <a:r>
-              <a:rPr lang="en-US" b="1" dirty="0" smtClean="0"/>
+              <a:rPr lang="en-US" b="1" dirty="0"/>
               <a:t>apple</a:t>
             </a:r>
           </a:p>
@@ -5180,7 +5780,7 @@
               <a:buNone/>
             </a:pPr>
             <a:r>
-              <a:rPr lang="en-US" b="1" dirty="0" smtClean="0"/>
+              <a:rPr lang="en-US" b="1" dirty="0"/>
               <a:t>banana</a:t>
             </a:r>
           </a:p>
@@ -5189,7 +5789,7 @@
               <a:buNone/>
             </a:pPr>
             <a:r>
-              <a:rPr lang="en-US" b="1" dirty="0" smtClean="0"/>
+              <a:rPr lang="en-US" b="1" dirty="0"/>
               <a:t>['cherry', 'strawberry', 'raspberry']</a:t>
             </a:r>
             <a:endParaRPr lang="en-IN" b="1" dirty="0"/>
@@ -5238,8 +5838,8 @@
         </p:nvSpPr>
         <p:spPr>
           <a:xfrm>
-            <a:off x="401652" y="509571"/>
-            <a:ext cx="10695774" cy="6079235"/>
+            <a:off x="1417982" y="619539"/>
+            <a:ext cx="9634331" cy="5618921"/>
           </a:xfrm>
         </p:spPr>
         <p:txBody>
@@ -5249,13 +5849,13 @@
           <a:lstStyle/>
           <a:p>
             <a:r>
-              <a:rPr lang="en-US" dirty="0" smtClean="0"/>
+              <a:rPr lang="en-US" dirty="0"/>
               <a:t>If the asterisk is added to another variable name than the last, Python will assign values to the variable until the number of values left matches the number of variables left.</a:t>
             </a:r>
           </a:p>
           <a:p>
             <a:r>
-              <a:rPr lang="en-US" dirty="0" smtClean="0"/>
+              <a:rPr lang="en-US" dirty="0"/>
               <a:t>Add a list of values the "tropic" variable:</a:t>
             </a:r>
           </a:p>
@@ -5264,7 +5864,7 @@
               <a:buNone/>
             </a:pPr>
             <a:r>
-              <a:rPr lang="en-US" b="1" dirty="0" smtClean="0"/>
+              <a:rPr lang="en-US" b="1" dirty="0"/>
               <a:t>fruits = ("apple", "mango", "papaya", "pineapple", "cherry")</a:t>
             </a:r>
           </a:p>
@@ -5273,7 +5873,7 @@
               <a:buNone/>
             </a:pPr>
             <a:r>
-              <a:rPr lang="en-US" b="1" dirty="0" smtClean="0"/>
+              <a:rPr lang="en-US" b="1" dirty="0"/>
               <a:t>(green, *tropic, red) = fruits</a:t>
             </a:r>
           </a:p>
@@ -5282,7 +5882,7 @@
               <a:buNone/>
             </a:pPr>
             <a:r>
-              <a:rPr lang="en-US" b="1" dirty="0" smtClean="0"/>
+              <a:rPr lang="en-US" b="1" dirty="0"/>
               <a:t>print(green)</a:t>
             </a:r>
           </a:p>
@@ -5291,7 +5891,7 @@
               <a:buNone/>
             </a:pPr>
             <a:r>
-              <a:rPr lang="en-US" b="1" dirty="0" smtClean="0"/>
+              <a:rPr lang="en-US" b="1" dirty="0"/>
               <a:t>print(tropic)</a:t>
             </a:r>
           </a:p>
@@ -5300,7 +5900,7 @@
               <a:buNone/>
             </a:pPr>
             <a:r>
-              <a:rPr lang="en-US" b="1" dirty="0" smtClean="0"/>
+              <a:rPr lang="en-US" b="1" dirty="0"/>
               <a:t>print(red)</a:t>
             </a:r>
           </a:p>
@@ -5309,7 +5909,7 @@
               <a:buNone/>
             </a:pPr>
             <a:r>
-              <a:rPr lang="en-US" dirty="0" smtClean="0"/>
+              <a:rPr lang="en-US" dirty="0"/>
               <a:t>OUTPUT</a:t>
             </a:r>
           </a:p>
@@ -5318,7 +5918,7 @@
               <a:buNone/>
             </a:pPr>
             <a:r>
-              <a:rPr lang="en-IN" b="1" dirty="0" smtClean="0"/>
+              <a:rPr lang="en-IN" b="1" dirty="0"/>
               <a:t>apple</a:t>
             </a:r>
           </a:p>
@@ -5327,7 +5927,7 @@
               <a:buNone/>
             </a:pPr>
             <a:r>
-              <a:rPr lang="en-IN" b="1" dirty="0" smtClean="0"/>
+              <a:rPr lang="en-IN" b="1" dirty="0"/>
               <a:t>['mango', 'papaya', 'pineapple']</a:t>
             </a:r>
           </a:p>
@@ -5336,10 +5936,9 @@
               <a:buNone/>
             </a:pPr>
             <a:r>
-              <a:rPr lang="en-IN" b="1" dirty="0" smtClean="0"/>
+              <a:rPr lang="en-IN" b="1" dirty="0"/>
               <a:t>cherry</a:t>
             </a:r>
-            <a:endParaRPr lang="en-IN" b="1" dirty="0"/>
           </a:p>
         </p:txBody>
       </p:sp>
@@ -5353,13 +5952,6 @@
   <p:clrMapOvr>
     <a:masterClrMapping/>
   </p:clrMapOvr>
-  <p:timing>
-    <p:tnLst>
-      <p:par>
-        <p:cTn id="1" dur="indefinite" restart="never" nodeType="tmRoot"/>
-      </p:par>
-    </p:tnLst>
-  </p:timing>
 </p:sld>
 </file>
 
@@ -5398,11 +5990,11 @@
           <a:lstStyle/>
           <a:p>
             <a:r>
-              <a:rPr lang="en-IN" sz="4800" b="1" dirty="0" smtClean="0"/>
+              <a:rPr lang="en-IN" sz="4800" b="1" dirty="0"/>
               <a:t>Loop Through a Tuple</a:t>
             </a:r>
             <a:br>
-              <a:rPr lang="en-IN" sz="4800" b="1" dirty="0" smtClean="0"/>
+              <a:rPr lang="en-IN" sz="4800" b="1" dirty="0"/>
             </a:br>
             <a:endParaRPr lang="en-IN" sz="4800" b="1" dirty="0"/>
           </a:p>
@@ -5426,29 +6018,29 @@
           <a:lstStyle/>
           <a:p>
             <a:r>
-              <a:rPr lang="en-US" dirty="0" smtClean="0"/>
+              <a:rPr lang="en-US" dirty="0"/>
               <a:t>You can loop through the tuple items by using a for loop.</a:t>
             </a:r>
           </a:p>
           <a:p>
             <a:r>
-              <a:rPr lang="en-US" dirty="0" smtClean="0"/>
+              <a:rPr lang="en-US" dirty="0"/>
               <a:t>Iterate through the items and print the values:</a:t>
             </a:r>
           </a:p>
           <a:p>
-            <a:endParaRPr lang="en-US" dirty="0" smtClean="0"/>
-          </a:p>
-          <a:p>
-            <a:pPr marL="0" indent="0">
-              <a:buNone/>
-            </a:pPr>
-            <a:r>
-              <a:rPr lang="en-US" b="1" dirty="0" err="1" smtClean="0"/>
+            <a:endParaRPr lang="en-US" dirty="0"/>
+          </a:p>
+          <a:p>
+            <a:pPr marL="0" indent="0">
+              <a:buNone/>
+            </a:pPr>
+            <a:r>
+              <a:rPr lang="en-US" b="1" dirty="0" err="1"/>
               <a:t>thistuple</a:t>
             </a:r>
             <a:r>
-              <a:rPr lang="en-US" b="1" dirty="0" smtClean="0"/>
+              <a:rPr lang="en-US" b="1" dirty="0"/>
               <a:t> = ("apple", "banana", "cherry")</a:t>
             </a:r>
           </a:p>
@@ -5457,15 +6049,15 @@
               <a:buNone/>
             </a:pPr>
             <a:r>
-              <a:rPr lang="en-US" b="1" dirty="0" smtClean="0"/>
+              <a:rPr lang="en-US" b="1" dirty="0"/>
               <a:t>for x in </a:t>
             </a:r>
             <a:r>
-              <a:rPr lang="en-US" b="1" dirty="0" err="1" smtClean="0"/>
+              <a:rPr lang="en-US" b="1" dirty="0" err="1"/>
               <a:t>thistuple</a:t>
             </a:r>
             <a:r>
-              <a:rPr lang="en-US" b="1" dirty="0" smtClean="0"/>
+              <a:rPr lang="en-US" b="1" dirty="0"/>
               <a:t>:</a:t>
             </a:r>
           </a:p>
@@ -5474,7 +6066,7 @@
               <a:buNone/>
             </a:pPr>
             <a:r>
-              <a:rPr lang="en-US" b="1" dirty="0" smtClean="0"/>
+              <a:rPr lang="en-US" b="1" dirty="0"/>
               <a:t>  print(x)</a:t>
             </a:r>
             <a:endParaRPr lang="en-IN" b="1" dirty="0"/>
@@ -5521,6 +6113,36 @@
             <p:ph type="title"/>
           </p:nvPr>
         </p:nvSpPr>
+        <p:spPr>
+          <a:xfrm>
+            <a:off x="1451578" y="579231"/>
+            <a:ext cx="9603275" cy="1049235"/>
+          </a:xfrm>
+        </p:spPr>
+        <p:txBody>
+          <a:bodyPr>
+            <a:normAutofit fontScale="90000"/>
+          </a:bodyPr>
+          <a:lstStyle/>
+          <a:p>
+            <a:r>
+              <a:rPr lang="en-US" sz="4800" b="1" dirty="0"/>
+              <a:t>Loop Through the Index Numbers</a:t>
+            </a:r>
+            <a:endParaRPr lang="en-IN" sz="4800" b="1" dirty="0"/>
+          </a:p>
+        </p:txBody>
+      </p:sp>
+      <p:sp>
+        <p:nvSpPr>
+          <p:cNvPr id="3" name="Content Placeholder 2"/>
+          <p:cNvSpPr>
+            <a:spLocks noGrp="1"/>
+          </p:cNvSpPr>
+          <p:nvPr>
+            <p:ph idx="1"/>
+          </p:nvPr>
+        </p:nvSpPr>
         <p:spPr/>
         <p:txBody>
           <a:bodyPr>
@@ -5529,68 +6151,43 @@
           <a:lstStyle/>
           <a:p>
             <a:r>
-              <a:rPr lang="en-US" sz="4800" b="1" dirty="0" smtClean="0"/>
-              <a:t>Loop Through the Index Numbers</a:t>
-            </a:r>
-            <a:endParaRPr lang="en-IN" sz="4800" b="1" dirty="0"/>
-          </a:p>
-        </p:txBody>
-      </p:sp>
-      <p:sp>
-        <p:nvSpPr>
-          <p:cNvPr id="3" name="Content Placeholder 2"/>
-          <p:cNvSpPr>
-            <a:spLocks noGrp="1"/>
-          </p:cNvSpPr>
-          <p:nvPr>
-            <p:ph idx="1"/>
-          </p:nvPr>
-        </p:nvSpPr>
-        <p:spPr/>
-        <p:txBody>
-          <a:bodyPr>
-            <a:normAutofit/>
-          </a:bodyPr>
-          <a:lstStyle/>
-          <a:p>
-            <a:r>
-              <a:rPr lang="en-US" dirty="0" smtClean="0"/>
+              <a:rPr lang="en-US" dirty="0"/>
               <a:t>You can also loop through the tuple items by referring to their index number.</a:t>
             </a:r>
           </a:p>
           <a:p>
             <a:r>
-              <a:rPr lang="en-US" dirty="0" smtClean="0"/>
+              <a:rPr lang="en-US" dirty="0"/>
               <a:t>Use the range() and </a:t>
             </a:r>
             <a:r>
-              <a:rPr lang="en-US" dirty="0" err="1" smtClean="0"/>
+              <a:rPr lang="en-US" dirty="0" err="1"/>
               <a:t>len</a:t>
             </a:r>
             <a:r>
-              <a:rPr lang="en-US" dirty="0" smtClean="0"/>
+              <a:rPr lang="en-US" dirty="0"/>
               <a:t>() functions to create a suitable iterable.</a:t>
             </a:r>
           </a:p>
           <a:p>
             <a:r>
-              <a:rPr lang="en-US" dirty="0" smtClean="0"/>
+              <a:rPr lang="en-US" dirty="0"/>
               <a:t>Print all items by referring to their index number:</a:t>
             </a:r>
           </a:p>
           <a:p>
-            <a:endParaRPr lang="en-US" dirty="0" smtClean="0"/>
-          </a:p>
-          <a:p>
-            <a:pPr marL="0" indent="0">
-              <a:buNone/>
-            </a:pPr>
-            <a:r>
-              <a:rPr lang="en-US" b="1" dirty="0" err="1" smtClean="0"/>
+            <a:endParaRPr lang="en-US" dirty="0"/>
+          </a:p>
+          <a:p>
+            <a:pPr marL="0" indent="0">
+              <a:buNone/>
+            </a:pPr>
+            <a:r>
+              <a:rPr lang="en-US" b="1" dirty="0" err="1"/>
               <a:t>thistuple</a:t>
             </a:r>
             <a:r>
-              <a:rPr lang="en-US" b="1" dirty="0" smtClean="0"/>
+              <a:rPr lang="en-US" b="1" dirty="0"/>
               <a:t> = ("apple", "banana", "cherry")</a:t>
             </a:r>
           </a:p>
@@ -5599,23 +6196,23 @@
               <a:buNone/>
             </a:pPr>
             <a:r>
-              <a:rPr lang="en-US" b="1" dirty="0" smtClean="0"/>
+              <a:rPr lang="en-US" b="1" dirty="0"/>
               <a:t>for i in range(</a:t>
             </a:r>
             <a:r>
-              <a:rPr lang="en-US" b="1" dirty="0" err="1" smtClean="0"/>
+              <a:rPr lang="en-US" b="1" dirty="0" err="1"/>
               <a:t>len</a:t>
             </a:r>
             <a:r>
-              <a:rPr lang="en-US" b="1" dirty="0" smtClean="0"/>
+              <a:rPr lang="en-US" b="1" dirty="0"/>
               <a:t>(</a:t>
             </a:r>
             <a:r>
-              <a:rPr lang="en-US" b="1" dirty="0" err="1" smtClean="0"/>
+              <a:rPr lang="en-US" b="1" dirty="0" err="1"/>
               <a:t>thistuple</a:t>
             </a:r>
             <a:r>
-              <a:rPr lang="en-US" b="1" dirty="0" smtClean="0"/>
+              <a:rPr lang="en-US" b="1" dirty="0"/>
               <a:t>)):</a:t>
             </a:r>
           </a:p>
@@ -5624,15 +6221,15 @@
               <a:buNone/>
             </a:pPr>
             <a:r>
-              <a:rPr lang="en-US" b="1" dirty="0" smtClean="0"/>
+              <a:rPr lang="en-US" b="1" dirty="0"/>
               <a:t>  print(</a:t>
             </a:r>
             <a:r>
-              <a:rPr lang="en-US" b="1" dirty="0" err="1" smtClean="0"/>
+              <a:rPr lang="en-US" b="1" dirty="0" err="1"/>
               <a:t>thistuple</a:t>
             </a:r>
             <a:r>
-              <a:rPr lang="en-US" b="1" dirty="0" smtClean="0"/>
+              <a:rPr lang="en-US" b="1" dirty="0"/>
               <a:t>[i])</a:t>
             </a:r>
           </a:p>
@@ -5681,7 +6278,12 @@
             <p:ph type="title"/>
           </p:nvPr>
         </p:nvSpPr>
-        <p:spPr/>
+        <p:spPr>
+          <a:xfrm>
+            <a:off x="1451578" y="778014"/>
+            <a:ext cx="9603275" cy="1049235"/>
+          </a:xfrm>
+        </p:spPr>
         <p:txBody>
           <a:bodyPr>
             <a:noAutofit/>
@@ -5689,18 +6291,11 @@
           <a:lstStyle/>
           <a:p>
             <a:r>
-              <a:rPr lang="en-IN" sz="4800" b="1" dirty="0" smtClean="0"/>
-              <a:t/>
+              <a:rPr lang="en-IN" sz="4800" b="1" dirty="0"/>
+              <a:t>Using a While Loop</a:t>
             </a:r>
             <a:br>
-              <a:rPr lang="en-IN" sz="4800" b="1" dirty="0" smtClean="0"/>
-            </a:br>
-            <a:r>
-              <a:rPr lang="en-IN" sz="4800" b="1" dirty="0" smtClean="0"/>
-              <a:t>Using a While Loop</a:t>
-            </a:r>
-            <a:br>
-              <a:rPr lang="en-IN" sz="4800" b="1" dirty="0" smtClean="0"/>
+              <a:rPr lang="en-IN" sz="4800" b="1" dirty="0"/>
             </a:br>
             <a:endParaRPr lang="en-IN" sz="4800" b="1" dirty="0"/>
           </a:p>
@@ -5718,47 +6313,47 @@
         </p:nvSpPr>
         <p:spPr>
           <a:xfrm>
-            <a:off x="247828" y="1825625"/>
-            <a:ext cx="11105972" cy="4797366"/>
+            <a:off x="1451578" y="1961321"/>
+            <a:ext cx="9603275" cy="4015409"/>
           </a:xfrm>
         </p:spPr>
         <p:txBody>
           <a:bodyPr>
-            <a:normAutofit fontScale="92500" lnSpcReduction="10000"/>
+            <a:normAutofit fontScale="77500" lnSpcReduction="20000"/>
           </a:bodyPr>
           <a:lstStyle/>
           <a:p>
             <a:r>
-              <a:rPr lang="en-US" dirty="0" smtClean="0"/>
+              <a:rPr lang="en-US" dirty="0"/>
               <a:t>You can loop through the tuple items by using a while loop.</a:t>
             </a:r>
           </a:p>
           <a:p>
             <a:r>
-              <a:rPr lang="en-US" dirty="0" smtClean="0"/>
+              <a:rPr lang="en-US" dirty="0"/>
               <a:t>Use the </a:t>
             </a:r>
             <a:r>
-              <a:rPr lang="en-US" dirty="0" err="1" smtClean="0"/>
+              <a:rPr lang="en-US" dirty="0" err="1"/>
               <a:t>len</a:t>
             </a:r>
             <a:r>
-              <a:rPr lang="en-US" dirty="0" smtClean="0"/>
+              <a:rPr lang="en-US" dirty="0"/>
               <a:t>() function to determine the length of the tuple, then start at 0 and loop your way through the tuple items by referring to their indexes.</a:t>
             </a:r>
           </a:p>
           <a:p>
             <a:r>
-              <a:rPr lang="en-US" dirty="0" smtClean="0"/>
+              <a:rPr lang="en-US" dirty="0"/>
               <a:t>Remember to increase the index by 1 after each iteration.</a:t>
             </a:r>
           </a:p>
           <a:p>
-            <a:endParaRPr lang="en-US" dirty="0" smtClean="0"/>
-          </a:p>
-          <a:p>
-            <a:r>
-              <a:rPr lang="en-US" dirty="0" smtClean="0"/>
+            <a:endParaRPr lang="en-US" dirty="0"/>
+          </a:p>
+          <a:p>
+            <a:r>
+              <a:rPr lang="en-US" dirty="0"/>
               <a:t>Print all items, using a while loop to go through all the index numbers:</a:t>
             </a:r>
           </a:p>
@@ -5767,11 +6362,11 @@
               <a:buNone/>
             </a:pPr>
             <a:r>
-              <a:rPr lang="en-US" b="1" dirty="0" err="1" smtClean="0"/>
+              <a:rPr lang="en-US" b="1" dirty="0" err="1"/>
               <a:t>thistuple</a:t>
             </a:r>
             <a:r>
-              <a:rPr lang="en-US" b="1" dirty="0" smtClean="0"/>
+              <a:rPr lang="en-US" b="1" dirty="0"/>
               <a:t> = ("apple", "banana", "cherry")</a:t>
             </a:r>
           </a:p>
@@ -5780,7 +6375,7 @@
               <a:buNone/>
             </a:pPr>
             <a:r>
-              <a:rPr lang="en-US" b="1" dirty="0" smtClean="0"/>
+              <a:rPr lang="en-US" b="1" dirty="0"/>
               <a:t>i = 0</a:t>
             </a:r>
           </a:p>
@@ -5789,23 +6384,23 @@
               <a:buNone/>
             </a:pPr>
             <a:r>
-              <a:rPr lang="en-US" b="1" dirty="0" smtClean="0"/>
+              <a:rPr lang="en-US" b="1" dirty="0"/>
               <a:t>while i &lt; </a:t>
             </a:r>
             <a:r>
-              <a:rPr lang="en-US" b="1" dirty="0" err="1" smtClean="0"/>
+              <a:rPr lang="en-US" b="1" dirty="0" err="1"/>
               <a:t>len</a:t>
             </a:r>
             <a:r>
-              <a:rPr lang="en-US" b="1" dirty="0" smtClean="0"/>
+              <a:rPr lang="en-US" b="1" dirty="0"/>
               <a:t>(</a:t>
             </a:r>
             <a:r>
-              <a:rPr lang="en-US" b="1" dirty="0" err="1" smtClean="0"/>
+              <a:rPr lang="en-US" b="1" dirty="0" err="1"/>
               <a:t>thistuple</a:t>
             </a:r>
             <a:r>
-              <a:rPr lang="en-US" b="1" dirty="0" smtClean="0"/>
+              <a:rPr lang="en-US" b="1" dirty="0"/>
               <a:t>):</a:t>
             </a:r>
           </a:p>
@@ -5814,15 +6409,15 @@
               <a:buNone/>
             </a:pPr>
             <a:r>
-              <a:rPr lang="en-US" b="1" dirty="0" smtClean="0"/>
+              <a:rPr lang="en-US" b="1" dirty="0"/>
               <a:t>  print(</a:t>
             </a:r>
             <a:r>
-              <a:rPr lang="en-US" b="1" dirty="0" err="1" smtClean="0"/>
+              <a:rPr lang="en-US" b="1" dirty="0" err="1"/>
               <a:t>thistuple</a:t>
             </a:r>
             <a:r>
-              <a:rPr lang="en-US" b="1" dirty="0" smtClean="0"/>
+              <a:rPr lang="en-US" b="1" dirty="0"/>
               <a:t>[i])</a:t>
             </a:r>
           </a:p>
@@ -5831,7 +6426,7 @@
               <a:buNone/>
             </a:pPr>
             <a:r>
-              <a:rPr lang="en-US" b="1" dirty="0" smtClean="0"/>
+              <a:rPr lang="en-US" b="1" dirty="0"/>
               <a:t>  i = i + 1</a:t>
             </a:r>
             <a:endParaRPr lang="en-IN" b="1" dirty="0"/>
@@ -5886,10 +6481,9 @@
           <a:lstStyle/>
           <a:p>
             <a:r>
-              <a:rPr lang="en-IN" sz="4800" b="1" dirty="0" smtClean="0"/>
+              <a:rPr lang="en-IN" sz="4800" b="1" dirty="0"/>
               <a:t>Join Two Tuples</a:t>
             </a:r>
-            <a:endParaRPr lang="en-IN" sz="4800" b="1" dirty="0"/>
           </a:p>
         </p:txBody>
       </p:sp>
@@ -5906,38 +6500,38 @@
         <p:spPr/>
         <p:txBody>
           <a:bodyPr>
-            <a:normAutofit/>
+            <a:normAutofit fontScale="92500" lnSpcReduction="20000"/>
           </a:bodyPr>
           <a:lstStyle/>
           <a:p>
             <a:r>
-              <a:rPr lang="en-US" dirty="0" smtClean="0"/>
+              <a:rPr lang="en-US" dirty="0"/>
               <a:t>To join two or more tuples you can </a:t>
             </a:r>
             <a:r>
-              <a:rPr lang="en-US" b="1" dirty="0" smtClean="0"/>
+              <a:rPr lang="en-US" b="1" dirty="0"/>
               <a:t>use the + operator</a:t>
             </a:r>
             <a:r>
-              <a:rPr lang="en-US" dirty="0" smtClean="0"/>
+              <a:rPr lang="en-US" dirty="0"/>
               <a:t>:</a:t>
             </a:r>
           </a:p>
           <a:p>
             <a:r>
-              <a:rPr lang="en-US" dirty="0" smtClean="0"/>
+              <a:rPr lang="en-US" dirty="0"/>
               <a:t>Join two tuples:</a:t>
             </a:r>
           </a:p>
           <a:p>
-            <a:endParaRPr lang="en-US" dirty="0" smtClean="0"/>
-          </a:p>
-          <a:p>
-            <a:pPr marL="0" indent="0">
-              <a:buNone/>
-            </a:pPr>
-            <a:r>
-              <a:rPr lang="en-US" b="1" dirty="0" smtClean="0"/>
+            <a:endParaRPr lang="en-US" dirty="0"/>
+          </a:p>
+          <a:p>
+            <a:pPr marL="0" indent="0">
+              <a:buNone/>
+            </a:pPr>
+            <a:r>
+              <a:rPr lang="en-US" b="1" dirty="0"/>
               <a:t>tuple1 = ("a", "b" , "c")</a:t>
             </a:r>
           </a:p>
@@ -5946,7 +6540,7 @@
               <a:buNone/>
             </a:pPr>
             <a:r>
-              <a:rPr lang="en-US" b="1" dirty="0" smtClean="0"/>
+              <a:rPr lang="en-US" b="1" dirty="0"/>
               <a:t>tuple2 = (1, 2, 3)</a:t>
             </a:r>
           </a:p>
@@ -5955,7 +6549,7 @@
               <a:buNone/>
             </a:pPr>
             <a:r>
-              <a:rPr lang="en-US" b="1" dirty="0" smtClean="0"/>
+              <a:rPr lang="en-US" b="1" dirty="0"/>
               <a:t>tuple3 = tuple1 + tuple2</a:t>
             </a:r>
           </a:p>
@@ -5964,7 +6558,7 @@
               <a:buNone/>
             </a:pPr>
             <a:r>
-              <a:rPr lang="en-US" b="1" dirty="0" smtClean="0"/>
+              <a:rPr lang="en-US" b="1" dirty="0"/>
               <a:t>print(tuple3)</a:t>
             </a:r>
           </a:p>
@@ -5973,7 +6567,7 @@
               <a:buNone/>
             </a:pPr>
             <a:r>
-              <a:rPr lang="en-US" b="1" dirty="0" smtClean="0"/>
+              <a:rPr lang="en-US" b="1" dirty="0"/>
               <a:t>OUTPUT: </a:t>
             </a:r>
             <a:r>
@@ -6032,10 +6626,9 @@
           <a:lstStyle/>
           <a:p>
             <a:r>
-              <a:rPr lang="en-IN" sz="4800" b="1" dirty="0" smtClean="0"/>
+              <a:rPr lang="en-IN" sz="4800" b="1" dirty="0"/>
               <a:t>Multiply Tuples</a:t>
             </a:r>
-            <a:endParaRPr lang="en-IN" sz="4800" b="1" dirty="0"/>
           </a:p>
         </p:txBody>
       </p:sp>
@@ -6052,21 +6645,21 @@
         <p:spPr/>
         <p:txBody>
           <a:bodyPr>
-            <a:normAutofit lnSpcReduction="10000"/>
+            <a:normAutofit fontScale="85000" lnSpcReduction="10000"/>
           </a:bodyPr>
           <a:lstStyle/>
           <a:p>
             <a:r>
-              <a:rPr lang="en-US" dirty="0" smtClean="0"/>
+              <a:rPr lang="en-US" dirty="0"/>
               <a:t>If you want to multiply the content of a tuple a given number of times, you can use the * operator:</a:t>
             </a:r>
           </a:p>
           <a:p>
-            <a:endParaRPr lang="en-US" dirty="0" smtClean="0"/>
-          </a:p>
-          <a:p>
-            <a:r>
-              <a:rPr lang="en-US" dirty="0" smtClean="0"/>
+            <a:endParaRPr lang="en-US" dirty="0"/>
+          </a:p>
+          <a:p>
+            <a:r>
+              <a:rPr lang="en-US" dirty="0"/>
               <a:t>Multiply the fruits tuple by 2:</a:t>
             </a:r>
           </a:p>
@@ -6075,7 +6668,7 @@
               <a:buNone/>
             </a:pPr>
             <a:r>
-              <a:rPr lang="en-US" b="1" dirty="0" smtClean="0"/>
+              <a:rPr lang="en-US" b="1" dirty="0"/>
               <a:t>fruits = ("apple", "banana", "cherry")</a:t>
             </a:r>
           </a:p>
@@ -6084,11 +6677,11 @@
               <a:buNone/>
             </a:pPr>
             <a:r>
-              <a:rPr lang="en-US" b="1" dirty="0" err="1" smtClean="0"/>
+              <a:rPr lang="en-US" b="1" dirty="0" err="1"/>
               <a:t>mytuple</a:t>
             </a:r>
             <a:r>
-              <a:rPr lang="en-US" b="1" dirty="0" smtClean="0"/>
+              <a:rPr lang="en-US" b="1" dirty="0"/>
               <a:t> = fruits * 2</a:t>
             </a:r>
           </a:p>
@@ -6097,15 +6690,15 @@
               <a:buNone/>
             </a:pPr>
             <a:r>
-              <a:rPr lang="en-US" b="1" dirty="0" smtClean="0"/>
+              <a:rPr lang="en-US" b="1" dirty="0"/>
               <a:t>print(</a:t>
             </a:r>
             <a:r>
-              <a:rPr lang="en-US" b="1" dirty="0" err="1" smtClean="0"/>
+              <a:rPr lang="en-US" b="1" dirty="0" err="1"/>
               <a:t>mytuple</a:t>
             </a:r>
             <a:r>
-              <a:rPr lang="en-US" b="1" dirty="0" smtClean="0"/>
+              <a:rPr lang="en-US" b="1" dirty="0"/>
               <a:t>)</a:t>
             </a:r>
           </a:p>
@@ -6120,7 +6713,7 @@
               <a:buNone/>
             </a:pPr>
             <a:r>
-              <a:rPr lang="en-US" b="1" dirty="0" smtClean="0"/>
+              <a:rPr lang="en-US" b="1" dirty="0"/>
               <a:t>OUTPUT: ('apple', 'banana', 'cherry', 'apple', 'banana', 'cherry')</a:t>
             </a:r>
             <a:endParaRPr lang="en-IN" b="1" dirty="0"/>
@@ -6173,10 +6766,9 @@
           <a:lstStyle/>
           <a:p>
             <a:r>
-              <a:rPr lang="en-IN" b="1" dirty="0" smtClean="0"/>
+              <a:rPr lang="en-IN" b="1" dirty="0"/>
               <a:t>Tuple Items</a:t>
             </a:r>
-            <a:endParaRPr lang="en-IN" b="1" dirty="0"/>
           </a:p>
         </p:txBody>
       </p:sp>
@@ -6192,70 +6784,70 @@
         </p:nvSpPr>
         <p:spPr>
           <a:xfrm>
-            <a:off x="838200" y="1580972"/>
-            <a:ext cx="10515600" cy="4965107"/>
+            <a:off x="1451579" y="1974574"/>
+            <a:ext cx="9603276" cy="4078907"/>
           </a:xfrm>
         </p:spPr>
         <p:txBody>
           <a:bodyPr>
-            <a:normAutofit fontScale="92500" lnSpcReduction="10000"/>
+            <a:normAutofit fontScale="92500" lnSpcReduction="20000"/>
           </a:bodyPr>
           <a:lstStyle/>
           <a:p>
             <a:pPr algn="just"/>
             <a:r>
-              <a:rPr lang="en-US" b="1" dirty="0" smtClean="0"/>
+              <a:rPr lang="en-US" b="1" dirty="0"/>
               <a:t>Tuple items are ordered, unchangeable, and allow duplicate values</a:t>
             </a:r>
             <a:r>
-              <a:rPr lang="en-US" dirty="0" smtClean="0"/>
+              <a:rPr lang="en-US" dirty="0"/>
               <a:t>.</a:t>
             </a:r>
           </a:p>
           <a:p>
             <a:pPr algn="just"/>
             <a:r>
-              <a:rPr lang="en-US" dirty="0" smtClean="0"/>
+              <a:rPr lang="en-US" dirty="0"/>
               <a:t>Tuple items are indexed, the first item has index [0], the second item has index [1] etc.</a:t>
             </a:r>
           </a:p>
           <a:p>
             <a:pPr algn="just"/>
             <a:r>
-              <a:rPr lang="en-US" b="1" dirty="0" smtClean="0"/>
+              <a:rPr lang="en-US" b="1" dirty="0"/>
               <a:t>Ordered: </a:t>
             </a:r>
             <a:r>
-              <a:rPr lang="en-US" dirty="0" smtClean="0"/>
+              <a:rPr lang="en-US" dirty="0"/>
               <a:t>When we say that tuples are ordered, it means that the items have a defined order, and that order will not change.</a:t>
             </a:r>
           </a:p>
           <a:p>
             <a:pPr algn="just"/>
             <a:r>
-              <a:rPr lang="en-US" b="1" dirty="0" smtClean="0"/>
+              <a:rPr lang="en-US" b="1" dirty="0"/>
               <a:t>Unchangeable: </a:t>
             </a:r>
             <a:r>
-              <a:rPr lang="en-US" dirty="0" smtClean="0"/>
+              <a:rPr lang="en-US" dirty="0"/>
               <a:t>Tuples are unchangeable, meaning that we cannot change, add or remove items after the tuple has been created.</a:t>
             </a:r>
           </a:p>
           <a:p>
             <a:pPr algn="just"/>
             <a:r>
-              <a:rPr lang="en-US" b="1" dirty="0" smtClean="0"/>
+              <a:rPr lang="en-US" b="1" dirty="0"/>
               <a:t>Allow Duplicates: </a:t>
             </a:r>
             <a:r>
-              <a:rPr lang="en-US" dirty="0" smtClean="0"/>
+              <a:rPr lang="en-US" dirty="0"/>
               <a:t>Since tuples are indexed, they can have items with the same value:</a:t>
             </a:r>
           </a:p>
           <a:p>
             <a:pPr algn="just"/>
             <a:r>
-              <a:rPr lang="en-US" dirty="0" smtClean="0"/>
+              <a:rPr lang="en-US" dirty="0"/>
               <a:t>Tuples allow duplicate values:</a:t>
             </a:r>
           </a:p>
@@ -6264,11 +6856,11 @@
               <a:buNone/>
             </a:pPr>
             <a:r>
-              <a:rPr lang="en-US" b="1" dirty="0" err="1" smtClean="0"/>
+              <a:rPr lang="en-US" b="1" dirty="0" err="1"/>
               <a:t>thistuple</a:t>
             </a:r>
             <a:r>
-              <a:rPr lang="en-US" b="1" dirty="0" smtClean="0"/>
+              <a:rPr lang="en-US" b="1" dirty="0"/>
               <a:t> = ("apple", "banana", "cherry", "apple", "cherry")</a:t>
             </a:r>
           </a:p>
@@ -6277,15 +6869,15 @@
               <a:buNone/>
             </a:pPr>
             <a:r>
-              <a:rPr lang="en-US" b="1" dirty="0" smtClean="0"/>
+              <a:rPr lang="en-US" b="1" dirty="0"/>
               <a:t>print(</a:t>
             </a:r>
             <a:r>
-              <a:rPr lang="en-US" b="1" dirty="0" err="1" smtClean="0"/>
+              <a:rPr lang="en-US" b="1" dirty="0" err="1"/>
               <a:t>thistuple</a:t>
             </a:r>
             <a:r>
-              <a:rPr lang="en-US" b="1" dirty="0" smtClean="0"/>
+              <a:rPr lang="en-US" b="1" dirty="0"/>
               <a:t>)</a:t>
             </a:r>
             <a:endParaRPr lang="en-IN" b="1" dirty="0"/>
@@ -6388,7 +6980,9 @@
         </p:nvSpPr>
         <p:spPr/>
         <p:txBody>
-          <a:bodyPr/>
+          <a:bodyPr>
+            <a:normAutofit/>
+          </a:bodyPr>
           <a:lstStyle/>
           <a:p>
             <a:r>
@@ -6414,8 +7008,8 @@
         </p:nvSpPr>
         <p:spPr>
           <a:xfrm>
-            <a:off x="256374" y="1452785"/>
-            <a:ext cx="11097426" cy="4724178"/>
+            <a:off x="1451578" y="1853753"/>
+            <a:ext cx="9902221" cy="4323209"/>
           </a:xfrm>
         </p:spPr>
         <p:txBody>
@@ -6425,11 +7019,11 @@
           <a:lstStyle/>
           <a:p>
             <a:r>
-              <a:rPr lang="en-US" dirty="0" smtClean="0"/>
+              <a:rPr lang="en-US" dirty="0"/>
               <a:t>The count() method returns the </a:t>
             </a:r>
             <a:r>
-              <a:rPr lang="en-US" b="1" dirty="0" smtClean="0"/>
+              <a:rPr lang="en-US" b="1" dirty="0"/>
               <a:t>number of times a specified value appears in the tuple.</a:t>
             </a:r>
           </a:p>
@@ -6438,15 +7032,15 @@
               <a:buNone/>
             </a:pPr>
             <a:r>
-              <a:rPr lang="en-US" b="1" dirty="0" smtClean="0"/>
+              <a:rPr lang="en-US" b="1" dirty="0"/>
               <a:t>Syntax:                              </a:t>
             </a:r>
             <a:r>
-              <a:rPr lang="en-US" b="1" dirty="0" err="1" smtClean="0"/>
+              <a:rPr lang="en-US" b="1" dirty="0" err="1"/>
               <a:t>tuple.count</a:t>
             </a:r>
             <a:r>
-              <a:rPr lang="en-US" b="1" dirty="0" smtClean="0"/>
+              <a:rPr lang="en-US" b="1" dirty="0"/>
               <a:t>(value)</a:t>
             </a:r>
           </a:p>
@@ -6457,27 +7051,19 @@
             </a:r>
             <a:r>
               <a:rPr lang="en-US" b="1" dirty="0"/>
-              <a:t>(5) </a:t>
-            </a:r>
-            <a:r>
-              <a:rPr lang="en-US" b="1" dirty="0" smtClean="0"/>
-              <a:t>: </a:t>
-            </a:r>
-            <a:r>
-              <a:rPr lang="en-US" dirty="0" smtClean="0"/>
-              <a:t>Return </a:t>
-            </a:r>
-            <a:r>
-              <a:rPr lang="en-US" dirty="0"/>
-              <a:t>the number of times the value 5 appears in the tuple:</a:t>
-            </a:r>
-          </a:p>
-          <a:p>
-            <a:pPr marL="0" indent="0">
-              <a:buNone/>
-            </a:pPr>
-            <a:r>
-              <a:rPr lang="en-US" b="1" dirty="0" smtClean="0"/>
+              <a:t>(5) : </a:t>
+            </a:r>
+            <a:r>
+              <a:rPr lang="en-US" dirty="0"/>
+              <a:t>Return the number of times the value 5 appears in the tuple:</a:t>
+            </a:r>
+          </a:p>
+          <a:p>
+            <a:pPr marL="0" indent="0">
+              <a:buNone/>
+            </a:pPr>
+            <a:r>
+              <a:rPr lang="en-US" b="1" dirty="0"/>
               <a:t>Example:</a:t>
             </a:r>
           </a:p>
@@ -6486,27 +7072,19 @@
               <a:buNone/>
             </a:pPr>
             <a:r>
-              <a:rPr lang="en-US" b="1" dirty="0" err="1" smtClean="0"/>
+              <a:rPr lang="en-US" b="1" dirty="0" err="1"/>
               <a:t>thistuple</a:t>
             </a:r>
             <a:r>
-              <a:rPr lang="en-US" b="1" dirty="0" smtClean="0"/>
-              <a:t> </a:t>
-            </a:r>
-            <a:r>
-              <a:rPr lang="en-US" b="1" dirty="0"/>
-              <a:t>= (1, 3, 7, 8, 7, 5, 4, 6, 8, 5)</a:t>
+              <a:rPr lang="en-US" b="1" dirty="0"/>
+              <a:t> = (1, 3, 7, 8, 7, 5, 4, 6, 8, 5)</a:t>
             </a:r>
             <a:br>
               <a:rPr lang="en-US" b="1" dirty="0"/>
             </a:br>
             <a:r>
-              <a:rPr lang="en-US" b="1" dirty="0" smtClean="0"/>
-              <a:t>x </a:t>
-            </a:r>
-            <a:r>
-              <a:rPr lang="en-US" b="1" dirty="0"/>
-              <a:t>= </a:t>
+              <a:rPr lang="en-US" b="1" dirty="0"/>
+              <a:t>x = </a:t>
             </a:r>
             <a:r>
               <a:rPr lang="en-US" b="1" dirty="0" err="1"/>
@@ -6520,17 +7098,13 @@
               <a:rPr lang="en-US" b="1" dirty="0"/>
             </a:br>
             <a:r>
-              <a:rPr lang="en-US" b="1" dirty="0" smtClean="0"/>
-              <a:t>print(x</a:t>
-            </a:r>
-            <a:r>
-              <a:rPr lang="en-US" b="1" dirty="0"/>
-              <a:t>)</a:t>
-            </a:r>
-          </a:p>
-          <a:p>
-            <a:r>
-              <a:rPr lang="en-US" dirty="0" smtClean="0"/>
+              <a:rPr lang="en-US" b="1" dirty="0"/>
+              <a:t>print(x)</a:t>
+            </a:r>
+          </a:p>
+          <a:p>
+            <a:r>
+              <a:rPr lang="en-US" dirty="0"/>
               <a:t>OUTPUT: </a:t>
             </a:r>
             <a:r>
@@ -6587,13 +7161,8 @@
           <a:p>
             <a:r>
               <a:rPr lang="en-IN" b="1" dirty="0"/>
-              <a:t>Python Tuple index() </a:t>
-            </a:r>
-            <a:r>
-              <a:rPr lang="en-IN" b="1" dirty="0" smtClean="0"/>
-              <a:t>Method</a:t>
-            </a:r>
-            <a:endParaRPr lang="en-IN" b="1" dirty="0"/>
+              <a:t>Python Tuple index() Method</a:t>
+            </a:r>
           </a:p>
         </p:txBody>
       </p:sp>
@@ -6609,8 +7178,8 @@
         </p:nvSpPr>
         <p:spPr>
           <a:xfrm>
-            <a:off x="358923" y="1825625"/>
-            <a:ext cx="10994877" cy="4351338"/>
+            <a:off x="1451579" y="1948069"/>
+            <a:ext cx="9902221" cy="4228893"/>
           </a:xfrm>
         </p:spPr>
         <p:txBody>
@@ -6620,37 +7189,37 @@
           <a:lstStyle/>
           <a:p>
             <a:r>
-              <a:rPr lang="en-US" dirty="0" smtClean="0"/>
+              <a:rPr lang="en-US" dirty="0"/>
               <a:t>The index() method </a:t>
             </a:r>
             <a:r>
-              <a:rPr lang="en-US" b="1" dirty="0" smtClean="0"/>
+              <a:rPr lang="en-US" b="1" dirty="0"/>
               <a:t>finds the first occurrence of the specified value.</a:t>
             </a:r>
           </a:p>
           <a:p>
             <a:r>
-              <a:rPr lang="en-US" dirty="0" smtClean="0"/>
+              <a:rPr lang="en-US" dirty="0"/>
               <a:t>The index() method raises an exception if the value is not found.</a:t>
             </a:r>
           </a:p>
           <a:p>
             <a:r>
-              <a:rPr lang="en-US" dirty="0" smtClean="0"/>
+              <a:rPr lang="en-US" dirty="0"/>
               <a:t>Syntax: </a:t>
             </a:r>
             <a:r>
-              <a:rPr lang="en-US" b="1" dirty="0" err="1" smtClean="0"/>
+              <a:rPr lang="en-US" b="1" dirty="0" err="1"/>
               <a:t>tuple.index</a:t>
             </a:r>
             <a:r>
-              <a:rPr lang="en-US" b="1" dirty="0" smtClean="0"/>
+              <a:rPr lang="en-US" b="1" dirty="0"/>
               <a:t>(value)</a:t>
             </a:r>
           </a:p>
           <a:p>
             <a:r>
-              <a:rPr lang="en-US" dirty="0" smtClean="0"/>
+              <a:rPr lang="en-US" dirty="0"/>
               <a:t>Search for the first occurrence of the value 8, and return its position:</a:t>
             </a:r>
           </a:p>
@@ -6659,11 +7228,11 @@
               <a:buNone/>
             </a:pPr>
             <a:r>
-              <a:rPr lang="en-US" b="1" dirty="0" err="1" smtClean="0"/>
+              <a:rPr lang="en-US" b="1" dirty="0" err="1"/>
               <a:t>thistuple</a:t>
             </a:r>
             <a:r>
-              <a:rPr lang="en-US" b="1" dirty="0" smtClean="0"/>
+              <a:rPr lang="en-US" b="1" dirty="0"/>
               <a:t> = (1, 3, 7, 8, 7, 5, 4, 6, 8, 5)</a:t>
             </a:r>
           </a:p>
@@ -6672,15 +7241,15 @@
               <a:buNone/>
             </a:pPr>
             <a:r>
-              <a:rPr lang="en-US" b="1" dirty="0" smtClean="0"/>
+              <a:rPr lang="en-US" b="1" dirty="0"/>
               <a:t>x = </a:t>
             </a:r>
             <a:r>
-              <a:rPr lang="en-US" b="1" dirty="0" err="1" smtClean="0"/>
+              <a:rPr lang="en-US" b="1" dirty="0" err="1"/>
               <a:t>thistuple.index</a:t>
             </a:r>
             <a:r>
-              <a:rPr lang="en-US" b="1" dirty="0" smtClean="0"/>
+              <a:rPr lang="en-US" b="1" dirty="0"/>
               <a:t>(8)</a:t>
             </a:r>
           </a:p>
@@ -6689,7 +7258,7 @@
               <a:buNone/>
             </a:pPr>
             <a:r>
-              <a:rPr lang="en-US" b="1" dirty="0" smtClean="0"/>
+              <a:rPr lang="en-US" b="1" dirty="0"/>
               <a:t>print(x)</a:t>
             </a:r>
             <a:endParaRPr lang="en-IN" b="1" dirty="0"/>
@@ -6742,10 +7311,9 @@
           <a:lstStyle/>
           <a:p>
             <a:r>
-              <a:rPr lang="en-IN" b="1" dirty="0" smtClean="0"/>
+              <a:rPr lang="en-IN" b="1" dirty="0"/>
               <a:t>Tuple Length</a:t>
             </a:r>
-            <a:endParaRPr lang="en-IN" b="1" dirty="0"/>
           </a:p>
         </p:txBody>
       </p:sp>
@@ -6761,8 +7329,8 @@
         </p:nvSpPr>
         <p:spPr>
           <a:xfrm>
-            <a:off x="606751" y="1623701"/>
-            <a:ext cx="10747049" cy="4553262"/>
+            <a:off x="1451579" y="1853753"/>
+            <a:ext cx="9902221" cy="4323209"/>
           </a:xfrm>
         </p:spPr>
         <p:txBody>
@@ -6770,21 +7338,21 @@
           <a:lstStyle/>
           <a:p>
             <a:r>
-              <a:rPr lang="en-US" b="1" dirty="0" smtClean="0"/>
+              <a:rPr lang="en-US" b="1" dirty="0"/>
               <a:t>To determine how many items a tuple has, use the </a:t>
             </a:r>
             <a:r>
-              <a:rPr lang="en-US" b="1" dirty="0" err="1" smtClean="0"/>
+              <a:rPr lang="en-US" b="1" dirty="0" err="1"/>
               <a:t>len</a:t>
             </a:r>
             <a:r>
-              <a:rPr lang="en-US" b="1" dirty="0" smtClean="0"/>
+              <a:rPr lang="en-US" b="1" dirty="0"/>
               <a:t>() function:</a:t>
             </a:r>
           </a:p>
           <a:p>
             <a:r>
-              <a:rPr lang="en-US" dirty="0" smtClean="0"/>
+              <a:rPr lang="en-US" dirty="0"/>
               <a:t>Example: Print the number of items in the tuple:</a:t>
             </a:r>
           </a:p>
@@ -6793,11 +7361,11 @@
               <a:buNone/>
             </a:pPr>
             <a:r>
-              <a:rPr lang="en-US" b="1" dirty="0" err="1" smtClean="0"/>
+              <a:rPr lang="en-US" b="1" dirty="0" err="1"/>
               <a:t>thistuple</a:t>
             </a:r>
             <a:r>
-              <a:rPr lang="en-US" b="1" dirty="0" smtClean="0"/>
+              <a:rPr lang="en-US" b="1" dirty="0"/>
               <a:t> = ("apple", "banana", "cherry")</a:t>
             </a:r>
           </a:p>
@@ -6806,23 +7374,23 @@
               <a:buNone/>
             </a:pPr>
             <a:r>
-              <a:rPr lang="en-US" b="1" dirty="0" smtClean="0"/>
+              <a:rPr lang="en-US" b="1" dirty="0"/>
               <a:t>print(</a:t>
             </a:r>
             <a:r>
-              <a:rPr lang="en-US" b="1" dirty="0" err="1" smtClean="0"/>
+              <a:rPr lang="en-US" b="1" dirty="0" err="1"/>
               <a:t>len</a:t>
             </a:r>
             <a:r>
-              <a:rPr lang="en-US" b="1" dirty="0" smtClean="0"/>
+              <a:rPr lang="en-US" b="1" dirty="0"/>
               <a:t>(</a:t>
             </a:r>
             <a:r>
-              <a:rPr lang="en-US" b="1" dirty="0" err="1" smtClean="0"/>
+              <a:rPr lang="en-US" b="1" dirty="0" err="1"/>
               <a:t>thistuple</a:t>
             </a:r>
             <a:r>
-              <a:rPr lang="en-US" b="1" dirty="0" smtClean="0"/>
+              <a:rPr lang="en-US" b="1" dirty="0"/>
               <a:t>))</a:t>
             </a:r>
           </a:p>
@@ -6880,7 +7448,7 @@
           <a:lstStyle/>
           <a:p>
             <a:r>
-              <a:rPr lang="en-US" b="1" dirty="0" smtClean="0"/>
+              <a:rPr lang="en-US" b="1" dirty="0"/>
               <a:t>Create Tuple With One Item</a:t>
             </a:r>
             <a:endParaRPr lang="en-IN" b="1" dirty="0"/>
@@ -6899,33 +7467,25 @@
         </p:nvSpPr>
         <p:spPr>
           <a:xfrm>
-            <a:off x="256373" y="1461332"/>
-            <a:ext cx="11494093" cy="5255662"/>
+            <a:off x="1451579" y="1853754"/>
+            <a:ext cx="9603275" cy="4199727"/>
           </a:xfrm>
         </p:spPr>
         <p:txBody>
           <a:bodyPr>
-            <a:normAutofit/>
+            <a:normAutofit fontScale="92500" lnSpcReduction="20000"/>
           </a:bodyPr>
           <a:lstStyle/>
           <a:p>
             <a:r>
-              <a:rPr lang="en-US" dirty="0" smtClean="0"/>
-              <a:t>To </a:t>
-            </a:r>
-            <a:r>
-              <a:rPr lang="en-US" dirty="0"/>
-              <a:t>create a tuple with only one item, you have to add a comma after the item, otherwise Python will not recognize it as a tuple.</a:t>
-            </a:r>
-          </a:p>
-          <a:p>
-            <a:r>
-              <a:rPr lang="en-US" dirty="0" smtClean="0"/>
-              <a:t>One </a:t>
-            </a:r>
-            <a:r>
-              <a:rPr lang="en-US" dirty="0"/>
-              <a:t>item tuple, remember the comma:</a:t>
+              <a:rPr lang="en-US" dirty="0"/>
+              <a:t>To create a tuple with only one item, you have to add a comma after the item, otherwise Python will not recognize it as a tuple.</a:t>
+            </a:r>
+          </a:p>
+          <a:p>
+            <a:r>
+              <a:rPr lang="en-US" dirty="0"/>
+              <a:t>One item tuple, remember the comma:</a:t>
             </a:r>
           </a:p>
           <a:p>
@@ -6958,10 +7518,6 @@
             <a:br>
               <a:rPr lang="en-US" b="1" dirty="0"/>
             </a:br>
-            <a:r>
-              <a:rPr lang="en-US" dirty="0"/>
-              <a:t/>
-            </a:r>
             <a:br>
               <a:rPr lang="en-US" dirty="0"/>
             </a:br>
@@ -7001,7 +7557,7 @@
               <a:buNone/>
             </a:pPr>
             <a:r>
-              <a:rPr lang="en-US" b="1" dirty="0" smtClean="0"/>
+              <a:rPr lang="en-US" b="1" dirty="0"/>
               <a:t>OUTPUT: </a:t>
             </a:r>
           </a:p>
@@ -7010,19 +7566,11 @@
               <a:buNone/>
             </a:pPr>
             <a:r>
-              <a:rPr lang="en-IN" dirty="0" smtClean="0"/>
-              <a:t>&lt;</a:t>
-            </a:r>
-            <a:r>
               <a:rPr lang="en-IN" dirty="0"/>
-              <a:t>class 'tuple'&gt;</a:t>
-            </a:r>
-            <a:r>
-              <a:rPr lang="en-IN" dirty="0" smtClean="0"/>
-              <a:t/>
+              <a:t>&lt;class 'tuple'&gt;</a:t>
             </a:r>
             <a:br>
-              <a:rPr lang="en-IN" dirty="0" smtClean="0"/>
+              <a:rPr lang="en-IN" dirty="0"/>
             </a:br>
             <a:r>
               <a:rPr lang="en-IN" dirty="0"/>
@@ -7085,10 +7633,9 @@
           <a:lstStyle/>
           <a:p>
             <a:r>
-              <a:rPr lang="en-IN" b="1" dirty="0" smtClean="0"/>
+              <a:rPr lang="en-IN" b="1" dirty="0"/>
               <a:t>Tuple Items - Data Types</a:t>
             </a:r>
-            <a:endParaRPr lang="en-IN" b="1" dirty="0"/>
           </a:p>
         </p:txBody>
       </p:sp>
@@ -7104,8 +7651,8 @@
         </p:nvSpPr>
         <p:spPr>
           <a:xfrm>
-            <a:off x="461473" y="1546790"/>
-            <a:ext cx="10892327" cy="5024926"/>
+            <a:off x="1451579" y="1974574"/>
+            <a:ext cx="9603275" cy="4333461"/>
           </a:xfrm>
         </p:spPr>
         <p:txBody>
@@ -7118,13 +7665,13 @@
               <a:buNone/>
             </a:pPr>
             <a:r>
-              <a:rPr lang="en-US" dirty="0" smtClean="0"/>
+              <a:rPr lang="en-US" dirty="0"/>
               <a:t>Tuple items can be of any data type:</a:t>
             </a:r>
           </a:p>
           <a:p>
             <a:r>
-              <a:rPr lang="en-US" dirty="0" smtClean="0"/>
+              <a:rPr lang="en-US" dirty="0"/>
               <a:t>Example: String, int and boolean data types:</a:t>
             </a:r>
           </a:p>
@@ -7133,7 +7680,7 @@
               <a:buNone/>
             </a:pPr>
             <a:r>
-              <a:rPr lang="en-US" b="1" dirty="0" smtClean="0"/>
+              <a:rPr lang="en-US" b="1" dirty="0"/>
               <a:t>tuple1 = ("apple", "banana", "cherry")</a:t>
             </a:r>
           </a:p>
@@ -7142,7 +7689,7 @@
               <a:buNone/>
             </a:pPr>
             <a:r>
-              <a:rPr lang="en-US" b="1" dirty="0" smtClean="0"/>
+              <a:rPr lang="en-US" b="1" dirty="0"/>
               <a:t>tuple2 = (1, 5, 7, 9, 3)</a:t>
             </a:r>
           </a:p>
@@ -7151,7 +7698,7 @@
               <a:buNone/>
             </a:pPr>
             <a:r>
-              <a:rPr lang="en-US" b="1" dirty="0" smtClean="0"/>
+              <a:rPr lang="en-US" b="1" dirty="0"/>
               <a:t>tuple3 = (True, False, False)</a:t>
             </a:r>
           </a:p>
@@ -7166,12 +7713,8 @@
           </a:p>
           <a:p>
             <a:r>
-              <a:rPr lang="en-US" dirty="0" smtClean="0"/>
-              <a:t>Example: A </a:t>
-            </a:r>
-            <a:r>
-              <a:rPr lang="en-US" dirty="0"/>
-              <a:t>tuple with strings, integers and boolean values:</a:t>
+              <a:rPr lang="en-US" dirty="0"/>
+              <a:t>Example: A tuple with strings, integers and boolean values:</a:t>
             </a:r>
           </a:p>
           <a:p>
@@ -7242,7 +7785,7 @@
           <a:lstStyle/>
           <a:p>
             <a:r>
-              <a:rPr lang="en-US" dirty="0" smtClean="0"/>
+              <a:rPr lang="en-US" dirty="0"/>
               <a:t>type()</a:t>
             </a:r>
             <a:endParaRPr lang="en-IN" dirty="0"/>
@@ -7267,13 +7810,13 @@
           <a:lstStyle/>
           <a:p>
             <a:r>
-              <a:rPr lang="en-US" dirty="0" smtClean="0"/>
+              <a:rPr lang="en-US" dirty="0"/>
               <a:t>From Python's perspective, tuples are defined as objects with the data type 'tuple': &lt;class 'tuple'&gt;</a:t>
             </a:r>
           </a:p>
           <a:p>
             <a:r>
-              <a:rPr lang="en-US" dirty="0" smtClean="0"/>
+              <a:rPr lang="en-US" dirty="0"/>
               <a:t>What is the data type of a tuple?</a:t>
             </a:r>
           </a:p>
@@ -7282,11 +7825,11 @@
               <a:buNone/>
             </a:pPr>
             <a:r>
-              <a:rPr lang="en-US" b="1" dirty="0" err="1" smtClean="0"/>
+              <a:rPr lang="en-US" b="1" dirty="0" err="1"/>
               <a:t>mytuple</a:t>
             </a:r>
             <a:r>
-              <a:rPr lang="en-US" b="1" dirty="0" smtClean="0"/>
+              <a:rPr lang="en-US" b="1" dirty="0"/>
               <a:t> = ("apple", "banana", "cherry")</a:t>
             </a:r>
           </a:p>
@@ -7295,15 +7838,15 @@
               <a:buNone/>
             </a:pPr>
             <a:r>
-              <a:rPr lang="en-US" b="1" dirty="0" smtClean="0"/>
+              <a:rPr lang="en-US" b="1" dirty="0"/>
               <a:t>print(type(</a:t>
             </a:r>
             <a:r>
-              <a:rPr lang="en-US" b="1" dirty="0" err="1" smtClean="0"/>
+              <a:rPr lang="en-US" b="1" dirty="0" err="1"/>
               <a:t>mytuple</a:t>
             </a:r>
             <a:r>
-              <a:rPr lang="en-US" b="1" dirty="0" smtClean="0"/>
+              <a:rPr lang="en-US" b="1" dirty="0"/>
               <a:t>))</a:t>
             </a:r>
             <a:endParaRPr lang="en-IN" b="1" dirty="0"/>
@@ -7356,7 +7899,7 @@
           <a:lstStyle/>
           <a:p>
             <a:r>
-              <a:rPr lang="en-US" b="1" dirty="0" smtClean="0"/>
+              <a:rPr lang="en-US" b="1" dirty="0"/>
               <a:t>The tuple() Constructor</a:t>
             </a:r>
             <a:endParaRPr lang="en-IN" b="1" dirty="0"/>
@@ -7379,22 +7922,14 @@
           <a:lstStyle/>
           <a:p>
             <a:r>
-              <a:rPr lang="en-US" dirty="0" smtClean="0"/>
-              <a:t>It </a:t>
-            </a:r>
-            <a:r>
-              <a:rPr lang="en-US" dirty="0"/>
-              <a:t>is also possible to use the tuple() constructor to make a tuple.</a:t>
-            </a:r>
-          </a:p>
-          <a:p>
-            <a:r>
-              <a:rPr lang="en-US" dirty="0" smtClean="0"/>
-              <a:t>Example: Using </a:t>
-            </a:r>
-            <a:r>
-              <a:rPr lang="en-US" dirty="0"/>
-              <a:t>the tuple() method to make a tuple:</a:t>
+              <a:rPr lang="en-US" dirty="0"/>
+              <a:t>It is also possible to use the tuple() constructor to make a tuple.</a:t>
+            </a:r>
+          </a:p>
+          <a:p>
+            <a:r>
+              <a:rPr lang="en-US" dirty="0"/>
+              <a:t>Example: Using the tuple() method to make a tuple:</a:t>
             </a:r>
           </a:p>
           <a:p>
@@ -7412,10 +7947,6 @@
             <a:r>
               <a:rPr lang="en-US" sz="1800" b="1" dirty="0"/>
               <a:t># note the double round-brackets</a:t>
-            </a:r>
-            <a:r>
-              <a:rPr lang="en-US" b="1" dirty="0"/>
-              <a:t/>
             </a:r>
             <a:br>
               <a:rPr lang="en-US" b="1" dirty="0"/>
@@ -7487,10 +8018,9 @@
           <a:lstStyle/>
           <a:p>
             <a:r>
-              <a:rPr lang="en-IN" b="1" dirty="0" smtClean="0"/>
+              <a:rPr lang="en-IN" b="1" dirty="0"/>
               <a:t>Access Tuple Items</a:t>
             </a:r>
-            <a:endParaRPr lang="en-IN" b="1" dirty="0"/>
           </a:p>
         </p:txBody>
       </p:sp>
@@ -7506,8 +8036,8 @@
         </p:nvSpPr>
         <p:spPr>
           <a:xfrm>
-            <a:off x="452927" y="1825625"/>
-            <a:ext cx="10900873" cy="4351338"/>
+            <a:off x="1451579" y="1974573"/>
+            <a:ext cx="9902221" cy="4202389"/>
           </a:xfrm>
         </p:spPr>
         <p:txBody>
@@ -7517,13 +8047,13 @@
           <a:lstStyle/>
           <a:p>
             <a:r>
-              <a:rPr lang="en-US" dirty="0" smtClean="0"/>
+              <a:rPr lang="en-US" dirty="0"/>
               <a:t>You can access tuple items by referring to the index number, inside square brackets:</a:t>
             </a:r>
           </a:p>
           <a:p>
             <a:r>
-              <a:rPr lang="en-US" dirty="0" smtClean="0"/>
+              <a:rPr lang="en-US" dirty="0"/>
               <a:t>Example: Print the second item in the tuple:</a:t>
             </a:r>
           </a:p>
@@ -7531,18 +8061,18 @@
             <a:pPr marL="0" indent="0">
               <a:buNone/>
             </a:pPr>
-            <a:endParaRPr lang="en-US" b="1" dirty="0" smtClean="0"/>
-          </a:p>
-          <a:p>
-            <a:pPr marL="0" indent="0">
-              <a:buNone/>
-            </a:pPr>
-            <a:r>
-              <a:rPr lang="en-US" b="1" dirty="0" err="1" smtClean="0"/>
+            <a:endParaRPr lang="en-US" b="1" dirty="0"/>
+          </a:p>
+          <a:p>
+            <a:pPr marL="0" indent="0">
+              <a:buNone/>
+            </a:pPr>
+            <a:r>
+              <a:rPr lang="en-US" b="1" dirty="0" err="1"/>
               <a:t>thistuple</a:t>
             </a:r>
             <a:r>
-              <a:rPr lang="en-US" b="1" dirty="0" smtClean="0"/>
+              <a:rPr lang="en-US" b="1" dirty="0"/>
               <a:t> = ("apple", "banana", "cherry")</a:t>
             </a:r>
           </a:p>
@@ -7551,15 +8081,15 @@
               <a:buNone/>
             </a:pPr>
             <a:r>
-              <a:rPr lang="en-US" b="1" dirty="0" smtClean="0"/>
+              <a:rPr lang="en-US" b="1" dirty="0"/>
               <a:t>print(</a:t>
             </a:r>
             <a:r>
-              <a:rPr lang="en-US" b="1" dirty="0" err="1" smtClean="0"/>
+              <a:rPr lang="en-US" b="1" dirty="0" err="1"/>
               <a:t>thistuple</a:t>
             </a:r>
             <a:r>
-              <a:rPr lang="en-US" b="1" dirty="0" smtClean="0"/>
+              <a:rPr lang="en-US" b="1" dirty="0"/>
               <a:t>[1])</a:t>
             </a:r>
           </a:p>
@@ -7593,9 +8123,9 @@
 </file>
 
 <file path=ppt/theme/theme1.xml><?xml version="1.0" encoding="utf-8"?>
-<a:theme xmlns:a="http://schemas.openxmlformats.org/drawingml/2006/main" name="Office Theme">
+<a:theme xmlns:a="http://schemas.openxmlformats.org/drawingml/2006/main" name="Gallery">
   <a:themeElements>
-    <a:clrScheme name="Office">
+    <a:clrScheme name="Gallery">
       <a:dk1>
         <a:sysClr val="windowText" lastClr="000000"/>
       </a:dk1>
@@ -7603,44 +8133,44 @@
         <a:sysClr val="window" lastClr="FFFFFF"/>
       </a:lt1>
       <a:dk2>
-        <a:srgbClr val="44546A"/>
+        <a:srgbClr val="454545"/>
       </a:dk2>
       <a:lt2>
-        <a:srgbClr val="E7E6E6"/>
+        <a:srgbClr val="DFDBD5"/>
       </a:lt2>
       <a:accent1>
-        <a:srgbClr val="5B9BD5"/>
+        <a:srgbClr val="B71E42"/>
       </a:accent1>
       <a:accent2>
-        <a:srgbClr val="ED7D31"/>
+        <a:srgbClr val="DE478E"/>
       </a:accent2>
       <a:accent3>
-        <a:srgbClr val="A5A5A5"/>
+        <a:srgbClr val="BC72F0"/>
       </a:accent3>
       <a:accent4>
-        <a:srgbClr val="FFC000"/>
+        <a:srgbClr val="795FAF"/>
       </a:accent4>
       <a:accent5>
-        <a:srgbClr val="4472C4"/>
+        <a:srgbClr val="586EA6"/>
       </a:accent5>
       <a:accent6>
-        <a:srgbClr val="70AD47"/>
+        <a:srgbClr val="6892A0"/>
       </a:accent6>
       <a:hlink>
-        <a:srgbClr val="0563C1"/>
+        <a:srgbClr val="FA2B5C"/>
       </a:hlink>
       <a:folHlink>
-        <a:srgbClr val="954F72"/>
+        <a:srgbClr val="BC658E"/>
       </a:folHlink>
     </a:clrScheme>
-    <a:fontScheme name="Office">
+    <a:fontScheme name="Gallery">
       <a:majorFont>
-        <a:latin typeface="Calibri Light" panose="020F0302020204030204"/>
+        <a:latin typeface="Gill Sans MT" panose="020B0502020104020203"/>
         <a:ea typeface=""/>
         <a:cs typeface=""/>
-        <a:font script="Jpan" typeface="ＭＳ Ｐゴシック"/>
+        <a:font script="Jpan" typeface="游ゴシック Light"/>
         <a:font script="Hang" typeface="맑은 고딕"/>
-        <a:font script="Hans" typeface="宋体"/>
+        <a:font script="Hans" typeface="等线 Light"/>
         <a:font script="Hant" typeface="新細明體"/>
         <a:font script="Arab" typeface="Times New Roman"/>
         <a:font script="Hebr" typeface="Times New Roman"/>
@@ -7670,12 +8200,12 @@
         <a:font script="Geor" typeface="Sylfaen"/>
       </a:majorFont>
       <a:minorFont>
-        <a:latin typeface="Calibri" panose="020F0502020204030204"/>
+        <a:latin typeface="Gill Sans MT" panose="020B0502020104020203"/>
         <a:ea typeface=""/>
         <a:cs typeface=""/>
-        <a:font script="Jpan" typeface="ＭＳ Ｐゴシック"/>
+        <a:font script="Jpan" typeface="游ゴシック"/>
         <a:font script="Hang" typeface="맑은 고딕"/>
-        <a:font script="Hans" typeface="宋体"/>
+        <a:font script="Hans" typeface="等线"/>
         <a:font script="Hant" typeface="新細明體"/>
         <a:font script="Arab" typeface="Arial"/>
         <a:font script="Hebr" typeface="Arial"/>
@@ -7705,7 +8235,7 @@
         <a:font script="Geor" typeface="Sylfaen"/>
       </a:minorFont>
     </a:fontScheme>
-    <a:fmtScheme name="Office">
+    <a:fmtScheme name="Gallery">
       <a:fillStyleLst>
         <a:solidFill>
           <a:schemeClr val="phClr"/>
@@ -7714,23 +8244,18 @@
           <a:gsLst>
             <a:gs pos="0">
               <a:schemeClr val="phClr">
+                <a:tint val="54000"/>
+                <a:alpha val="100000"/>
+                <a:satMod val="105000"/>
                 <a:lumMod val="110000"/>
-                <a:satMod val="105000"/>
-                <a:tint val="67000"/>
-              </a:schemeClr>
-            </a:gs>
-            <a:gs pos="50000">
-              <a:schemeClr val="phClr">
-                <a:lumMod val="105000"/>
-                <a:satMod val="103000"/>
-                <a:tint val="73000"/>
               </a:schemeClr>
             </a:gs>
             <a:gs pos="100000">
               <a:schemeClr val="phClr">
-                <a:lumMod val="105000"/>
+                <a:tint val="78000"/>
+                <a:alpha val="92000"/>
                 <a:satMod val="109000"/>
-                <a:tint val="81000"/>
+                <a:lumMod val="100000"/>
               </a:schemeClr>
             </a:gs>
           </a:gsLst>
@@ -7740,23 +8265,23 @@
           <a:gsLst>
             <a:gs pos="0">
               <a:schemeClr val="phClr">
-                <a:satMod val="103000"/>
-                <a:lumMod val="102000"/>
-                <a:tint val="94000"/>
+                <a:tint val="98000"/>
+                <a:satMod val="110000"/>
+                <a:lumMod val="104000"/>
               </a:schemeClr>
             </a:gs>
-            <a:gs pos="50000">
+            <a:gs pos="69000">
               <a:schemeClr val="phClr">
-                <a:satMod val="110000"/>
-                <a:lumMod val="100000"/>
-                <a:shade val="100000"/>
+                <a:shade val="88000"/>
+                <a:satMod val="130000"/>
+                <a:lumMod val="92000"/>
               </a:schemeClr>
             </a:gs>
             <a:gs pos="100000">
               <a:schemeClr val="phClr">
-                <a:lumMod val="99000"/>
-                <a:satMod val="120000"/>
                 <a:shade val="78000"/>
+                <a:satMod val="130000"/>
+                <a:lumMod val="92000"/>
               </a:schemeClr>
             </a:gs>
           </a:gsLst>
@@ -7764,26 +8289,23 @@
         </a:gradFill>
       </a:fillStyleLst>
       <a:lnStyleLst>
-        <a:ln w="6350" cap="flat" cmpd="sng" algn="ctr">
+        <a:ln w="9525" cap="flat" cmpd="sng" algn="ctr">
           <a:solidFill>
             <a:schemeClr val="phClr"/>
           </a:solidFill>
           <a:prstDash val="solid"/>
-          <a:miter lim="800000"/>
         </a:ln>
-        <a:ln w="12700" cap="flat" cmpd="sng" algn="ctr">
+        <a:ln w="15875" cap="flat" cmpd="sng" algn="ctr">
           <a:solidFill>
             <a:schemeClr val="phClr"/>
           </a:solidFill>
           <a:prstDash val="solid"/>
-          <a:miter lim="800000"/>
         </a:ln>
-        <a:ln w="19050" cap="flat" cmpd="sng" algn="ctr">
+        <a:ln w="22225" cap="flat" cmpd="sng" algn="ctr">
           <a:solidFill>
             <a:schemeClr val="phClr"/>
           </a:solidFill>
           <a:prstDash val="solid"/>
-          <a:miter lim="800000"/>
         </a:ln>
       </a:lnStyleLst>
       <a:effectStyleLst>
@@ -7795,12 +8317,23 @@
         </a:effectStyle>
         <a:effectStyle>
           <a:effectLst>
-            <a:outerShdw blurRad="57150" dist="19050" dir="5400000" algn="ctr" rotWithShape="0">
+            <a:outerShdw blurRad="50800" dist="50800" dir="5400000" sx="96000" sy="96000" rotWithShape="0">
               <a:srgbClr val="000000">
-                <a:alpha val="63000"/>
+                <a:alpha val="48000"/>
               </a:srgbClr>
             </a:outerShdw>
           </a:effectLst>
+          <a:scene3d>
+            <a:camera prst="orthographicFront">
+              <a:rot lat="0" lon="0" rev="0"/>
+            </a:camera>
+            <a:lightRig rig="balanced" dir="t">
+              <a:rot lat="0" lon="0" rev="1080000"/>
+            </a:lightRig>
+          </a:scene3d>
+          <a:sp3d>
+            <a:bevelT w="38100" h="12700" prst="softRound"/>
+          </a:sp3d>
         </a:effectStyle>
       </a:effectStyleLst>
       <a:bgFillStyleLst>
@@ -7808,37 +8341,26 @@
           <a:schemeClr val="phClr"/>
         </a:solidFill>
         <a:solidFill>
-          <a:schemeClr val="phClr">
-            <a:tint val="95000"/>
-            <a:satMod val="170000"/>
-          </a:schemeClr>
+          <a:schemeClr val="phClr"/>
         </a:solidFill>
         <a:gradFill rotWithShape="1">
           <a:gsLst>
             <a:gs pos="0">
               <a:schemeClr val="phClr">
-                <a:tint val="93000"/>
-                <a:satMod val="150000"/>
-                <a:shade val="98000"/>
-                <a:lumMod val="102000"/>
-              </a:schemeClr>
-            </a:gs>
-            <a:gs pos="50000">
-              <a:schemeClr val="phClr">
-                <a:tint val="98000"/>
-                <a:satMod val="130000"/>
-                <a:shade val="90000"/>
-                <a:lumMod val="103000"/>
+                <a:tint val="94000"/>
+                <a:satMod val="80000"/>
+                <a:lumMod val="106000"/>
               </a:schemeClr>
             </a:gs>
             <a:gs pos="100000">
               <a:schemeClr val="phClr">
-                <a:shade val="63000"/>
-                <a:satMod val="120000"/>
+                <a:shade val="80000"/>
               </a:schemeClr>
             </a:gs>
           </a:gsLst>
-          <a:lin ang="5400000" scaled="0"/>
+          <a:path path="circle">
+            <a:fillToRect l="50000" t="50000" r="50000" b="50000"/>
+          </a:path>
         </a:gradFill>
       </a:bgFillStyleLst>
     </a:fmtScheme>
@@ -7847,7 +8369,7 @@
   <a:extraClrSchemeLst/>
   <a:extLst>
     <a:ext uri="{05A4C25C-085E-4340-85A3-A5531E510DB2}">
-      <thm15:themeFamily xmlns:thm15="http://schemas.microsoft.com/office/thememl/2012/main" name="Office Theme" id="{62F939B6-93AF-4DB8-9C6B-D6C7DFDC589F}" vid="{4A3C46E8-61CC-4603-A589-7422A47A8E4A}"/>
+      <thm15:themeFamily xmlns:thm15="http://schemas.microsoft.com/office/thememl/2012/main" name="Gallery" id="{BBFCD31E-59A1-489D-B089-A3EAD7CAE12E}" vid="{F5E91637-A7B6-4E27-B710-77DA7014EE1E}"/>
     </a:ext>
   </a:extLst>
 </a:theme>
